--- a/R_Morgan_Project4_Files/R_Morgan_Project4_Presentation.pptx
+++ b/R_Morgan_Project4_Files/R_Morgan_Project4_Presentation.pptx
@@ -10,7 +10,8 @@
     <p:sldId id="261" r:id="rId4"/>
     <p:sldId id="257" r:id="rId5"/>
     <p:sldId id="258" r:id="rId6"/>
-    <p:sldId id="259" r:id="rId7"/>
+    <p:sldId id="262" r:id="rId7"/>
+    <p:sldId id="259" r:id="rId8"/>
   </p:sldIdLst>
   <p:sldSz cx="12192000" cy="6858000"/>
   <p:notesSz cx="6858000" cy="9144000"/>
@@ -109,7 +110,4939 @@
       </a:defRPr>
     </a:lvl9pPr>
   </p:defaultTextStyle>
+  <p:extLst>
+    <p:ext uri="{EFAFB233-063F-42B5-8137-9DF3F51BA10A}">
+      <p15:sldGuideLst xmlns:p15="http://schemas.microsoft.com/office/powerpoint/2012/main"/>
+    </p:ext>
+  </p:extLst>
 </p:presentation>
+</file>
+
+<file path=ppt/diagrams/colors1.xml><?xml version="1.0" encoding="utf-8"?>
+<dgm:colorsDef xmlns:dgm="http://schemas.openxmlformats.org/drawingml/2006/diagram" xmlns:a="http://schemas.openxmlformats.org/drawingml/2006/main" uniqueId="urn:microsoft.com/office/officeart/2005/8/colors/accent1_2">
+  <dgm:title val=""/>
+  <dgm:desc val=""/>
+  <dgm:catLst>
+    <dgm:cat type="accent1" pri="11200"/>
+  </dgm:catLst>
+  <dgm:styleLbl name="node0">
+    <dgm:fillClrLst meth="repeat">
+      <a:schemeClr val="accent1"/>
+    </dgm:fillClrLst>
+    <dgm:linClrLst meth="repeat">
+      <a:schemeClr val="lt1"/>
+    </dgm:linClrLst>
+    <dgm:effectClrLst/>
+    <dgm:txLinClrLst/>
+    <dgm:txFillClrLst/>
+    <dgm:txEffectClrLst/>
+  </dgm:styleLbl>
+  <dgm:styleLbl name="alignNode1">
+    <dgm:fillClrLst meth="repeat">
+      <a:schemeClr val="accent1"/>
+    </dgm:fillClrLst>
+    <dgm:linClrLst meth="repeat">
+      <a:schemeClr val="accent1"/>
+    </dgm:linClrLst>
+    <dgm:effectClrLst/>
+    <dgm:txLinClrLst/>
+    <dgm:txFillClrLst/>
+    <dgm:txEffectClrLst/>
+  </dgm:styleLbl>
+  <dgm:styleLbl name="node1">
+    <dgm:fillClrLst meth="repeat">
+      <a:schemeClr val="accent1"/>
+    </dgm:fillClrLst>
+    <dgm:linClrLst meth="repeat">
+      <a:schemeClr val="lt1"/>
+    </dgm:linClrLst>
+    <dgm:effectClrLst/>
+    <dgm:txLinClrLst/>
+    <dgm:txFillClrLst/>
+    <dgm:txEffectClrLst/>
+  </dgm:styleLbl>
+  <dgm:styleLbl name="lnNode1">
+    <dgm:fillClrLst meth="repeat">
+      <a:schemeClr val="accent1"/>
+    </dgm:fillClrLst>
+    <dgm:linClrLst meth="repeat">
+      <a:schemeClr val="lt1"/>
+    </dgm:linClrLst>
+    <dgm:effectClrLst/>
+    <dgm:txLinClrLst/>
+    <dgm:txFillClrLst/>
+    <dgm:txEffectClrLst/>
+  </dgm:styleLbl>
+  <dgm:styleLbl name="vennNode1">
+    <dgm:fillClrLst meth="repeat">
+      <a:schemeClr val="accent1">
+        <a:alpha val="50000"/>
+      </a:schemeClr>
+    </dgm:fillClrLst>
+    <dgm:linClrLst meth="repeat">
+      <a:schemeClr val="lt1"/>
+    </dgm:linClrLst>
+    <dgm:effectClrLst/>
+    <dgm:txLinClrLst/>
+    <dgm:txFillClrLst/>
+    <dgm:txEffectClrLst/>
+  </dgm:styleLbl>
+  <dgm:styleLbl name="node2">
+    <dgm:fillClrLst meth="repeat">
+      <a:schemeClr val="accent1"/>
+    </dgm:fillClrLst>
+    <dgm:linClrLst meth="repeat">
+      <a:schemeClr val="lt1"/>
+    </dgm:linClrLst>
+    <dgm:effectClrLst/>
+    <dgm:txLinClrLst/>
+    <dgm:txFillClrLst/>
+    <dgm:txEffectClrLst/>
+  </dgm:styleLbl>
+  <dgm:styleLbl name="node3">
+    <dgm:fillClrLst meth="repeat">
+      <a:schemeClr val="accent1"/>
+    </dgm:fillClrLst>
+    <dgm:linClrLst meth="repeat">
+      <a:schemeClr val="lt1"/>
+    </dgm:linClrLst>
+    <dgm:effectClrLst/>
+    <dgm:txLinClrLst/>
+    <dgm:txFillClrLst/>
+    <dgm:txEffectClrLst/>
+  </dgm:styleLbl>
+  <dgm:styleLbl name="node4">
+    <dgm:fillClrLst meth="repeat">
+      <a:schemeClr val="accent1"/>
+    </dgm:fillClrLst>
+    <dgm:linClrLst meth="repeat">
+      <a:schemeClr val="lt1"/>
+    </dgm:linClrLst>
+    <dgm:effectClrLst/>
+    <dgm:txLinClrLst/>
+    <dgm:txFillClrLst/>
+    <dgm:txEffectClrLst/>
+  </dgm:styleLbl>
+  <dgm:styleLbl name="fgImgPlace1">
+    <dgm:fillClrLst meth="repeat">
+      <a:schemeClr val="accent1">
+        <a:tint val="50000"/>
+      </a:schemeClr>
+    </dgm:fillClrLst>
+    <dgm:linClrLst meth="repeat">
+      <a:schemeClr val="lt1"/>
+    </dgm:linClrLst>
+    <dgm:effectClrLst/>
+    <dgm:txLinClrLst/>
+    <dgm:txFillClrLst meth="repeat">
+      <a:schemeClr val="lt1"/>
+    </dgm:txFillClrLst>
+    <dgm:txEffectClrLst/>
+  </dgm:styleLbl>
+  <dgm:styleLbl name="alignImgPlace1">
+    <dgm:fillClrLst meth="repeat">
+      <a:schemeClr val="accent1">
+        <a:tint val="50000"/>
+      </a:schemeClr>
+    </dgm:fillClrLst>
+    <dgm:linClrLst meth="repeat">
+      <a:schemeClr val="lt1"/>
+    </dgm:linClrLst>
+    <dgm:effectClrLst/>
+    <dgm:txLinClrLst/>
+    <dgm:txFillClrLst meth="repeat">
+      <a:schemeClr val="lt1"/>
+    </dgm:txFillClrLst>
+    <dgm:txEffectClrLst/>
+  </dgm:styleLbl>
+  <dgm:styleLbl name="bgImgPlace1">
+    <dgm:fillClrLst meth="repeat">
+      <a:schemeClr val="accent1">
+        <a:tint val="50000"/>
+      </a:schemeClr>
+    </dgm:fillClrLst>
+    <dgm:linClrLst meth="repeat">
+      <a:schemeClr val="lt1"/>
+    </dgm:linClrLst>
+    <dgm:effectClrLst/>
+    <dgm:txLinClrLst/>
+    <dgm:txFillClrLst meth="repeat">
+      <a:schemeClr val="lt1"/>
+    </dgm:txFillClrLst>
+    <dgm:txEffectClrLst/>
+  </dgm:styleLbl>
+  <dgm:styleLbl name="sibTrans2D1">
+    <dgm:fillClrLst meth="repeat">
+      <a:schemeClr val="accent1">
+        <a:tint val="60000"/>
+      </a:schemeClr>
+    </dgm:fillClrLst>
+    <dgm:linClrLst meth="repeat">
+      <a:schemeClr val="accent1">
+        <a:tint val="60000"/>
+      </a:schemeClr>
+    </dgm:linClrLst>
+    <dgm:effectClrLst/>
+    <dgm:txLinClrLst/>
+    <dgm:txFillClrLst/>
+    <dgm:txEffectClrLst/>
+  </dgm:styleLbl>
+  <dgm:styleLbl name="fgSibTrans2D1">
+    <dgm:fillClrLst meth="repeat">
+      <a:schemeClr val="accent1">
+        <a:tint val="60000"/>
+      </a:schemeClr>
+    </dgm:fillClrLst>
+    <dgm:linClrLst meth="repeat">
+      <a:schemeClr val="accent1">
+        <a:tint val="60000"/>
+      </a:schemeClr>
+    </dgm:linClrLst>
+    <dgm:effectClrLst/>
+    <dgm:txLinClrLst/>
+    <dgm:txFillClrLst/>
+    <dgm:txEffectClrLst/>
+  </dgm:styleLbl>
+  <dgm:styleLbl name="bgSibTrans2D1">
+    <dgm:fillClrLst meth="repeat">
+      <a:schemeClr val="accent1">
+        <a:tint val="60000"/>
+      </a:schemeClr>
+    </dgm:fillClrLst>
+    <dgm:linClrLst meth="repeat">
+      <a:schemeClr val="accent1">
+        <a:tint val="60000"/>
+      </a:schemeClr>
+    </dgm:linClrLst>
+    <dgm:effectClrLst/>
+    <dgm:txLinClrLst/>
+    <dgm:txFillClrLst/>
+    <dgm:txEffectClrLst/>
+  </dgm:styleLbl>
+  <dgm:styleLbl name="sibTrans1D1">
+    <dgm:fillClrLst meth="repeat">
+      <a:schemeClr val="accent1"/>
+    </dgm:fillClrLst>
+    <dgm:linClrLst meth="repeat">
+      <a:schemeClr val="accent1"/>
+    </dgm:linClrLst>
+    <dgm:effectClrLst/>
+    <dgm:txLinClrLst/>
+    <dgm:txFillClrLst meth="repeat">
+      <a:schemeClr val="tx1"/>
+    </dgm:txFillClrLst>
+    <dgm:txEffectClrLst/>
+  </dgm:styleLbl>
+  <dgm:styleLbl name="callout">
+    <dgm:fillClrLst meth="repeat">
+      <a:schemeClr val="accent1"/>
+    </dgm:fillClrLst>
+    <dgm:linClrLst meth="repeat">
+      <a:schemeClr val="accent1">
+        <a:tint val="50000"/>
+      </a:schemeClr>
+    </dgm:linClrLst>
+    <dgm:effectClrLst/>
+    <dgm:txLinClrLst/>
+    <dgm:txFillClrLst meth="repeat">
+      <a:schemeClr val="tx1"/>
+    </dgm:txFillClrLst>
+    <dgm:txEffectClrLst/>
+  </dgm:styleLbl>
+  <dgm:styleLbl name="asst0">
+    <dgm:fillClrLst meth="repeat">
+      <a:schemeClr val="accent1"/>
+    </dgm:fillClrLst>
+    <dgm:linClrLst meth="repeat">
+      <a:schemeClr val="lt1"/>
+    </dgm:linClrLst>
+    <dgm:effectClrLst/>
+    <dgm:txLinClrLst/>
+    <dgm:txFillClrLst/>
+    <dgm:txEffectClrLst/>
+  </dgm:styleLbl>
+  <dgm:styleLbl name="asst1">
+    <dgm:fillClrLst meth="repeat">
+      <a:schemeClr val="accent1"/>
+    </dgm:fillClrLst>
+    <dgm:linClrLst meth="repeat">
+      <a:schemeClr val="lt1"/>
+    </dgm:linClrLst>
+    <dgm:effectClrLst/>
+    <dgm:txLinClrLst/>
+    <dgm:txFillClrLst/>
+    <dgm:txEffectClrLst/>
+  </dgm:styleLbl>
+  <dgm:styleLbl name="asst2">
+    <dgm:fillClrLst meth="repeat">
+      <a:schemeClr val="accent1"/>
+    </dgm:fillClrLst>
+    <dgm:linClrLst meth="repeat">
+      <a:schemeClr val="lt1"/>
+    </dgm:linClrLst>
+    <dgm:effectClrLst/>
+    <dgm:txLinClrLst/>
+    <dgm:txFillClrLst/>
+    <dgm:txEffectClrLst/>
+  </dgm:styleLbl>
+  <dgm:styleLbl name="asst3">
+    <dgm:fillClrLst meth="repeat">
+      <a:schemeClr val="accent1"/>
+    </dgm:fillClrLst>
+    <dgm:linClrLst meth="repeat">
+      <a:schemeClr val="lt1"/>
+    </dgm:linClrLst>
+    <dgm:effectClrLst/>
+    <dgm:txLinClrLst/>
+    <dgm:txFillClrLst/>
+    <dgm:txEffectClrLst/>
+  </dgm:styleLbl>
+  <dgm:styleLbl name="asst4">
+    <dgm:fillClrLst meth="repeat">
+      <a:schemeClr val="accent1"/>
+    </dgm:fillClrLst>
+    <dgm:linClrLst meth="repeat">
+      <a:schemeClr val="lt1"/>
+    </dgm:linClrLst>
+    <dgm:effectClrLst/>
+    <dgm:txLinClrLst/>
+    <dgm:txFillClrLst/>
+    <dgm:txEffectClrLst/>
+  </dgm:styleLbl>
+  <dgm:styleLbl name="parChTrans2D1">
+    <dgm:fillClrLst meth="repeat">
+      <a:schemeClr val="accent1">
+        <a:tint val="60000"/>
+      </a:schemeClr>
+    </dgm:fillClrLst>
+    <dgm:linClrLst meth="repeat">
+      <a:schemeClr val="accent1">
+        <a:tint val="60000"/>
+      </a:schemeClr>
+    </dgm:linClrLst>
+    <dgm:effectClrLst/>
+    <dgm:txLinClrLst/>
+    <dgm:txFillClrLst meth="repeat">
+      <a:schemeClr val="lt1"/>
+    </dgm:txFillClrLst>
+    <dgm:txEffectClrLst/>
+  </dgm:styleLbl>
+  <dgm:styleLbl name="parChTrans2D2">
+    <dgm:fillClrLst meth="repeat">
+      <a:schemeClr val="accent1"/>
+    </dgm:fillClrLst>
+    <dgm:linClrLst meth="repeat">
+      <a:schemeClr val="accent1"/>
+    </dgm:linClrLst>
+    <dgm:effectClrLst/>
+    <dgm:txLinClrLst/>
+    <dgm:txFillClrLst meth="repeat">
+      <a:schemeClr val="lt1"/>
+    </dgm:txFillClrLst>
+    <dgm:txEffectClrLst/>
+  </dgm:styleLbl>
+  <dgm:styleLbl name="parChTrans2D3">
+    <dgm:fillClrLst meth="repeat">
+      <a:schemeClr val="accent1"/>
+    </dgm:fillClrLst>
+    <dgm:linClrLst meth="repeat">
+      <a:schemeClr val="accent1"/>
+    </dgm:linClrLst>
+    <dgm:effectClrLst/>
+    <dgm:txLinClrLst/>
+    <dgm:txFillClrLst meth="repeat">
+      <a:schemeClr val="lt1"/>
+    </dgm:txFillClrLst>
+    <dgm:txEffectClrLst/>
+  </dgm:styleLbl>
+  <dgm:styleLbl name="parChTrans2D4">
+    <dgm:fillClrLst meth="repeat">
+      <a:schemeClr val="accent1"/>
+    </dgm:fillClrLst>
+    <dgm:linClrLst meth="repeat">
+      <a:schemeClr val="accent1"/>
+    </dgm:linClrLst>
+    <dgm:effectClrLst/>
+    <dgm:txLinClrLst/>
+    <dgm:txFillClrLst meth="repeat">
+      <a:schemeClr val="lt1"/>
+    </dgm:txFillClrLst>
+    <dgm:txEffectClrLst/>
+  </dgm:styleLbl>
+  <dgm:styleLbl name="parChTrans1D1">
+    <dgm:fillClrLst meth="repeat">
+      <a:schemeClr val="accent1"/>
+    </dgm:fillClrLst>
+    <dgm:linClrLst meth="repeat">
+      <a:schemeClr val="accent1">
+        <a:shade val="60000"/>
+      </a:schemeClr>
+    </dgm:linClrLst>
+    <dgm:effectClrLst/>
+    <dgm:txLinClrLst/>
+    <dgm:txFillClrLst meth="repeat">
+      <a:schemeClr val="tx1"/>
+    </dgm:txFillClrLst>
+    <dgm:txEffectClrLst/>
+  </dgm:styleLbl>
+  <dgm:styleLbl name="parChTrans1D2">
+    <dgm:fillClrLst meth="repeat">
+      <a:schemeClr val="accent1"/>
+    </dgm:fillClrLst>
+    <dgm:linClrLst meth="repeat">
+      <a:schemeClr val="accent1">
+        <a:shade val="60000"/>
+      </a:schemeClr>
+    </dgm:linClrLst>
+    <dgm:effectClrLst/>
+    <dgm:txLinClrLst/>
+    <dgm:txFillClrLst meth="repeat">
+      <a:schemeClr val="tx1"/>
+    </dgm:txFillClrLst>
+    <dgm:txEffectClrLst/>
+  </dgm:styleLbl>
+  <dgm:styleLbl name="parChTrans1D3">
+    <dgm:fillClrLst meth="repeat">
+      <a:schemeClr val="accent1"/>
+    </dgm:fillClrLst>
+    <dgm:linClrLst meth="repeat">
+      <a:schemeClr val="accent1">
+        <a:shade val="80000"/>
+      </a:schemeClr>
+    </dgm:linClrLst>
+    <dgm:effectClrLst/>
+    <dgm:txLinClrLst/>
+    <dgm:txFillClrLst meth="repeat">
+      <a:schemeClr val="tx1"/>
+    </dgm:txFillClrLst>
+    <dgm:txEffectClrLst/>
+  </dgm:styleLbl>
+  <dgm:styleLbl name="parChTrans1D4">
+    <dgm:fillClrLst meth="repeat">
+      <a:schemeClr val="accent1"/>
+    </dgm:fillClrLst>
+    <dgm:linClrLst meth="repeat">
+      <a:schemeClr val="accent1">
+        <a:shade val="80000"/>
+      </a:schemeClr>
+    </dgm:linClrLst>
+    <dgm:effectClrLst/>
+    <dgm:txLinClrLst/>
+    <dgm:txFillClrLst meth="repeat">
+      <a:schemeClr val="tx1"/>
+    </dgm:txFillClrLst>
+    <dgm:txEffectClrLst/>
+  </dgm:styleLbl>
+  <dgm:styleLbl name="fgAcc1">
+    <dgm:fillClrLst meth="repeat">
+      <a:schemeClr val="lt1">
+        <a:alpha val="90000"/>
+      </a:schemeClr>
+    </dgm:fillClrLst>
+    <dgm:linClrLst meth="repeat">
+      <a:schemeClr val="accent1"/>
+    </dgm:linClrLst>
+    <dgm:effectClrLst/>
+    <dgm:txLinClrLst/>
+    <dgm:txFillClrLst meth="repeat">
+      <a:schemeClr val="dk1"/>
+    </dgm:txFillClrLst>
+    <dgm:txEffectClrLst/>
+  </dgm:styleLbl>
+  <dgm:styleLbl name="conFgAcc1">
+    <dgm:fillClrLst meth="repeat">
+      <a:schemeClr val="lt1">
+        <a:alpha val="90000"/>
+      </a:schemeClr>
+    </dgm:fillClrLst>
+    <dgm:linClrLst meth="repeat">
+      <a:schemeClr val="accent1"/>
+    </dgm:linClrLst>
+    <dgm:effectClrLst/>
+    <dgm:txLinClrLst/>
+    <dgm:txFillClrLst meth="repeat">
+      <a:schemeClr val="dk1"/>
+    </dgm:txFillClrLst>
+    <dgm:txEffectClrLst/>
+  </dgm:styleLbl>
+  <dgm:styleLbl name="alignAcc1">
+    <dgm:fillClrLst meth="repeat">
+      <a:schemeClr val="lt1">
+        <a:alpha val="90000"/>
+      </a:schemeClr>
+    </dgm:fillClrLst>
+    <dgm:linClrLst meth="repeat">
+      <a:schemeClr val="accent1"/>
+    </dgm:linClrLst>
+    <dgm:effectClrLst/>
+    <dgm:txLinClrLst/>
+    <dgm:txFillClrLst meth="repeat">
+      <a:schemeClr val="dk1"/>
+    </dgm:txFillClrLst>
+    <dgm:txEffectClrLst/>
+  </dgm:styleLbl>
+  <dgm:styleLbl name="trAlignAcc1">
+    <dgm:fillClrLst meth="repeat">
+      <a:schemeClr val="lt1">
+        <a:alpha val="40000"/>
+      </a:schemeClr>
+    </dgm:fillClrLst>
+    <dgm:linClrLst meth="repeat">
+      <a:schemeClr val="accent1"/>
+    </dgm:linClrLst>
+    <dgm:effectClrLst/>
+    <dgm:txLinClrLst/>
+    <dgm:txFillClrLst meth="repeat">
+      <a:schemeClr val="dk1"/>
+    </dgm:txFillClrLst>
+    <dgm:txEffectClrLst/>
+  </dgm:styleLbl>
+  <dgm:styleLbl name="bgAcc1">
+    <dgm:fillClrLst meth="repeat">
+      <a:schemeClr val="lt1">
+        <a:alpha val="90000"/>
+      </a:schemeClr>
+    </dgm:fillClrLst>
+    <dgm:linClrLst meth="repeat">
+      <a:schemeClr val="accent1"/>
+    </dgm:linClrLst>
+    <dgm:effectClrLst/>
+    <dgm:txLinClrLst/>
+    <dgm:txFillClrLst meth="repeat">
+      <a:schemeClr val="dk1"/>
+    </dgm:txFillClrLst>
+    <dgm:txEffectClrLst/>
+  </dgm:styleLbl>
+  <dgm:styleLbl name="solidFgAcc1">
+    <dgm:fillClrLst meth="repeat">
+      <a:schemeClr val="lt1"/>
+    </dgm:fillClrLst>
+    <dgm:linClrLst meth="repeat">
+      <a:schemeClr val="accent1"/>
+    </dgm:linClrLst>
+    <dgm:effectClrLst/>
+    <dgm:txLinClrLst/>
+    <dgm:txFillClrLst meth="repeat">
+      <a:schemeClr val="dk1"/>
+    </dgm:txFillClrLst>
+    <dgm:txEffectClrLst/>
+  </dgm:styleLbl>
+  <dgm:styleLbl name="solidAlignAcc1">
+    <dgm:fillClrLst meth="repeat">
+      <a:schemeClr val="lt1"/>
+    </dgm:fillClrLst>
+    <dgm:linClrLst meth="repeat">
+      <a:schemeClr val="accent1"/>
+    </dgm:linClrLst>
+    <dgm:effectClrLst/>
+    <dgm:txLinClrLst/>
+    <dgm:txFillClrLst meth="repeat">
+      <a:schemeClr val="dk1"/>
+    </dgm:txFillClrLst>
+    <dgm:txEffectClrLst/>
+  </dgm:styleLbl>
+  <dgm:styleLbl name="solidBgAcc1">
+    <dgm:fillClrLst meth="repeat">
+      <a:schemeClr val="lt1"/>
+    </dgm:fillClrLst>
+    <dgm:linClrLst meth="repeat">
+      <a:schemeClr val="accent1"/>
+    </dgm:linClrLst>
+    <dgm:effectClrLst/>
+    <dgm:txLinClrLst/>
+    <dgm:txFillClrLst meth="repeat">
+      <a:schemeClr val="dk1"/>
+    </dgm:txFillClrLst>
+    <dgm:txEffectClrLst/>
+  </dgm:styleLbl>
+  <dgm:styleLbl name="fgAccFollowNode1">
+    <dgm:fillClrLst meth="repeat">
+      <a:schemeClr val="accent1">
+        <a:alpha val="90000"/>
+        <a:tint val="40000"/>
+      </a:schemeClr>
+    </dgm:fillClrLst>
+    <dgm:linClrLst meth="repeat">
+      <a:schemeClr val="accent1">
+        <a:alpha val="90000"/>
+        <a:tint val="40000"/>
+      </a:schemeClr>
+    </dgm:linClrLst>
+    <dgm:effectClrLst/>
+    <dgm:txLinClrLst/>
+    <dgm:txFillClrLst meth="repeat">
+      <a:schemeClr val="dk1"/>
+    </dgm:txFillClrLst>
+    <dgm:txEffectClrLst/>
+  </dgm:styleLbl>
+  <dgm:styleLbl name="alignAccFollowNode1">
+    <dgm:fillClrLst meth="repeat">
+      <a:schemeClr val="accent1">
+        <a:alpha val="90000"/>
+        <a:tint val="40000"/>
+      </a:schemeClr>
+    </dgm:fillClrLst>
+    <dgm:linClrLst meth="repeat">
+      <a:schemeClr val="accent1">
+        <a:alpha val="90000"/>
+        <a:tint val="40000"/>
+      </a:schemeClr>
+    </dgm:linClrLst>
+    <dgm:effectClrLst/>
+    <dgm:txLinClrLst/>
+    <dgm:txFillClrLst meth="repeat">
+      <a:schemeClr val="dk1"/>
+    </dgm:txFillClrLst>
+    <dgm:txEffectClrLst/>
+  </dgm:styleLbl>
+  <dgm:styleLbl name="bgAccFollowNode1">
+    <dgm:fillClrLst meth="repeat">
+      <a:schemeClr val="accent1">
+        <a:alpha val="90000"/>
+        <a:tint val="40000"/>
+      </a:schemeClr>
+    </dgm:fillClrLst>
+    <dgm:linClrLst meth="repeat">
+      <a:schemeClr val="accent1">
+        <a:alpha val="90000"/>
+        <a:tint val="40000"/>
+      </a:schemeClr>
+    </dgm:linClrLst>
+    <dgm:effectClrLst/>
+    <dgm:txLinClrLst/>
+    <dgm:txFillClrLst meth="repeat">
+      <a:schemeClr val="dk1"/>
+    </dgm:txFillClrLst>
+    <dgm:txEffectClrLst/>
+  </dgm:styleLbl>
+  <dgm:styleLbl name="fgAcc0">
+    <dgm:fillClrLst meth="repeat">
+      <a:schemeClr val="lt1">
+        <a:alpha val="90000"/>
+      </a:schemeClr>
+    </dgm:fillClrLst>
+    <dgm:linClrLst meth="repeat">
+      <a:schemeClr val="accent1"/>
+    </dgm:linClrLst>
+    <dgm:effectClrLst/>
+    <dgm:txLinClrLst/>
+    <dgm:txFillClrLst meth="repeat">
+      <a:schemeClr val="dk1"/>
+    </dgm:txFillClrLst>
+    <dgm:txEffectClrLst/>
+  </dgm:styleLbl>
+  <dgm:styleLbl name="fgAcc2">
+    <dgm:fillClrLst meth="repeat">
+      <a:schemeClr val="lt1">
+        <a:alpha val="90000"/>
+      </a:schemeClr>
+    </dgm:fillClrLst>
+    <dgm:linClrLst meth="repeat">
+      <a:schemeClr val="accent1"/>
+    </dgm:linClrLst>
+    <dgm:effectClrLst/>
+    <dgm:txLinClrLst/>
+    <dgm:txFillClrLst meth="repeat">
+      <a:schemeClr val="dk1"/>
+    </dgm:txFillClrLst>
+    <dgm:txEffectClrLst/>
+  </dgm:styleLbl>
+  <dgm:styleLbl name="fgAcc3">
+    <dgm:fillClrLst meth="repeat">
+      <a:schemeClr val="lt1">
+        <a:alpha val="90000"/>
+      </a:schemeClr>
+    </dgm:fillClrLst>
+    <dgm:linClrLst meth="repeat">
+      <a:schemeClr val="accent1"/>
+    </dgm:linClrLst>
+    <dgm:effectClrLst/>
+    <dgm:txLinClrLst/>
+    <dgm:txFillClrLst meth="repeat">
+      <a:schemeClr val="dk1"/>
+    </dgm:txFillClrLst>
+    <dgm:txEffectClrLst/>
+  </dgm:styleLbl>
+  <dgm:styleLbl name="fgAcc4">
+    <dgm:fillClrLst meth="repeat">
+      <a:schemeClr val="lt1">
+        <a:alpha val="90000"/>
+      </a:schemeClr>
+    </dgm:fillClrLst>
+    <dgm:linClrLst meth="repeat">
+      <a:schemeClr val="accent1"/>
+    </dgm:linClrLst>
+    <dgm:effectClrLst/>
+    <dgm:txLinClrLst/>
+    <dgm:txFillClrLst meth="repeat">
+      <a:schemeClr val="dk1"/>
+    </dgm:txFillClrLst>
+    <dgm:txEffectClrLst/>
+  </dgm:styleLbl>
+  <dgm:styleLbl name="bgShp">
+    <dgm:fillClrLst meth="repeat">
+      <a:schemeClr val="accent1">
+        <a:tint val="40000"/>
+      </a:schemeClr>
+    </dgm:fillClrLst>
+    <dgm:linClrLst meth="repeat">
+      <a:schemeClr val="accent1"/>
+    </dgm:linClrLst>
+    <dgm:effectClrLst/>
+    <dgm:txLinClrLst/>
+    <dgm:txFillClrLst meth="repeat">
+      <a:schemeClr val="dk1"/>
+    </dgm:txFillClrLst>
+    <dgm:txEffectClrLst/>
+  </dgm:styleLbl>
+  <dgm:styleLbl name="dkBgShp">
+    <dgm:fillClrLst meth="repeat">
+      <a:schemeClr val="accent1">
+        <a:shade val="80000"/>
+      </a:schemeClr>
+    </dgm:fillClrLst>
+    <dgm:linClrLst meth="repeat">
+      <a:schemeClr val="accent1"/>
+    </dgm:linClrLst>
+    <dgm:effectClrLst/>
+    <dgm:txLinClrLst/>
+    <dgm:txFillClrLst meth="repeat">
+      <a:schemeClr val="lt1"/>
+    </dgm:txFillClrLst>
+    <dgm:txEffectClrLst/>
+  </dgm:styleLbl>
+  <dgm:styleLbl name="trBgShp">
+    <dgm:fillClrLst meth="repeat">
+      <a:schemeClr val="accent1">
+        <a:tint val="50000"/>
+        <a:alpha val="40000"/>
+      </a:schemeClr>
+    </dgm:fillClrLst>
+    <dgm:linClrLst meth="repeat">
+      <a:schemeClr val="accent1"/>
+    </dgm:linClrLst>
+    <dgm:effectClrLst/>
+    <dgm:txLinClrLst/>
+    <dgm:txFillClrLst meth="repeat">
+      <a:schemeClr val="lt1"/>
+    </dgm:txFillClrLst>
+    <dgm:txEffectClrLst/>
+  </dgm:styleLbl>
+  <dgm:styleLbl name="fgShp">
+    <dgm:fillClrLst meth="repeat">
+      <a:schemeClr val="accent1">
+        <a:tint val="60000"/>
+      </a:schemeClr>
+    </dgm:fillClrLst>
+    <dgm:linClrLst meth="repeat">
+      <a:schemeClr val="lt1"/>
+    </dgm:linClrLst>
+    <dgm:effectClrLst/>
+    <dgm:txLinClrLst/>
+    <dgm:txFillClrLst meth="repeat">
+      <a:schemeClr val="dk1"/>
+    </dgm:txFillClrLst>
+    <dgm:txEffectClrLst/>
+  </dgm:styleLbl>
+  <dgm:styleLbl name="revTx">
+    <dgm:fillClrLst meth="repeat">
+      <a:schemeClr val="lt1">
+        <a:alpha val="0"/>
+      </a:schemeClr>
+    </dgm:fillClrLst>
+    <dgm:linClrLst meth="repeat">
+      <a:schemeClr val="dk1">
+        <a:alpha val="0"/>
+      </a:schemeClr>
+    </dgm:linClrLst>
+    <dgm:effectClrLst/>
+    <dgm:txLinClrLst/>
+    <dgm:txFillClrLst meth="repeat">
+      <a:schemeClr val="tx1"/>
+    </dgm:txFillClrLst>
+    <dgm:txEffectClrLst/>
+  </dgm:styleLbl>
+</dgm:colorsDef>
+</file>
+
+<file path=ppt/diagrams/colors2.xml><?xml version="1.0" encoding="utf-8"?>
+<dgm:colorsDef xmlns:dgm="http://schemas.openxmlformats.org/drawingml/2006/diagram" xmlns:a="http://schemas.openxmlformats.org/drawingml/2006/main" uniqueId="urn:microsoft.com/office/officeart/2005/8/colors/accent1_2">
+  <dgm:title val=""/>
+  <dgm:desc val=""/>
+  <dgm:catLst>
+    <dgm:cat type="accent1" pri="11200"/>
+  </dgm:catLst>
+  <dgm:styleLbl name="node0">
+    <dgm:fillClrLst meth="repeat">
+      <a:schemeClr val="accent1"/>
+    </dgm:fillClrLst>
+    <dgm:linClrLst meth="repeat">
+      <a:schemeClr val="lt1"/>
+    </dgm:linClrLst>
+    <dgm:effectClrLst/>
+    <dgm:txLinClrLst/>
+    <dgm:txFillClrLst/>
+    <dgm:txEffectClrLst/>
+  </dgm:styleLbl>
+  <dgm:styleLbl name="alignNode1">
+    <dgm:fillClrLst meth="repeat">
+      <a:schemeClr val="accent1"/>
+    </dgm:fillClrLst>
+    <dgm:linClrLst meth="repeat">
+      <a:schemeClr val="accent1"/>
+    </dgm:linClrLst>
+    <dgm:effectClrLst/>
+    <dgm:txLinClrLst/>
+    <dgm:txFillClrLst/>
+    <dgm:txEffectClrLst/>
+  </dgm:styleLbl>
+  <dgm:styleLbl name="node1">
+    <dgm:fillClrLst meth="repeat">
+      <a:schemeClr val="accent1"/>
+    </dgm:fillClrLst>
+    <dgm:linClrLst meth="repeat">
+      <a:schemeClr val="lt1"/>
+    </dgm:linClrLst>
+    <dgm:effectClrLst/>
+    <dgm:txLinClrLst/>
+    <dgm:txFillClrLst/>
+    <dgm:txEffectClrLst/>
+  </dgm:styleLbl>
+  <dgm:styleLbl name="lnNode1">
+    <dgm:fillClrLst meth="repeat">
+      <a:schemeClr val="accent1"/>
+    </dgm:fillClrLst>
+    <dgm:linClrLst meth="repeat">
+      <a:schemeClr val="lt1"/>
+    </dgm:linClrLst>
+    <dgm:effectClrLst/>
+    <dgm:txLinClrLst/>
+    <dgm:txFillClrLst/>
+    <dgm:txEffectClrLst/>
+  </dgm:styleLbl>
+  <dgm:styleLbl name="vennNode1">
+    <dgm:fillClrLst meth="repeat">
+      <a:schemeClr val="accent1">
+        <a:alpha val="50000"/>
+      </a:schemeClr>
+    </dgm:fillClrLst>
+    <dgm:linClrLst meth="repeat">
+      <a:schemeClr val="lt1"/>
+    </dgm:linClrLst>
+    <dgm:effectClrLst/>
+    <dgm:txLinClrLst/>
+    <dgm:txFillClrLst/>
+    <dgm:txEffectClrLst/>
+  </dgm:styleLbl>
+  <dgm:styleLbl name="node2">
+    <dgm:fillClrLst meth="repeat">
+      <a:schemeClr val="accent1"/>
+    </dgm:fillClrLst>
+    <dgm:linClrLst meth="repeat">
+      <a:schemeClr val="lt1"/>
+    </dgm:linClrLst>
+    <dgm:effectClrLst/>
+    <dgm:txLinClrLst/>
+    <dgm:txFillClrLst/>
+    <dgm:txEffectClrLst/>
+  </dgm:styleLbl>
+  <dgm:styleLbl name="node3">
+    <dgm:fillClrLst meth="repeat">
+      <a:schemeClr val="accent1"/>
+    </dgm:fillClrLst>
+    <dgm:linClrLst meth="repeat">
+      <a:schemeClr val="lt1"/>
+    </dgm:linClrLst>
+    <dgm:effectClrLst/>
+    <dgm:txLinClrLst/>
+    <dgm:txFillClrLst/>
+    <dgm:txEffectClrLst/>
+  </dgm:styleLbl>
+  <dgm:styleLbl name="node4">
+    <dgm:fillClrLst meth="repeat">
+      <a:schemeClr val="accent1"/>
+    </dgm:fillClrLst>
+    <dgm:linClrLst meth="repeat">
+      <a:schemeClr val="lt1"/>
+    </dgm:linClrLst>
+    <dgm:effectClrLst/>
+    <dgm:txLinClrLst/>
+    <dgm:txFillClrLst/>
+    <dgm:txEffectClrLst/>
+  </dgm:styleLbl>
+  <dgm:styleLbl name="fgImgPlace1">
+    <dgm:fillClrLst meth="repeat">
+      <a:schemeClr val="accent1">
+        <a:tint val="50000"/>
+      </a:schemeClr>
+    </dgm:fillClrLst>
+    <dgm:linClrLst meth="repeat">
+      <a:schemeClr val="lt1"/>
+    </dgm:linClrLst>
+    <dgm:effectClrLst/>
+    <dgm:txLinClrLst/>
+    <dgm:txFillClrLst meth="repeat">
+      <a:schemeClr val="lt1"/>
+    </dgm:txFillClrLst>
+    <dgm:txEffectClrLst/>
+  </dgm:styleLbl>
+  <dgm:styleLbl name="alignImgPlace1">
+    <dgm:fillClrLst meth="repeat">
+      <a:schemeClr val="accent1">
+        <a:tint val="50000"/>
+      </a:schemeClr>
+    </dgm:fillClrLst>
+    <dgm:linClrLst meth="repeat">
+      <a:schemeClr val="lt1"/>
+    </dgm:linClrLst>
+    <dgm:effectClrLst/>
+    <dgm:txLinClrLst/>
+    <dgm:txFillClrLst meth="repeat">
+      <a:schemeClr val="lt1"/>
+    </dgm:txFillClrLst>
+    <dgm:txEffectClrLst/>
+  </dgm:styleLbl>
+  <dgm:styleLbl name="bgImgPlace1">
+    <dgm:fillClrLst meth="repeat">
+      <a:schemeClr val="accent1">
+        <a:tint val="50000"/>
+      </a:schemeClr>
+    </dgm:fillClrLst>
+    <dgm:linClrLst meth="repeat">
+      <a:schemeClr val="lt1"/>
+    </dgm:linClrLst>
+    <dgm:effectClrLst/>
+    <dgm:txLinClrLst/>
+    <dgm:txFillClrLst meth="repeat">
+      <a:schemeClr val="lt1"/>
+    </dgm:txFillClrLst>
+    <dgm:txEffectClrLst/>
+  </dgm:styleLbl>
+  <dgm:styleLbl name="sibTrans2D1">
+    <dgm:fillClrLst meth="repeat">
+      <a:schemeClr val="accent1">
+        <a:tint val="60000"/>
+      </a:schemeClr>
+    </dgm:fillClrLst>
+    <dgm:linClrLst meth="repeat">
+      <a:schemeClr val="accent1">
+        <a:tint val="60000"/>
+      </a:schemeClr>
+    </dgm:linClrLst>
+    <dgm:effectClrLst/>
+    <dgm:txLinClrLst/>
+    <dgm:txFillClrLst/>
+    <dgm:txEffectClrLst/>
+  </dgm:styleLbl>
+  <dgm:styleLbl name="fgSibTrans2D1">
+    <dgm:fillClrLst meth="repeat">
+      <a:schemeClr val="accent1">
+        <a:tint val="60000"/>
+      </a:schemeClr>
+    </dgm:fillClrLst>
+    <dgm:linClrLst meth="repeat">
+      <a:schemeClr val="accent1">
+        <a:tint val="60000"/>
+      </a:schemeClr>
+    </dgm:linClrLst>
+    <dgm:effectClrLst/>
+    <dgm:txLinClrLst/>
+    <dgm:txFillClrLst/>
+    <dgm:txEffectClrLst/>
+  </dgm:styleLbl>
+  <dgm:styleLbl name="bgSibTrans2D1">
+    <dgm:fillClrLst meth="repeat">
+      <a:schemeClr val="accent1">
+        <a:tint val="60000"/>
+      </a:schemeClr>
+    </dgm:fillClrLst>
+    <dgm:linClrLst meth="repeat">
+      <a:schemeClr val="accent1">
+        <a:tint val="60000"/>
+      </a:schemeClr>
+    </dgm:linClrLst>
+    <dgm:effectClrLst/>
+    <dgm:txLinClrLst/>
+    <dgm:txFillClrLst/>
+    <dgm:txEffectClrLst/>
+  </dgm:styleLbl>
+  <dgm:styleLbl name="sibTrans1D1">
+    <dgm:fillClrLst meth="repeat">
+      <a:schemeClr val="accent1"/>
+    </dgm:fillClrLst>
+    <dgm:linClrLst meth="repeat">
+      <a:schemeClr val="accent1"/>
+    </dgm:linClrLst>
+    <dgm:effectClrLst/>
+    <dgm:txLinClrLst/>
+    <dgm:txFillClrLst meth="repeat">
+      <a:schemeClr val="tx1"/>
+    </dgm:txFillClrLst>
+    <dgm:txEffectClrLst/>
+  </dgm:styleLbl>
+  <dgm:styleLbl name="callout">
+    <dgm:fillClrLst meth="repeat">
+      <a:schemeClr val="accent1"/>
+    </dgm:fillClrLst>
+    <dgm:linClrLst meth="repeat">
+      <a:schemeClr val="accent1">
+        <a:tint val="50000"/>
+      </a:schemeClr>
+    </dgm:linClrLst>
+    <dgm:effectClrLst/>
+    <dgm:txLinClrLst/>
+    <dgm:txFillClrLst meth="repeat">
+      <a:schemeClr val="tx1"/>
+    </dgm:txFillClrLst>
+    <dgm:txEffectClrLst/>
+  </dgm:styleLbl>
+  <dgm:styleLbl name="asst0">
+    <dgm:fillClrLst meth="repeat">
+      <a:schemeClr val="accent1"/>
+    </dgm:fillClrLst>
+    <dgm:linClrLst meth="repeat">
+      <a:schemeClr val="lt1"/>
+    </dgm:linClrLst>
+    <dgm:effectClrLst/>
+    <dgm:txLinClrLst/>
+    <dgm:txFillClrLst/>
+    <dgm:txEffectClrLst/>
+  </dgm:styleLbl>
+  <dgm:styleLbl name="asst1">
+    <dgm:fillClrLst meth="repeat">
+      <a:schemeClr val="accent1"/>
+    </dgm:fillClrLst>
+    <dgm:linClrLst meth="repeat">
+      <a:schemeClr val="lt1"/>
+    </dgm:linClrLst>
+    <dgm:effectClrLst/>
+    <dgm:txLinClrLst/>
+    <dgm:txFillClrLst/>
+    <dgm:txEffectClrLst/>
+  </dgm:styleLbl>
+  <dgm:styleLbl name="asst2">
+    <dgm:fillClrLst meth="repeat">
+      <a:schemeClr val="accent1"/>
+    </dgm:fillClrLst>
+    <dgm:linClrLst meth="repeat">
+      <a:schemeClr val="lt1"/>
+    </dgm:linClrLst>
+    <dgm:effectClrLst/>
+    <dgm:txLinClrLst/>
+    <dgm:txFillClrLst/>
+    <dgm:txEffectClrLst/>
+  </dgm:styleLbl>
+  <dgm:styleLbl name="asst3">
+    <dgm:fillClrLst meth="repeat">
+      <a:schemeClr val="accent1"/>
+    </dgm:fillClrLst>
+    <dgm:linClrLst meth="repeat">
+      <a:schemeClr val="lt1"/>
+    </dgm:linClrLst>
+    <dgm:effectClrLst/>
+    <dgm:txLinClrLst/>
+    <dgm:txFillClrLst/>
+    <dgm:txEffectClrLst/>
+  </dgm:styleLbl>
+  <dgm:styleLbl name="asst4">
+    <dgm:fillClrLst meth="repeat">
+      <a:schemeClr val="accent1"/>
+    </dgm:fillClrLst>
+    <dgm:linClrLst meth="repeat">
+      <a:schemeClr val="lt1"/>
+    </dgm:linClrLst>
+    <dgm:effectClrLst/>
+    <dgm:txLinClrLst/>
+    <dgm:txFillClrLst/>
+    <dgm:txEffectClrLst/>
+  </dgm:styleLbl>
+  <dgm:styleLbl name="parChTrans2D1">
+    <dgm:fillClrLst meth="repeat">
+      <a:schemeClr val="accent1">
+        <a:tint val="60000"/>
+      </a:schemeClr>
+    </dgm:fillClrLst>
+    <dgm:linClrLst meth="repeat">
+      <a:schemeClr val="accent1">
+        <a:tint val="60000"/>
+      </a:schemeClr>
+    </dgm:linClrLst>
+    <dgm:effectClrLst/>
+    <dgm:txLinClrLst/>
+    <dgm:txFillClrLst meth="repeat">
+      <a:schemeClr val="lt1"/>
+    </dgm:txFillClrLst>
+    <dgm:txEffectClrLst/>
+  </dgm:styleLbl>
+  <dgm:styleLbl name="parChTrans2D2">
+    <dgm:fillClrLst meth="repeat">
+      <a:schemeClr val="accent1"/>
+    </dgm:fillClrLst>
+    <dgm:linClrLst meth="repeat">
+      <a:schemeClr val="accent1"/>
+    </dgm:linClrLst>
+    <dgm:effectClrLst/>
+    <dgm:txLinClrLst/>
+    <dgm:txFillClrLst meth="repeat">
+      <a:schemeClr val="lt1"/>
+    </dgm:txFillClrLst>
+    <dgm:txEffectClrLst/>
+  </dgm:styleLbl>
+  <dgm:styleLbl name="parChTrans2D3">
+    <dgm:fillClrLst meth="repeat">
+      <a:schemeClr val="accent1"/>
+    </dgm:fillClrLst>
+    <dgm:linClrLst meth="repeat">
+      <a:schemeClr val="accent1"/>
+    </dgm:linClrLst>
+    <dgm:effectClrLst/>
+    <dgm:txLinClrLst/>
+    <dgm:txFillClrLst meth="repeat">
+      <a:schemeClr val="lt1"/>
+    </dgm:txFillClrLst>
+    <dgm:txEffectClrLst/>
+  </dgm:styleLbl>
+  <dgm:styleLbl name="parChTrans2D4">
+    <dgm:fillClrLst meth="repeat">
+      <a:schemeClr val="accent1"/>
+    </dgm:fillClrLst>
+    <dgm:linClrLst meth="repeat">
+      <a:schemeClr val="accent1"/>
+    </dgm:linClrLst>
+    <dgm:effectClrLst/>
+    <dgm:txLinClrLst/>
+    <dgm:txFillClrLst meth="repeat">
+      <a:schemeClr val="lt1"/>
+    </dgm:txFillClrLst>
+    <dgm:txEffectClrLst/>
+  </dgm:styleLbl>
+  <dgm:styleLbl name="parChTrans1D1">
+    <dgm:fillClrLst meth="repeat">
+      <a:schemeClr val="accent1"/>
+    </dgm:fillClrLst>
+    <dgm:linClrLst meth="repeat">
+      <a:schemeClr val="accent1">
+        <a:shade val="60000"/>
+      </a:schemeClr>
+    </dgm:linClrLst>
+    <dgm:effectClrLst/>
+    <dgm:txLinClrLst/>
+    <dgm:txFillClrLst meth="repeat">
+      <a:schemeClr val="tx1"/>
+    </dgm:txFillClrLst>
+    <dgm:txEffectClrLst/>
+  </dgm:styleLbl>
+  <dgm:styleLbl name="parChTrans1D2">
+    <dgm:fillClrLst meth="repeat">
+      <a:schemeClr val="accent1"/>
+    </dgm:fillClrLst>
+    <dgm:linClrLst meth="repeat">
+      <a:schemeClr val="accent1">
+        <a:shade val="60000"/>
+      </a:schemeClr>
+    </dgm:linClrLst>
+    <dgm:effectClrLst/>
+    <dgm:txLinClrLst/>
+    <dgm:txFillClrLst meth="repeat">
+      <a:schemeClr val="tx1"/>
+    </dgm:txFillClrLst>
+    <dgm:txEffectClrLst/>
+  </dgm:styleLbl>
+  <dgm:styleLbl name="parChTrans1D3">
+    <dgm:fillClrLst meth="repeat">
+      <a:schemeClr val="accent1"/>
+    </dgm:fillClrLst>
+    <dgm:linClrLst meth="repeat">
+      <a:schemeClr val="accent1">
+        <a:shade val="80000"/>
+      </a:schemeClr>
+    </dgm:linClrLst>
+    <dgm:effectClrLst/>
+    <dgm:txLinClrLst/>
+    <dgm:txFillClrLst meth="repeat">
+      <a:schemeClr val="tx1"/>
+    </dgm:txFillClrLst>
+    <dgm:txEffectClrLst/>
+  </dgm:styleLbl>
+  <dgm:styleLbl name="parChTrans1D4">
+    <dgm:fillClrLst meth="repeat">
+      <a:schemeClr val="accent1"/>
+    </dgm:fillClrLst>
+    <dgm:linClrLst meth="repeat">
+      <a:schemeClr val="accent1">
+        <a:shade val="80000"/>
+      </a:schemeClr>
+    </dgm:linClrLst>
+    <dgm:effectClrLst/>
+    <dgm:txLinClrLst/>
+    <dgm:txFillClrLst meth="repeat">
+      <a:schemeClr val="tx1"/>
+    </dgm:txFillClrLst>
+    <dgm:txEffectClrLst/>
+  </dgm:styleLbl>
+  <dgm:styleLbl name="fgAcc1">
+    <dgm:fillClrLst meth="repeat">
+      <a:schemeClr val="lt1">
+        <a:alpha val="90000"/>
+      </a:schemeClr>
+    </dgm:fillClrLst>
+    <dgm:linClrLst meth="repeat">
+      <a:schemeClr val="accent1"/>
+    </dgm:linClrLst>
+    <dgm:effectClrLst/>
+    <dgm:txLinClrLst/>
+    <dgm:txFillClrLst meth="repeat">
+      <a:schemeClr val="dk1"/>
+    </dgm:txFillClrLst>
+    <dgm:txEffectClrLst/>
+  </dgm:styleLbl>
+  <dgm:styleLbl name="conFgAcc1">
+    <dgm:fillClrLst meth="repeat">
+      <a:schemeClr val="lt1">
+        <a:alpha val="90000"/>
+      </a:schemeClr>
+    </dgm:fillClrLst>
+    <dgm:linClrLst meth="repeat">
+      <a:schemeClr val="accent1"/>
+    </dgm:linClrLst>
+    <dgm:effectClrLst/>
+    <dgm:txLinClrLst/>
+    <dgm:txFillClrLst meth="repeat">
+      <a:schemeClr val="dk1"/>
+    </dgm:txFillClrLst>
+    <dgm:txEffectClrLst/>
+  </dgm:styleLbl>
+  <dgm:styleLbl name="alignAcc1">
+    <dgm:fillClrLst meth="repeat">
+      <a:schemeClr val="lt1">
+        <a:alpha val="90000"/>
+      </a:schemeClr>
+    </dgm:fillClrLst>
+    <dgm:linClrLst meth="repeat">
+      <a:schemeClr val="accent1"/>
+    </dgm:linClrLst>
+    <dgm:effectClrLst/>
+    <dgm:txLinClrLst/>
+    <dgm:txFillClrLst meth="repeat">
+      <a:schemeClr val="dk1"/>
+    </dgm:txFillClrLst>
+    <dgm:txEffectClrLst/>
+  </dgm:styleLbl>
+  <dgm:styleLbl name="trAlignAcc1">
+    <dgm:fillClrLst meth="repeat">
+      <a:schemeClr val="lt1">
+        <a:alpha val="40000"/>
+      </a:schemeClr>
+    </dgm:fillClrLst>
+    <dgm:linClrLst meth="repeat">
+      <a:schemeClr val="accent1"/>
+    </dgm:linClrLst>
+    <dgm:effectClrLst/>
+    <dgm:txLinClrLst/>
+    <dgm:txFillClrLst meth="repeat">
+      <a:schemeClr val="dk1"/>
+    </dgm:txFillClrLst>
+    <dgm:txEffectClrLst/>
+  </dgm:styleLbl>
+  <dgm:styleLbl name="bgAcc1">
+    <dgm:fillClrLst meth="repeat">
+      <a:schemeClr val="lt1">
+        <a:alpha val="90000"/>
+      </a:schemeClr>
+    </dgm:fillClrLst>
+    <dgm:linClrLst meth="repeat">
+      <a:schemeClr val="accent1"/>
+    </dgm:linClrLst>
+    <dgm:effectClrLst/>
+    <dgm:txLinClrLst/>
+    <dgm:txFillClrLst meth="repeat">
+      <a:schemeClr val="dk1"/>
+    </dgm:txFillClrLst>
+    <dgm:txEffectClrLst/>
+  </dgm:styleLbl>
+  <dgm:styleLbl name="solidFgAcc1">
+    <dgm:fillClrLst meth="repeat">
+      <a:schemeClr val="lt1"/>
+    </dgm:fillClrLst>
+    <dgm:linClrLst meth="repeat">
+      <a:schemeClr val="accent1"/>
+    </dgm:linClrLst>
+    <dgm:effectClrLst/>
+    <dgm:txLinClrLst/>
+    <dgm:txFillClrLst meth="repeat">
+      <a:schemeClr val="dk1"/>
+    </dgm:txFillClrLst>
+    <dgm:txEffectClrLst/>
+  </dgm:styleLbl>
+  <dgm:styleLbl name="solidAlignAcc1">
+    <dgm:fillClrLst meth="repeat">
+      <a:schemeClr val="lt1"/>
+    </dgm:fillClrLst>
+    <dgm:linClrLst meth="repeat">
+      <a:schemeClr val="accent1"/>
+    </dgm:linClrLst>
+    <dgm:effectClrLst/>
+    <dgm:txLinClrLst/>
+    <dgm:txFillClrLst meth="repeat">
+      <a:schemeClr val="dk1"/>
+    </dgm:txFillClrLst>
+    <dgm:txEffectClrLst/>
+  </dgm:styleLbl>
+  <dgm:styleLbl name="solidBgAcc1">
+    <dgm:fillClrLst meth="repeat">
+      <a:schemeClr val="lt1"/>
+    </dgm:fillClrLst>
+    <dgm:linClrLst meth="repeat">
+      <a:schemeClr val="accent1"/>
+    </dgm:linClrLst>
+    <dgm:effectClrLst/>
+    <dgm:txLinClrLst/>
+    <dgm:txFillClrLst meth="repeat">
+      <a:schemeClr val="dk1"/>
+    </dgm:txFillClrLst>
+    <dgm:txEffectClrLst/>
+  </dgm:styleLbl>
+  <dgm:styleLbl name="fgAccFollowNode1">
+    <dgm:fillClrLst meth="repeat">
+      <a:schemeClr val="accent1">
+        <a:alpha val="90000"/>
+        <a:tint val="40000"/>
+      </a:schemeClr>
+    </dgm:fillClrLst>
+    <dgm:linClrLst meth="repeat">
+      <a:schemeClr val="accent1">
+        <a:alpha val="90000"/>
+        <a:tint val="40000"/>
+      </a:schemeClr>
+    </dgm:linClrLst>
+    <dgm:effectClrLst/>
+    <dgm:txLinClrLst/>
+    <dgm:txFillClrLst meth="repeat">
+      <a:schemeClr val="dk1"/>
+    </dgm:txFillClrLst>
+    <dgm:txEffectClrLst/>
+  </dgm:styleLbl>
+  <dgm:styleLbl name="alignAccFollowNode1">
+    <dgm:fillClrLst meth="repeat">
+      <a:schemeClr val="accent1">
+        <a:alpha val="90000"/>
+        <a:tint val="40000"/>
+      </a:schemeClr>
+    </dgm:fillClrLst>
+    <dgm:linClrLst meth="repeat">
+      <a:schemeClr val="accent1">
+        <a:alpha val="90000"/>
+        <a:tint val="40000"/>
+      </a:schemeClr>
+    </dgm:linClrLst>
+    <dgm:effectClrLst/>
+    <dgm:txLinClrLst/>
+    <dgm:txFillClrLst meth="repeat">
+      <a:schemeClr val="dk1"/>
+    </dgm:txFillClrLst>
+    <dgm:txEffectClrLst/>
+  </dgm:styleLbl>
+  <dgm:styleLbl name="bgAccFollowNode1">
+    <dgm:fillClrLst meth="repeat">
+      <a:schemeClr val="accent1">
+        <a:alpha val="90000"/>
+        <a:tint val="40000"/>
+      </a:schemeClr>
+    </dgm:fillClrLst>
+    <dgm:linClrLst meth="repeat">
+      <a:schemeClr val="accent1">
+        <a:alpha val="90000"/>
+        <a:tint val="40000"/>
+      </a:schemeClr>
+    </dgm:linClrLst>
+    <dgm:effectClrLst/>
+    <dgm:txLinClrLst/>
+    <dgm:txFillClrLst meth="repeat">
+      <a:schemeClr val="dk1"/>
+    </dgm:txFillClrLst>
+    <dgm:txEffectClrLst/>
+  </dgm:styleLbl>
+  <dgm:styleLbl name="fgAcc0">
+    <dgm:fillClrLst meth="repeat">
+      <a:schemeClr val="lt1">
+        <a:alpha val="90000"/>
+      </a:schemeClr>
+    </dgm:fillClrLst>
+    <dgm:linClrLst meth="repeat">
+      <a:schemeClr val="accent1"/>
+    </dgm:linClrLst>
+    <dgm:effectClrLst/>
+    <dgm:txLinClrLst/>
+    <dgm:txFillClrLst meth="repeat">
+      <a:schemeClr val="dk1"/>
+    </dgm:txFillClrLst>
+    <dgm:txEffectClrLst/>
+  </dgm:styleLbl>
+  <dgm:styleLbl name="fgAcc2">
+    <dgm:fillClrLst meth="repeat">
+      <a:schemeClr val="lt1">
+        <a:alpha val="90000"/>
+      </a:schemeClr>
+    </dgm:fillClrLst>
+    <dgm:linClrLst meth="repeat">
+      <a:schemeClr val="accent1"/>
+    </dgm:linClrLst>
+    <dgm:effectClrLst/>
+    <dgm:txLinClrLst/>
+    <dgm:txFillClrLst meth="repeat">
+      <a:schemeClr val="dk1"/>
+    </dgm:txFillClrLst>
+    <dgm:txEffectClrLst/>
+  </dgm:styleLbl>
+  <dgm:styleLbl name="fgAcc3">
+    <dgm:fillClrLst meth="repeat">
+      <a:schemeClr val="lt1">
+        <a:alpha val="90000"/>
+      </a:schemeClr>
+    </dgm:fillClrLst>
+    <dgm:linClrLst meth="repeat">
+      <a:schemeClr val="accent1"/>
+    </dgm:linClrLst>
+    <dgm:effectClrLst/>
+    <dgm:txLinClrLst/>
+    <dgm:txFillClrLst meth="repeat">
+      <a:schemeClr val="dk1"/>
+    </dgm:txFillClrLst>
+    <dgm:txEffectClrLst/>
+  </dgm:styleLbl>
+  <dgm:styleLbl name="fgAcc4">
+    <dgm:fillClrLst meth="repeat">
+      <a:schemeClr val="lt1">
+        <a:alpha val="90000"/>
+      </a:schemeClr>
+    </dgm:fillClrLst>
+    <dgm:linClrLst meth="repeat">
+      <a:schemeClr val="accent1"/>
+    </dgm:linClrLst>
+    <dgm:effectClrLst/>
+    <dgm:txLinClrLst/>
+    <dgm:txFillClrLst meth="repeat">
+      <a:schemeClr val="dk1"/>
+    </dgm:txFillClrLst>
+    <dgm:txEffectClrLst/>
+  </dgm:styleLbl>
+  <dgm:styleLbl name="bgShp">
+    <dgm:fillClrLst meth="repeat">
+      <a:schemeClr val="accent1">
+        <a:tint val="40000"/>
+      </a:schemeClr>
+    </dgm:fillClrLst>
+    <dgm:linClrLst meth="repeat">
+      <a:schemeClr val="accent1"/>
+    </dgm:linClrLst>
+    <dgm:effectClrLst/>
+    <dgm:txLinClrLst/>
+    <dgm:txFillClrLst meth="repeat">
+      <a:schemeClr val="dk1"/>
+    </dgm:txFillClrLst>
+    <dgm:txEffectClrLst/>
+  </dgm:styleLbl>
+  <dgm:styleLbl name="dkBgShp">
+    <dgm:fillClrLst meth="repeat">
+      <a:schemeClr val="accent1">
+        <a:shade val="80000"/>
+      </a:schemeClr>
+    </dgm:fillClrLst>
+    <dgm:linClrLst meth="repeat">
+      <a:schemeClr val="accent1"/>
+    </dgm:linClrLst>
+    <dgm:effectClrLst/>
+    <dgm:txLinClrLst/>
+    <dgm:txFillClrLst meth="repeat">
+      <a:schemeClr val="lt1"/>
+    </dgm:txFillClrLst>
+    <dgm:txEffectClrLst/>
+  </dgm:styleLbl>
+  <dgm:styleLbl name="trBgShp">
+    <dgm:fillClrLst meth="repeat">
+      <a:schemeClr val="accent1">
+        <a:tint val="50000"/>
+        <a:alpha val="40000"/>
+      </a:schemeClr>
+    </dgm:fillClrLst>
+    <dgm:linClrLst meth="repeat">
+      <a:schemeClr val="accent1"/>
+    </dgm:linClrLst>
+    <dgm:effectClrLst/>
+    <dgm:txLinClrLst/>
+    <dgm:txFillClrLst meth="repeat">
+      <a:schemeClr val="lt1"/>
+    </dgm:txFillClrLst>
+    <dgm:txEffectClrLst/>
+  </dgm:styleLbl>
+  <dgm:styleLbl name="fgShp">
+    <dgm:fillClrLst meth="repeat">
+      <a:schemeClr val="accent1">
+        <a:tint val="60000"/>
+      </a:schemeClr>
+    </dgm:fillClrLst>
+    <dgm:linClrLst meth="repeat">
+      <a:schemeClr val="lt1"/>
+    </dgm:linClrLst>
+    <dgm:effectClrLst/>
+    <dgm:txLinClrLst/>
+    <dgm:txFillClrLst meth="repeat">
+      <a:schemeClr val="dk1"/>
+    </dgm:txFillClrLst>
+    <dgm:txEffectClrLst/>
+  </dgm:styleLbl>
+  <dgm:styleLbl name="revTx">
+    <dgm:fillClrLst meth="repeat">
+      <a:schemeClr val="lt1">
+        <a:alpha val="0"/>
+      </a:schemeClr>
+    </dgm:fillClrLst>
+    <dgm:linClrLst meth="repeat">
+      <a:schemeClr val="dk1">
+        <a:alpha val="0"/>
+      </a:schemeClr>
+    </dgm:linClrLst>
+    <dgm:effectClrLst/>
+    <dgm:txLinClrLst/>
+    <dgm:txFillClrLst meth="repeat">
+      <a:schemeClr val="tx1"/>
+    </dgm:txFillClrLst>
+    <dgm:txEffectClrLst/>
+  </dgm:styleLbl>
+</dgm:colorsDef>
+</file>
+
+<file path=ppt/diagrams/data1.xml><?xml version="1.0" encoding="utf-8"?>
+<dgm:dataModel xmlns:dgm="http://schemas.openxmlformats.org/drawingml/2006/diagram" xmlns:a="http://schemas.openxmlformats.org/drawingml/2006/main">
+  <dgm:ptLst>
+    <dgm:pt modelId="{2E01BA24-2204-6241-B499-37D949544D0D}" type="doc">
+      <dgm:prSet loTypeId="urn:microsoft.com/office/officeart/2005/8/layout/vList3" loCatId="" qsTypeId="urn:microsoft.com/office/officeart/2005/8/quickstyle/simple1" qsCatId="simple" csTypeId="urn:microsoft.com/office/officeart/2005/8/colors/accent1_2" csCatId="accent1" phldr="1"/>
+      <dgm:spPr/>
+    </dgm:pt>
+    <dgm:pt modelId="{6675843D-AE7A-5D49-B3BD-3AC72FBF91BE}">
+      <dgm:prSet phldrT="[Text]"/>
+      <dgm:spPr/>
+      <dgm:t>
+        <a:bodyPr/>
+        <a:lstStyle/>
+        <a:p>
+          <a:r>
+            <a:rPr lang="en-US" dirty="0"/>
+            <a:t>Linear Regression</a:t>
+          </a:r>
+        </a:p>
+      </dgm:t>
+    </dgm:pt>
+    <dgm:pt modelId="{0CD05608-8CAD-DD4D-9A2D-56197185F7C8}" type="parTrans" cxnId="{AFFABCD3-EF57-DB4A-805F-D859E1111F26}">
+      <dgm:prSet/>
+      <dgm:spPr/>
+      <dgm:t>
+        <a:bodyPr/>
+        <a:lstStyle/>
+        <a:p>
+          <a:endParaRPr lang="en-US"/>
+        </a:p>
+      </dgm:t>
+    </dgm:pt>
+    <dgm:pt modelId="{8085AFFE-9094-DE47-A248-B3CB319F8728}" type="sibTrans" cxnId="{AFFABCD3-EF57-DB4A-805F-D859E1111F26}">
+      <dgm:prSet/>
+      <dgm:spPr/>
+      <dgm:t>
+        <a:bodyPr/>
+        <a:lstStyle/>
+        <a:p>
+          <a:endParaRPr lang="en-US"/>
+        </a:p>
+      </dgm:t>
+    </dgm:pt>
+    <dgm:pt modelId="{CE72F143-40B0-6448-AF8C-02E290C8D804}">
+      <dgm:prSet phldrT="[Text]"/>
+      <dgm:spPr/>
+      <dgm:t>
+        <a:bodyPr/>
+        <a:lstStyle/>
+        <a:p>
+          <a:r>
+            <a:rPr lang="en-US" dirty="0"/>
+            <a:t>K-Nearest </a:t>
+          </a:r>
+          <a:r>
+            <a:rPr lang="en-US" dirty="0" err="1"/>
+            <a:t>Neighbour</a:t>
+          </a:r>
+          <a:endParaRPr lang="en-US" dirty="0"/>
+        </a:p>
+      </dgm:t>
+    </dgm:pt>
+    <dgm:pt modelId="{6DCDF843-A2D8-C54B-A216-CB8837D54A39}" type="parTrans" cxnId="{0438F4B4-55C2-6A4D-804A-FB5F5DB8A787}">
+      <dgm:prSet/>
+      <dgm:spPr/>
+      <dgm:t>
+        <a:bodyPr/>
+        <a:lstStyle/>
+        <a:p>
+          <a:endParaRPr lang="en-US"/>
+        </a:p>
+      </dgm:t>
+    </dgm:pt>
+    <dgm:pt modelId="{8396FE2D-9954-D243-A9CE-BBAF15C4F0FB}" type="sibTrans" cxnId="{0438F4B4-55C2-6A4D-804A-FB5F5DB8A787}">
+      <dgm:prSet/>
+      <dgm:spPr/>
+      <dgm:t>
+        <a:bodyPr/>
+        <a:lstStyle/>
+        <a:p>
+          <a:endParaRPr lang="en-US"/>
+        </a:p>
+      </dgm:t>
+    </dgm:pt>
+    <dgm:pt modelId="{3BE8D899-7A14-7641-82B3-175CD8206186}">
+      <dgm:prSet phldrT="[Text]"/>
+      <dgm:spPr/>
+      <dgm:t>
+        <a:bodyPr/>
+        <a:lstStyle/>
+        <a:p>
+          <a:r>
+            <a:rPr lang="en-US" dirty="0"/>
+            <a:t>Decision Tree</a:t>
+          </a:r>
+        </a:p>
+      </dgm:t>
+    </dgm:pt>
+    <dgm:pt modelId="{A9D22B34-E892-FB44-BB29-278230FD1136}" type="parTrans" cxnId="{A6897406-0917-7F49-B0E7-984CE60531AE}">
+      <dgm:prSet/>
+      <dgm:spPr/>
+      <dgm:t>
+        <a:bodyPr/>
+        <a:lstStyle/>
+        <a:p>
+          <a:endParaRPr lang="en-US"/>
+        </a:p>
+      </dgm:t>
+    </dgm:pt>
+    <dgm:pt modelId="{934C9ED2-2152-1B4A-9F3D-897EFFD2E970}" type="sibTrans" cxnId="{A6897406-0917-7F49-B0E7-984CE60531AE}">
+      <dgm:prSet/>
+      <dgm:spPr/>
+      <dgm:t>
+        <a:bodyPr/>
+        <a:lstStyle/>
+        <a:p>
+          <a:endParaRPr lang="en-US"/>
+        </a:p>
+      </dgm:t>
+    </dgm:pt>
+    <dgm:pt modelId="{82AD8FDE-4916-FD45-8C00-113CEC248E0F}" type="pres">
+      <dgm:prSet presAssocID="{2E01BA24-2204-6241-B499-37D949544D0D}" presName="linearFlow" presStyleCnt="0">
+        <dgm:presLayoutVars>
+          <dgm:dir/>
+          <dgm:resizeHandles val="exact"/>
+        </dgm:presLayoutVars>
+      </dgm:prSet>
+      <dgm:spPr/>
+    </dgm:pt>
+    <dgm:pt modelId="{A21E7C09-C334-5E44-86E5-EB881CA79575}" type="pres">
+      <dgm:prSet presAssocID="{6675843D-AE7A-5D49-B3BD-3AC72FBF91BE}" presName="composite" presStyleCnt="0"/>
+      <dgm:spPr/>
+    </dgm:pt>
+    <dgm:pt modelId="{6BA4E12E-2D1C-D347-9B3D-2652C95D3D1C}" type="pres">
+      <dgm:prSet presAssocID="{6675843D-AE7A-5D49-B3BD-3AC72FBF91BE}" presName="imgShp" presStyleLbl="fgImgPlace1" presStyleIdx="0" presStyleCnt="3"/>
+      <dgm:spPr/>
+    </dgm:pt>
+    <dgm:pt modelId="{A44E0F18-DF66-2A4E-95D5-4DBC55DA1B58}" type="pres">
+      <dgm:prSet presAssocID="{6675843D-AE7A-5D49-B3BD-3AC72FBF91BE}" presName="txShp" presStyleLbl="node1" presStyleIdx="0" presStyleCnt="3">
+        <dgm:presLayoutVars>
+          <dgm:bulletEnabled val="1"/>
+        </dgm:presLayoutVars>
+      </dgm:prSet>
+      <dgm:spPr/>
+    </dgm:pt>
+    <dgm:pt modelId="{DECD32FB-A97D-684C-A7C9-DDEFCDC5E6FB}" type="pres">
+      <dgm:prSet presAssocID="{8085AFFE-9094-DE47-A248-B3CB319F8728}" presName="spacing" presStyleCnt="0"/>
+      <dgm:spPr/>
+    </dgm:pt>
+    <dgm:pt modelId="{00C3AAE3-0B85-AA4F-B72D-3A1E7993C406}" type="pres">
+      <dgm:prSet presAssocID="{CE72F143-40B0-6448-AF8C-02E290C8D804}" presName="composite" presStyleCnt="0"/>
+      <dgm:spPr/>
+    </dgm:pt>
+    <dgm:pt modelId="{38B2F298-B01E-A146-ADC2-FA867A772D64}" type="pres">
+      <dgm:prSet presAssocID="{CE72F143-40B0-6448-AF8C-02E290C8D804}" presName="imgShp" presStyleLbl="fgImgPlace1" presStyleIdx="1" presStyleCnt="3"/>
+      <dgm:spPr/>
+    </dgm:pt>
+    <dgm:pt modelId="{468877B9-487F-1F4C-B4B1-40047D953C5F}" type="pres">
+      <dgm:prSet presAssocID="{CE72F143-40B0-6448-AF8C-02E290C8D804}" presName="txShp" presStyleLbl="node1" presStyleIdx="1" presStyleCnt="3">
+        <dgm:presLayoutVars>
+          <dgm:bulletEnabled val="1"/>
+        </dgm:presLayoutVars>
+      </dgm:prSet>
+      <dgm:spPr/>
+    </dgm:pt>
+    <dgm:pt modelId="{FA9A8332-D712-C141-96CD-6C063870E70A}" type="pres">
+      <dgm:prSet presAssocID="{8396FE2D-9954-D243-A9CE-BBAF15C4F0FB}" presName="spacing" presStyleCnt="0"/>
+      <dgm:spPr/>
+    </dgm:pt>
+    <dgm:pt modelId="{2D623021-B0CE-0442-B688-AD104F5F0307}" type="pres">
+      <dgm:prSet presAssocID="{3BE8D899-7A14-7641-82B3-175CD8206186}" presName="composite" presStyleCnt="0"/>
+      <dgm:spPr/>
+    </dgm:pt>
+    <dgm:pt modelId="{C5109D02-D6EA-8A40-9625-C9921A3704EC}" type="pres">
+      <dgm:prSet presAssocID="{3BE8D899-7A14-7641-82B3-175CD8206186}" presName="imgShp" presStyleLbl="fgImgPlace1" presStyleIdx="2" presStyleCnt="3"/>
+      <dgm:spPr/>
+    </dgm:pt>
+    <dgm:pt modelId="{1C4DF34C-56B0-2E4F-9C1F-712A11B36378}" type="pres">
+      <dgm:prSet presAssocID="{3BE8D899-7A14-7641-82B3-175CD8206186}" presName="txShp" presStyleLbl="node1" presStyleIdx="2" presStyleCnt="3">
+        <dgm:presLayoutVars>
+          <dgm:bulletEnabled val="1"/>
+        </dgm:presLayoutVars>
+      </dgm:prSet>
+      <dgm:spPr/>
+    </dgm:pt>
+  </dgm:ptLst>
+  <dgm:cxnLst>
+    <dgm:cxn modelId="{A6897406-0917-7F49-B0E7-984CE60531AE}" srcId="{2E01BA24-2204-6241-B499-37D949544D0D}" destId="{3BE8D899-7A14-7641-82B3-175CD8206186}" srcOrd="2" destOrd="0" parTransId="{A9D22B34-E892-FB44-BB29-278230FD1136}" sibTransId="{934C9ED2-2152-1B4A-9F3D-897EFFD2E970}"/>
+    <dgm:cxn modelId="{C83A144C-F0E7-044D-83ED-1A0BA63CADC2}" type="presOf" srcId="{6675843D-AE7A-5D49-B3BD-3AC72FBF91BE}" destId="{A44E0F18-DF66-2A4E-95D5-4DBC55DA1B58}" srcOrd="0" destOrd="0" presId="urn:microsoft.com/office/officeart/2005/8/layout/vList3"/>
+    <dgm:cxn modelId="{097EB96F-D951-FA4A-BD66-32BD1D8E45AD}" type="presOf" srcId="{2E01BA24-2204-6241-B499-37D949544D0D}" destId="{82AD8FDE-4916-FD45-8C00-113CEC248E0F}" srcOrd="0" destOrd="0" presId="urn:microsoft.com/office/officeart/2005/8/layout/vList3"/>
+    <dgm:cxn modelId="{2DBD0080-6352-1D48-89C5-28453BEFE4F2}" type="presOf" srcId="{3BE8D899-7A14-7641-82B3-175CD8206186}" destId="{1C4DF34C-56B0-2E4F-9C1F-712A11B36378}" srcOrd="0" destOrd="0" presId="urn:microsoft.com/office/officeart/2005/8/layout/vList3"/>
+    <dgm:cxn modelId="{0438F4B4-55C2-6A4D-804A-FB5F5DB8A787}" srcId="{2E01BA24-2204-6241-B499-37D949544D0D}" destId="{CE72F143-40B0-6448-AF8C-02E290C8D804}" srcOrd="1" destOrd="0" parTransId="{6DCDF843-A2D8-C54B-A216-CB8837D54A39}" sibTransId="{8396FE2D-9954-D243-A9CE-BBAF15C4F0FB}"/>
+    <dgm:cxn modelId="{AFFABCD3-EF57-DB4A-805F-D859E1111F26}" srcId="{2E01BA24-2204-6241-B499-37D949544D0D}" destId="{6675843D-AE7A-5D49-B3BD-3AC72FBF91BE}" srcOrd="0" destOrd="0" parTransId="{0CD05608-8CAD-DD4D-9A2D-56197185F7C8}" sibTransId="{8085AFFE-9094-DE47-A248-B3CB319F8728}"/>
+    <dgm:cxn modelId="{45964FF6-CC48-4A49-9229-EBF3B2E4EF9D}" type="presOf" srcId="{CE72F143-40B0-6448-AF8C-02E290C8D804}" destId="{468877B9-487F-1F4C-B4B1-40047D953C5F}" srcOrd="0" destOrd="0" presId="urn:microsoft.com/office/officeart/2005/8/layout/vList3"/>
+    <dgm:cxn modelId="{6614F40A-AE80-8B49-AA4C-53F3022071A9}" type="presParOf" srcId="{82AD8FDE-4916-FD45-8C00-113CEC248E0F}" destId="{A21E7C09-C334-5E44-86E5-EB881CA79575}" srcOrd="0" destOrd="0" presId="urn:microsoft.com/office/officeart/2005/8/layout/vList3"/>
+    <dgm:cxn modelId="{372C255B-8663-5F45-8BFE-3075DF4BAAB1}" type="presParOf" srcId="{A21E7C09-C334-5E44-86E5-EB881CA79575}" destId="{6BA4E12E-2D1C-D347-9B3D-2652C95D3D1C}" srcOrd="0" destOrd="0" presId="urn:microsoft.com/office/officeart/2005/8/layout/vList3"/>
+    <dgm:cxn modelId="{5D1A1370-0C98-3145-84BD-E8338B192779}" type="presParOf" srcId="{A21E7C09-C334-5E44-86E5-EB881CA79575}" destId="{A44E0F18-DF66-2A4E-95D5-4DBC55DA1B58}" srcOrd="1" destOrd="0" presId="urn:microsoft.com/office/officeart/2005/8/layout/vList3"/>
+    <dgm:cxn modelId="{AD933B05-499F-5545-A688-132859A52937}" type="presParOf" srcId="{82AD8FDE-4916-FD45-8C00-113CEC248E0F}" destId="{DECD32FB-A97D-684C-A7C9-DDEFCDC5E6FB}" srcOrd="1" destOrd="0" presId="urn:microsoft.com/office/officeart/2005/8/layout/vList3"/>
+    <dgm:cxn modelId="{C7B7C74B-3BC9-0D4A-A66D-6B64EA4D9C83}" type="presParOf" srcId="{82AD8FDE-4916-FD45-8C00-113CEC248E0F}" destId="{00C3AAE3-0B85-AA4F-B72D-3A1E7993C406}" srcOrd="2" destOrd="0" presId="urn:microsoft.com/office/officeart/2005/8/layout/vList3"/>
+    <dgm:cxn modelId="{A9C33C3E-DF2C-1C43-A60F-B55FF39D48BB}" type="presParOf" srcId="{00C3AAE3-0B85-AA4F-B72D-3A1E7993C406}" destId="{38B2F298-B01E-A146-ADC2-FA867A772D64}" srcOrd="0" destOrd="0" presId="urn:microsoft.com/office/officeart/2005/8/layout/vList3"/>
+    <dgm:cxn modelId="{4695DB20-895D-4C40-810B-3CDA995421B9}" type="presParOf" srcId="{00C3AAE3-0B85-AA4F-B72D-3A1E7993C406}" destId="{468877B9-487F-1F4C-B4B1-40047D953C5F}" srcOrd="1" destOrd="0" presId="urn:microsoft.com/office/officeart/2005/8/layout/vList3"/>
+    <dgm:cxn modelId="{F3A84C05-EB79-4540-867D-4332E5AEFD1A}" type="presParOf" srcId="{82AD8FDE-4916-FD45-8C00-113CEC248E0F}" destId="{FA9A8332-D712-C141-96CD-6C063870E70A}" srcOrd="3" destOrd="0" presId="urn:microsoft.com/office/officeart/2005/8/layout/vList3"/>
+    <dgm:cxn modelId="{25E5CEF2-CE48-0C4A-AAEE-54E6038CE9AB}" type="presParOf" srcId="{82AD8FDE-4916-FD45-8C00-113CEC248E0F}" destId="{2D623021-B0CE-0442-B688-AD104F5F0307}" srcOrd="4" destOrd="0" presId="urn:microsoft.com/office/officeart/2005/8/layout/vList3"/>
+    <dgm:cxn modelId="{41D3663F-89F0-3E4B-B7E6-1EC79A8444AC}" type="presParOf" srcId="{2D623021-B0CE-0442-B688-AD104F5F0307}" destId="{C5109D02-D6EA-8A40-9625-C9921A3704EC}" srcOrd="0" destOrd="0" presId="urn:microsoft.com/office/officeart/2005/8/layout/vList3"/>
+    <dgm:cxn modelId="{D9C53740-2077-4E4B-A4F4-D121099AF125}" type="presParOf" srcId="{2D623021-B0CE-0442-B688-AD104F5F0307}" destId="{1C4DF34C-56B0-2E4F-9C1F-712A11B36378}" srcOrd="1" destOrd="0" presId="urn:microsoft.com/office/officeart/2005/8/layout/vList3"/>
+  </dgm:cxnLst>
+  <dgm:bg/>
+  <dgm:whole/>
+  <dgm:extLst>
+    <a:ext uri="http://schemas.microsoft.com/office/drawing/2008/diagram">
+      <dsp:dataModelExt xmlns:dsp="http://schemas.microsoft.com/office/drawing/2008/diagram" relId="rId6" minVer="http://schemas.openxmlformats.org/drawingml/2006/diagram"/>
+    </a:ext>
+  </dgm:extLst>
+</dgm:dataModel>
+</file>
+
+<file path=ppt/diagrams/data2.xml><?xml version="1.0" encoding="utf-8"?>
+<dgm:dataModel xmlns:dgm="http://schemas.openxmlformats.org/drawingml/2006/diagram" xmlns:a="http://schemas.openxmlformats.org/drawingml/2006/main">
+  <dgm:ptLst>
+    <dgm:pt modelId="{2E01BA24-2204-6241-B499-37D949544D0D}" type="doc">
+      <dgm:prSet loTypeId="urn:microsoft.com/office/officeart/2005/8/layout/vList3" loCatId="" qsTypeId="urn:microsoft.com/office/officeart/2005/8/quickstyle/simple1" qsCatId="simple" csTypeId="urn:microsoft.com/office/officeart/2005/8/colors/accent1_2" csCatId="accent1" phldr="1"/>
+      <dgm:spPr/>
+    </dgm:pt>
+    <dgm:pt modelId="{6675843D-AE7A-5D49-B3BD-3AC72FBF91BE}">
+      <dgm:prSet phldrT="[Text]"/>
+      <dgm:spPr/>
+      <dgm:t>
+        <a:bodyPr/>
+        <a:lstStyle/>
+        <a:p>
+          <a:r>
+            <a:rPr lang="en-US" dirty="0"/>
+            <a:t>Elastic Net </a:t>
+          </a:r>
+          <a:r>
+            <a:rPr lang="en-US" dirty="0" err="1"/>
+            <a:t>Regularisation</a:t>
+          </a:r>
+          <a:endParaRPr lang="en-US" dirty="0"/>
+        </a:p>
+      </dgm:t>
+    </dgm:pt>
+    <dgm:pt modelId="{0CD05608-8CAD-DD4D-9A2D-56197185F7C8}" type="parTrans" cxnId="{AFFABCD3-EF57-DB4A-805F-D859E1111F26}">
+      <dgm:prSet/>
+      <dgm:spPr/>
+      <dgm:t>
+        <a:bodyPr/>
+        <a:lstStyle/>
+        <a:p>
+          <a:endParaRPr lang="en-US"/>
+        </a:p>
+      </dgm:t>
+    </dgm:pt>
+    <dgm:pt modelId="{8085AFFE-9094-DE47-A248-B3CB319F8728}" type="sibTrans" cxnId="{AFFABCD3-EF57-DB4A-805F-D859E1111F26}">
+      <dgm:prSet/>
+      <dgm:spPr/>
+      <dgm:t>
+        <a:bodyPr/>
+        <a:lstStyle/>
+        <a:p>
+          <a:endParaRPr lang="en-US"/>
+        </a:p>
+      </dgm:t>
+    </dgm:pt>
+    <dgm:pt modelId="{CE72F143-40B0-6448-AF8C-02E290C8D804}">
+      <dgm:prSet phldrT="[Text]"/>
+      <dgm:spPr/>
+      <dgm:t>
+        <a:bodyPr/>
+        <a:lstStyle/>
+        <a:p>
+          <a:r>
+            <a:rPr lang="en-US" dirty="0"/>
+            <a:t>Random Forest – Feature Important</a:t>
+          </a:r>
+        </a:p>
+      </dgm:t>
+    </dgm:pt>
+    <dgm:pt modelId="{6DCDF843-A2D8-C54B-A216-CB8837D54A39}" type="parTrans" cxnId="{0438F4B4-55C2-6A4D-804A-FB5F5DB8A787}">
+      <dgm:prSet/>
+      <dgm:spPr/>
+      <dgm:t>
+        <a:bodyPr/>
+        <a:lstStyle/>
+        <a:p>
+          <a:endParaRPr lang="en-US"/>
+        </a:p>
+      </dgm:t>
+    </dgm:pt>
+    <dgm:pt modelId="{8396FE2D-9954-D243-A9CE-BBAF15C4F0FB}" type="sibTrans" cxnId="{0438F4B4-55C2-6A4D-804A-FB5F5DB8A787}">
+      <dgm:prSet/>
+      <dgm:spPr/>
+      <dgm:t>
+        <a:bodyPr/>
+        <a:lstStyle/>
+        <a:p>
+          <a:endParaRPr lang="en-US"/>
+        </a:p>
+      </dgm:t>
+    </dgm:pt>
+    <dgm:pt modelId="{82AD8FDE-4916-FD45-8C00-113CEC248E0F}" type="pres">
+      <dgm:prSet presAssocID="{2E01BA24-2204-6241-B499-37D949544D0D}" presName="linearFlow" presStyleCnt="0">
+        <dgm:presLayoutVars>
+          <dgm:dir/>
+          <dgm:resizeHandles val="exact"/>
+        </dgm:presLayoutVars>
+      </dgm:prSet>
+      <dgm:spPr/>
+    </dgm:pt>
+    <dgm:pt modelId="{A21E7C09-C334-5E44-86E5-EB881CA79575}" type="pres">
+      <dgm:prSet presAssocID="{6675843D-AE7A-5D49-B3BD-3AC72FBF91BE}" presName="composite" presStyleCnt="0"/>
+      <dgm:spPr/>
+    </dgm:pt>
+    <dgm:pt modelId="{6BA4E12E-2D1C-D347-9B3D-2652C95D3D1C}" type="pres">
+      <dgm:prSet presAssocID="{6675843D-AE7A-5D49-B3BD-3AC72FBF91BE}" presName="imgShp" presStyleLbl="fgImgPlace1" presStyleIdx="0" presStyleCnt="2"/>
+      <dgm:spPr/>
+    </dgm:pt>
+    <dgm:pt modelId="{A44E0F18-DF66-2A4E-95D5-4DBC55DA1B58}" type="pres">
+      <dgm:prSet presAssocID="{6675843D-AE7A-5D49-B3BD-3AC72FBF91BE}" presName="txShp" presStyleLbl="node1" presStyleIdx="0" presStyleCnt="2">
+        <dgm:presLayoutVars>
+          <dgm:bulletEnabled val="1"/>
+        </dgm:presLayoutVars>
+      </dgm:prSet>
+      <dgm:spPr/>
+    </dgm:pt>
+    <dgm:pt modelId="{DECD32FB-A97D-684C-A7C9-DDEFCDC5E6FB}" type="pres">
+      <dgm:prSet presAssocID="{8085AFFE-9094-DE47-A248-B3CB319F8728}" presName="spacing" presStyleCnt="0"/>
+      <dgm:spPr/>
+    </dgm:pt>
+    <dgm:pt modelId="{00C3AAE3-0B85-AA4F-B72D-3A1E7993C406}" type="pres">
+      <dgm:prSet presAssocID="{CE72F143-40B0-6448-AF8C-02E290C8D804}" presName="composite" presStyleCnt="0"/>
+      <dgm:spPr/>
+    </dgm:pt>
+    <dgm:pt modelId="{38B2F298-B01E-A146-ADC2-FA867A772D64}" type="pres">
+      <dgm:prSet presAssocID="{CE72F143-40B0-6448-AF8C-02E290C8D804}" presName="imgShp" presStyleLbl="fgImgPlace1" presStyleIdx="1" presStyleCnt="2"/>
+      <dgm:spPr/>
+    </dgm:pt>
+    <dgm:pt modelId="{468877B9-487F-1F4C-B4B1-40047D953C5F}" type="pres">
+      <dgm:prSet presAssocID="{CE72F143-40B0-6448-AF8C-02E290C8D804}" presName="txShp" presStyleLbl="node1" presStyleIdx="1" presStyleCnt="2">
+        <dgm:presLayoutVars>
+          <dgm:bulletEnabled val="1"/>
+        </dgm:presLayoutVars>
+      </dgm:prSet>
+      <dgm:spPr/>
+    </dgm:pt>
+  </dgm:ptLst>
+  <dgm:cxnLst>
+    <dgm:cxn modelId="{C83A144C-F0E7-044D-83ED-1A0BA63CADC2}" type="presOf" srcId="{6675843D-AE7A-5D49-B3BD-3AC72FBF91BE}" destId="{A44E0F18-DF66-2A4E-95D5-4DBC55DA1B58}" srcOrd="0" destOrd="0" presId="urn:microsoft.com/office/officeart/2005/8/layout/vList3"/>
+    <dgm:cxn modelId="{097EB96F-D951-FA4A-BD66-32BD1D8E45AD}" type="presOf" srcId="{2E01BA24-2204-6241-B499-37D949544D0D}" destId="{82AD8FDE-4916-FD45-8C00-113CEC248E0F}" srcOrd="0" destOrd="0" presId="urn:microsoft.com/office/officeart/2005/8/layout/vList3"/>
+    <dgm:cxn modelId="{0438F4B4-55C2-6A4D-804A-FB5F5DB8A787}" srcId="{2E01BA24-2204-6241-B499-37D949544D0D}" destId="{CE72F143-40B0-6448-AF8C-02E290C8D804}" srcOrd="1" destOrd="0" parTransId="{6DCDF843-A2D8-C54B-A216-CB8837D54A39}" sibTransId="{8396FE2D-9954-D243-A9CE-BBAF15C4F0FB}"/>
+    <dgm:cxn modelId="{AFFABCD3-EF57-DB4A-805F-D859E1111F26}" srcId="{2E01BA24-2204-6241-B499-37D949544D0D}" destId="{6675843D-AE7A-5D49-B3BD-3AC72FBF91BE}" srcOrd="0" destOrd="0" parTransId="{0CD05608-8CAD-DD4D-9A2D-56197185F7C8}" sibTransId="{8085AFFE-9094-DE47-A248-B3CB319F8728}"/>
+    <dgm:cxn modelId="{45964FF6-CC48-4A49-9229-EBF3B2E4EF9D}" type="presOf" srcId="{CE72F143-40B0-6448-AF8C-02E290C8D804}" destId="{468877B9-487F-1F4C-B4B1-40047D953C5F}" srcOrd="0" destOrd="0" presId="urn:microsoft.com/office/officeart/2005/8/layout/vList3"/>
+    <dgm:cxn modelId="{6614F40A-AE80-8B49-AA4C-53F3022071A9}" type="presParOf" srcId="{82AD8FDE-4916-FD45-8C00-113CEC248E0F}" destId="{A21E7C09-C334-5E44-86E5-EB881CA79575}" srcOrd="0" destOrd="0" presId="urn:microsoft.com/office/officeart/2005/8/layout/vList3"/>
+    <dgm:cxn modelId="{372C255B-8663-5F45-8BFE-3075DF4BAAB1}" type="presParOf" srcId="{A21E7C09-C334-5E44-86E5-EB881CA79575}" destId="{6BA4E12E-2D1C-D347-9B3D-2652C95D3D1C}" srcOrd="0" destOrd="0" presId="urn:microsoft.com/office/officeart/2005/8/layout/vList3"/>
+    <dgm:cxn modelId="{5D1A1370-0C98-3145-84BD-E8338B192779}" type="presParOf" srcId="{A21E7C09-C334-5E44-86E5-EB881CA79575}" destId="{A44E0F18-DF66-2A4E-95D5-4DBC55DA1B58}" srcOrd="1" destOrd="0" presId="urn:microsoft.com/office/officeart/2005/8/layout/vList3"/>
+    <dgm:cxn modelId="{AD933B05-499F-5545-A688-132859A52937}" type="presParOf" srcId="{82AD8FDE-4916-FD45-8C00-113CEC248E0F}" destId="{DECD32FB-A97D-684C-A7C9-DDEFCDC5E6FB}" srcOrd="1" destOrd="0" presId="urn:microsoft.com/office/officeart/2005/8/layout/vList3"/>
+    <dgm:cxn modelId="{C7B7C74B-3BC9-0D4A-A66D-6B64EA4D9C83}" type="presParOf" srcId="{82AD8FDE-4916-FD45-8C00-113CEC248E0F}" destId="{00C3AAE3-0B85-AA4F-B72D-3A1E7993C406}" srcOrd="2" destOrd="0" presId="urn:microsoft.com/office/officeart/2005/8/layout/vList3"/>
+    <dgm:cxn modelId="{A9C33C3E-DF2C-1C43-A60F-B55FF39D48BB}" type="presParOf" srcId="{00C3AAE3-0B85-AA4F-B72D-3A1E7993C406}" destId="{38B2F298-B01E-A146-ADC2-FA867A772D64}" srcOrd="0" destOrd="0" presId="urn:microsoft.com/office/officeart/2005/8/layout/vList3"/>
+    <dgm:cxn modelId="{4695DB20-895D-4C40-810B-3CDA995421B9}" type="presParOf" srcId="{00C3AAE3-0B85-AA4F-B72D-3A1E7993C406}" destId="{468877B9-487F-1F4C-B4B1-40047D953C5F}" srcOrd="1" destOrd="0" presId="urn:microsoft.com/office/officeart/2005/8/layout/vList3"/>
+  </dgm:cxnLst>
+  <dgm:bg/>
+  <dgm:whole/>
+  <dgm:extLst>
+    <a:ext uri="http://schemas.microsoft.com/office/drawing/2008/diagram">
+      <dsp:dataModelExt xmlns:dsp="http://schemas.microsoft.com/office/drawing/2008/diagram" relId="rId6" minVer="http://schemas.openxmlformats.org/drawingml/2006/diagram"/>
+    </a:ext>
+  </dgm:extLst>
+</dgm:dataModel>
+</file>
+
+<file path=ppt/diagrams/drawing1.xml><?xml version="1.0" encoding="utf-8"?>
+<dsp:drawing xmlns:dgm="http://schemas.openxmlformats.org/drawingml/2006/diagram" xmlns:dsp="http://schemas.microsoft.com/office/drawing/2008/diagram" xmlns:a="http://schemas.openxmlformats.org/drawingml/2006/main">
+  <dsp:spTree>
+    <dsp:nvGrpSpPr>
+      <dsp:cNvPr id="0" name=""/>
+      <dsp:cNvGrpSpPr/>
+    </dsp:nvGrpSpPr>
+    <dsp:grpSpPr/>
+    <dsp:sp modelId="{A44E0F18-DF66-2A4E-95D5-4DBC55DA1B58}">
+      <dsp:nvSpPr>
+        <dsp:cNvPr id="0" name=""/>
+        <dsp:cNvSpPr/>
+      </dsp:nvSpPr>
+      <dsp:spPr>
+        <a:xfrm rot="10800000">
+          <a:off x="1426302" y="2074"/>
+          <a:ext cx="4436525" cy="1235328"/>
+        </a:xfrm>
+        <a:prstGeom prst="homePlate">
+          <a:avLst/>
+        </a:prstGeom>
+        <a:solidFill>
+          <a:schemeClr val="accent1">
+            <a:hueOff val="0"/>
+            <a:satOff val="0"/>
+            <a:lumOff val="0"/>
+            <a:alphaOff val="0"/>
+          </a:schemeClr>
+        </a:solidFill>
+        <a:ln w="12700" cap="flat" cmpd="sng" algn="ctr">
+          <a:solidFill>
+            <a:schemeClr val="lt1">
+              <a:hueOff val="0"/>
+              <a:satOff val="0"/>
+              <a:lumOff val="0"/>
+              <a:alphaOff val="0"/>
+            </a:schemeClr>
+          </a:solidFill>
+          <a:prstDash val="solid"/>
+          <a:miter lim="800000"/>
+        </a:ln>
+        <a:effectLst/>
+      </dsp:spPr>
+      <dsp:style>
+        <a:lnRef idx="2">
+          <a:scrgbClr r="0" g="0" b="0"/>
+        </a:lnRef>
+        <a:fillRef idx="1">
+          <a:scrgbClr r="0" g="0" b="0"/>
+        </a:fillRef>
+        <a:effectRef idx="0">
+          <a:scrgbClr r="0" g="0" b="0"/>
+        </a:effectRef>
+        <a:fontRef idx="minor">
+          <a:schemeClr val="lt1"/>
+        </a:fontRef>
+      </dsp:style>
+      <dsp:txBody>
+        <a:bodyPr spcFirstLastPara="0" vert="horz" wrap="square" lIns="544746" tIns="129540" rIns="241808" bIns="129540" numCol="1" spcCol="1270" anchor="ctr" anchorCtr="0">
+          <a:noAutofit/>
+        </a:bodyPr>
+        <a:lstStyle/>
+        <a:p>
+          <a:pPr marL="0" lvl="0" indent="0" algn="ctr" defTabSz="1511300">
+            <a:lnSpc>
+              <a:spcPct val="90000"/>
+            </a:lnSpc>
+            <a:spcBef>
+              <a:spcPct val="0"/>
+            </a:spcBef>
+            <a:spcAft>
+              <a:spcPct val="35000"/>
+            </a:spcAft>
+            <a:buNone/>
+          </a:pPr>
+          <a:r>
+            <a:rPr lang="en-US" sz="3400" kern="1200" dirty="0"/>
+            <a:t>Linear Regression</a:t>
+          </a:r>
+        </a:p>
+      </dsp:txBody>
+      <dsp:txXfrm rot="10800000">
+        <a:off x="1735134" y="2074"/>
+        <a:ext cx="4127693" cy="1235328"/>
+      </dsp:txXfrm>
+    </dsp:sp>
+    <dsp:sp modelId="{6BA4E12E-2D1C-D347-9B3D-2652C95D3D1C}">
+      <dsp:nvSpPr>
+        <dsp:cNvPr id="0" name=""/>
+        <dsp:cNvSpPr/>
+      </dsp:nvSpPr>
+      <dsp:spPr>
+        <a:xfrm>
+          <a:off x="808638" y="2074"/>
+          <a:ext cx="1235328" cy="1235328"/>
+        </a:xfrm>
+        <a:prstGeom prst="ellipse">
+          <a:avLst/>
+        </a:prstGeom>
+        <a:solidFill>
+          <a:schemeClr val="accent1">
+            <a:tint val="50000"/>
+            <a:hueOff val="0"/>
+            <a:satOff val="0"/>
+            <a:lumOff val="0"/>
+            <a:alphaOff val="0"/>
+          </a:schemeClr>
+        </a:solidFill>
+        <a:ln w="12700" cap="flat" cmpd="sng" algn="ctr">
+          <a:solidFill>
+            <a:schemeClr val="lt1">
+              <a:hueOff val="0"/>
+              <a:satOff val="0"/>
+              <a:lumOff val="0"/>
+              <a:alphaOff val="0"/>
+            </a:schemeClr>
+          </a:solidFill>
+          <a:prstDash val="solid"/>
+          <a:miter lim="800000"/>
+        </a:ln>
+        <a:effectLst/>
+      </dsp:spPr>
+      <dsp:style>
+        <a:lnRef idx="2">
+          <a:scrgbClr r="0" g="0" b="0"/>
+        </a:lnRef>
+        <a:fillRef idx="1">
+          <a:scrgbClr r="0" g="0" b="0"/>
+        </a:fillRef>
+        <a:effectRef idx="0">
+          <a:scrgbClr r="0" g="0" b="0"/>
+        </a:effectRef>
+        <a:fontRef idx="minor"/>
+      </dsp:style>
+    </dsp:sp>
+    <dsp:sp modelId="{468877B9-487F-1F4C-B4B1-40047D953C5F}">
+      <dsp:nvSpPr>
+        <dsp:cNvPr id="0" name=""/>
+        <dsp:cNvSpPr/>
+      </dsp:nvSpPr>
+      <dsp:spPr>
+        <a:xfrm rot="10800000">
+          <a:off x="1426302" y="1606158"/>
+          <a:ext cx="4436525" cy="1235328"/>
+        </a:xfrm>
+        <a:prstGeom prst="homePlate">
+          <a:avLst/>
+        </a:prstGeom>
+        <a:solidFill>
+          <a:schemeClr val="accent1">
+            <a:hueOff val="0"/>
+            <a:satOff val="0"/>
+            <a:lumOff val="0"/>
+            <a:alphaOff val="0"/>
+          </a:schemeClr>
+        </a:solidFill>
+        <a:ln w="12700" cap="flat" cmpd="sng" algn="ctr">
+          <a:solidFill>
+            <a:schemeClr val="lt1">
+              <a:hueOff val="0"/>
+              <a:satOff val="0"/>
+              <a:lumOff val="0"/>
+              <a:alphaOff val="0"/>
+            </a:schemeClr>
+          </a:solidFill>
+          <a:prstDash val="solid"/>
+          <a:miter lim="800000"/>
+        </a:ln>
+        <a:effectLst/>
+      </dsp:spPr>
+      <dsp:style>
+        <a:lnRef idx="2">
+          <a:scrgbClr r="0" g="0" b="0"/>
+        </a:lnRef>
+        <a:fillRef idx="1">
+          <a:scrgbClr r="0" g="0" b="0"/>
+        </a:fillRef>
+        <a:effectRef idx="0">
+          <a:scrgbClr r="0" g="0" b="0"/>
+        </a:effectRef>
+        <a:fontRef idx="minor">
+          <a:schemeClr val="lt1"/>
+        </a:fontRef>
+      </dsp:style>
+      <dsp:txBody>
+        <a:bodyPr spcFirstLastPara="0" vert="horz" wrap="square" lIns="544746" tIns="129540" rIns="241808" bIns="129540" numCol="1" spcCol="1270" anchor="ctr" anchorCtr="0">
+          <a:noAutofit/>
+        </a:bodyPr>
+        <a:lstStyle/>
+        <a:p>
+          <a:pPr marL="0" lvl="0" indent="0" algn="ctr" defTabSz="1511300">
+            <a:lnSpc>
+              <a:spcPct val="90000"/>
+            </a:lnSpc>
+            <a:spcBef>
+              <a:spcPct val="0"/>
+            </a:spcBef>
+            <a:spcAft>
+              <a:spcPct val="35000"/>
+            </a:spcAft>
+            <a:buNone/>
+          </a:pPr>
+          <a:r>
+            <a:rPr lang="en-US" sz="3400" kern="1200" dirty="0"/>
+            <a:t>K-Nearest </a:t>
+          </a:r>
+          <a:r>
+            <a:rPr lang="en-US" sz="3400" kern="1200" dirty="0" err="1"/>
+            <a:t>Neighbour</a:t>
+          </a:r>
+          <a:endParaRPr lang="en-US" sz="3400" kern="1200" dirty="0"/>
+        </a:p>
+      </dsp:txBody>
+      <dsp:txXfrm rot="10800000">
+        <a:off x="1735134" y="1606158"/>
+        <a:ext cx="4127693" cy="1235328"/>
+      </dsp:txXfrm>
+    </dsp:sp>
+    <dsp:sp modelId="{38B2F298-B01E-A146-ADC2-FA867A772D64}">
+      <dsp:nvSpPr>
+        <dsp:cNvPr id="0" name=""/>
+        <dsp:cNvSpPr/>
+      </dsp:nvSpPr>
+      <dsp:spPr>
+        <a:xfrm>
+          <a:off x="808638" y="1606158"/>
+          <a:ext cx="1235328" cy="1235328"/>
+        </a:xfrm>
+        <a:prstGeom prst="ellipse">
+          <a:avLst/>
+        </a:prstGeom>
+        <a:solidFill>
+          <a:schemeClr val="accent1">
+            <a:tint val="50000"/>
+            <a:hueOff val="0"/>
+            <a:satOff val="0"/>
+            <a:lumOff val="0"/>
+            <a:alphaOff val="0"/>
+          </a:schemeClr>
+        </a:solidFill>
+        <a:ln w="12700" cap="flat" cmpd="sng" algn="ctr">
+          <a:solidFill>
+            <a:schemeClr val="lt1">
+              <a:hueOff val="0"/>
+              <a:satOff val="0"/>
+              <a:lumOff val="0"/>
+              <a:alphaOff val="0"/>
+            </a:schemeClr>
+          </a:solidFill>
+          <a:prstDash val="solid"/>
+          <a:miter lim="800000"/>
+        </a:ln>
+        <a:effectLst/>
+      </dsp:spPr>
+      <dsp:style>
+        <a:lnRef idx="2">
+          <a:scrgbClr r="0" g="0" b="0"/>
+        </a:lnRef>
+        <a:fillRef idx="1">
+          <a:scrgbClr r="0" g="0" b="0"/>
+        </a:fillRef>
+        <a:effectRef idx="0">
+          <a:scrgbClr r="0" g="0" b="0"/>
+        </a:effectRef>
+        <a:fontRef idx="minor"/>
+      </dsp:style>
+    </dsp:sp>
+    <dsp:sp modelId="{1C4DF34C-56B0-2E4F-9C1F-712A11B36378}">
+      <dsp:nvSpPr>
+        <dsp:cNvPr id="0" name=""/>
+        <dsp:cNvSpPr/>
+      </dsp:nvSpPr>
+      <dsp:spPr>
+        <a:xfrm rot="10800000">
+          <a:off x="1426302" y="3210241"/>
+          <a:ext cx="4436525" cy="1235328"/>
+        </a:xfrm>
+        <a:prstGeom prst="homePlate">
+          <a:avLst/>
+        </a:prstGeom>
+        <a:solidFill>
+          <a:schemeClr val="accent1">
+            <a:hueOff val="0"/>
+            <a:satOff val="0"/>
+            <a:lumOff val="0"/>
+            <a:alphaOff val="0"/>
+          </a:schemeClr>
+        </a:solidFill>
+        <a:ln w="12700" cap="flat" cmpd="sng" algn="ctr">
+          <a:solidFill>
+            <a:schemeClr val="lt1">
+              <a:hueOff val="0"/>
+              <a:satOff val="0"/>
+              <a:lumOff val="0"/>
+              <a:alphaOff val="0"/>
+            </a:schemeClr>
+          </a:solidFill>
+          <a:prstDash val="solid"/>
+          <a:miter lim="800000"/>
+        </a:ln>
+        <a:effectLst/>
+      </dsp:spPr>
+      <dsp:style>
+        <a:lnRef idx="2">
+          <a:scrgbClr r="0" g="0" b="0"/>
+        </a:lnRef>
+        <a:fillRef idx="1">
+          <a:scrgbClr r="0" g="0" b="0"/>
+        </a:fillRef>
+        <a:effectRef idx="0">
+          <a:scrgbClr r="0" g="0" b="0"/>
+        </a:effectRef>
+        <a:fontRef idx="minor">
+          <a:schemeClr val="lt1"/>
+        </a:fontRef>
+      </dsp:style>
+      <dsp:txBody>
+        <a:bodyPr spcFirstLastPara="0" vert="horz" wrap="square" lIns="544746" tIns="129540" rIns="241808" bIns="129540" numCol="1" spcCol="1270" anchor="ctr" anchorCtr="0">
+          <a:noAutofit/>
+        </a:bodyPr>
+        <a:lstStyle/>
+        <a:p>
+          <a:pPr marL="0" lvl="0" indent="0" algn="ctr" defTabSz="1511300">
+            <a:lnSpc>
+              <a:spcPct val="90000"/>
+            </a:lnSpc>
+            <a:spcBef>
+              <a:spcPct val="0"/>
+            </a:spcBef>
+            <a:spcAft>
+              <a:spcPct val="35000"/>
+            </a:spcAft>
+            <a:buNone/>
+          </a:pPr>
+          <a:r>
+            <a:rPr lang="en-US" sz="3400" kern="1200" dirty="0"/>
+            <a:t>Decision Tree</a:t>
+          </a:r>
+        </a:p>
+      </dsp:txBody>
+      <dsp:txXfrm rot="10800000">
+        <a:off x="1735134" y="3210241"/>
+        <a:ext cx="4127693" cy="1235328"/>
+      </dsp:txXfrm>
+    </dsp:sp>
+    <dsp:sp modelId="{C5109D02-D6EA-8A40-9625-C9921A3704EC}">
+      <dsp:nvSpPr>
+        <dsp:cNvPr id="0" name=""/>
+        <dsp:cNvSpPr/>
+      </dsp:nvSpPr>
+      <dsp:spPr>
+        <a:xfrm>
+          <a:off x="808638" y="3210241"/>
+          <a:ext cx="1235328" cy="1235328"/>
+        </a:xfrm>
+        <a:prstGeom prst="ellipse">
+          <a:avLst/>
+        </a:prstGeom>
+        <a:solidFill>
+          <a:schemeClr val="accent1">
+            <a:tint val="50000"/>
+            <a:hueOff val="0"/>
+            <a:satOff val="0"/>
+            <a:lumOff val="0"/>
+            <a:alphaOff val="0"/>
+          </a:schemeClr>
+        </a:solidFill>
+        <a:ln w="12700" cap="flat" cmpd="sng" algn="ctr">
+          <a:solidFill>
+            <a:schemeClr val="lt1">
+              <a:hueOff val="0"/>
+              <a:satOff val="0"/>
+              <a:lumOff val="0"/>
+              <a:alphaOff val="0"/>
+            </a:schemeClr>
+          </a:solidFill>
+          <a:prstDash val="solid"/>
+          <a:miter lim="800000"/>
+        </a:ln>
+        <a:effectLst/>
+      </dsp:spPr>
+      <dsp:style>
+        <a:lnRef idx="2">
+          <a:scrgbClr r="0" g="0" b="0"/>
+        </a:lnRef>
+        <a:fillRef idx="1">
+          <a:scrgbClr r="0" g="0" b="0"/>
+        </a:fillRef>
+        <a:effectRef idx="0">
+          <a:scrgbClr r="0" g="0" b="0"/>
+        </a:effectRef>
+        <a:fontRef idx="minor"/>
+      </dsp:style>
+    </dsp:sp>
+  </dsp:spTree>
+</dsp:drawing>
+</file>
+
+<file path=ppt/diagrams/drawing2.xml><?xml version="1.0" encoding="utf-8"?>
+<dsp:drawing xmlns:dgm="http://schemas.openxmlformats.org/drawingml/2006/diagram" xmlns:dsp="http://schemas.microsoft.com/office/drawing/2008/diagram" xmlns:a="http://schemas.openxmlformats.org/drawingml/2006/main">
+  <dsp:spTree>
+    <dsp:nvGrpSpPr>
+      <dsp:cNvPr id="0" name=""/>
+      <dsp:cNvGrpSpPr/>
+    </dsp:nvGrpSpPr>
+    <dsp:grpSpPr/>
+    <dsp:sp modelId="{A44E0F18-DF66-2A4E-95D5-4DBC55DA1B58}">
+      <dsp:nvSpPr>
+        <dsp:cNvPr id="0" name=""/>
+        <dsp:cNvSpPr/>
+      </dsp:nvSpPr>
+      <dsp:spPr>
+        <a:xfrm rot="10800000">
+          <a:off x="1744278" y="1491"/>
+          <a:ext cx="5134864" cy="1803642"/>
+        </a:xfrm>
+        <a:prstGeom prst="homePlate">
+          <a:avLst/>
+        </a:prstGeom>
+        <a:solidFill>
+          <a:schemeClr val="accent1">
+            <a:hueOff val="0"/>
+            <a:satOff val="0"/>
+            <a:lumOff val="0"/>
+            <a:alphaOff val="0"/>
+          </a:schemeClr>
+        </a:solidFill>
+        <a:ln w="12700" cap="flat" cmpd="sng" algn="ctr">
+          <a:solidFill>
+            <a:schemeClr val="lt1">
+              <a:hueOff val="0"/>
+              <a:satOff val="0"/>
+              <a:lumOff val="0"/>
+              <a:alphaOff val="0"/>
+            </a:schemeClr>
+          </a:solidFill>
+          <a:prstDash val="solid"/>
+          <a:miter lim="800000"/>
+        </a:ln>
+        <a:effectLst/>
+      </dsp:spPr>
+      <dsp:style>
+        <a:lnRef idx="2">
+          <a:scrgbClr r="0" g="0" b="0"/>
+        </a:lnRef>
+        <a:fillRef idx="1">
+          <a:scrgbClr r="0" g="0" b="0"/>
+        </a:fillRef>
+        <a:effectRef idx="0">
+          <a:scrgbClr r="0" g="0" b="0"/>
+        </a:effectRef>
+        <a:fontRef idx="minor">
+          <a:schemeClr val="lt1"/>
+        </a:fontRef>
+      </dsp:style>
+      <dsp:txBody>
+        <a:bodyPr spcFirstLastPara="0" vert="horz" wrap="square" lIns="795356" tIns="144780" rIns="270256" bIns="144780" numCol="1" spcCol="1270" anchor="ctr" anchorCtr="0">
+          <a:noAutofit/>
+        </a:bodyPr>
+        <a:lstStyle/>
+        <a:p>
+          <a:pPr marL="0" lvl="0" indent="0" algn="ctr" defTabSz="1689100">
+            <a:lnSpc>
+              <a:spcPct val="90000"/>
+            </a:lnSpc>
+            <a:spcBef>
+              <a:spcPct val="0"/>
+            </a:spcBef>
+            <a:spcAft>
+              <a:spcPct val="35000"/>
+            </a:spcAft>
+            <a:buNone/>
+          </a:pPr>
+          <a:r>
+            <a:rPr lang="en-US" sz="3800" kern="1200" dirty="0"/>
+            <a:t>Elastic Net </a:t>
+          </a:r>
+          <a:r>
+            <a:rPr lang="en-US" sz="3800" kern="1200" dirty="0" err="1"/>
+            <a:t>Regularisation</a:t>
+          </a:r>
+          <a:endParaRPr lang="en-US" sz="3800" kern="1200" dirty="0"/>
+        </a:p>
+      </dsp:txBody>
+      <dsp:txXfrm rot="10800000">
+        <a:off x="2195188" y="1491"/>
+        <a:ext cx="4683954" cy="1803642"/>
+      </dsp:txXfrm>
+    </dsp:sp>
+    <dsp:sp modelId="{6BA4E12E-2D1C-D347-9B3D-2652C95D3D1C}">
+      <dsp:nvSpPr>
+        <dsp:cNvPr id="0" name=""/>
+        <dsp:cNvSpPr/>
+      </dsp:nvSpPr>
+      <dsp:spPr>
+        <a:xfrm>
+          <a:off x="842457" y="1491"/>
+          <a:ext cx="1803642" cy="1803642"/>
+        </a:xfrm>
+        <a:prstGeom prst="ellipse">
+          <a:avLst/>
+        </a:prstGeom>
+        <a:solidFill>
+          <a:schemeClr val="accent1">
+            <a:tint val="50000"/>
+            <a:hueOff val="0"/>
+            <a:satOff val="0"/>
+            <a:lumOff val="0"/>
+            <a:alphaOff val="0"/>
+          </a:schemeClr>
+        </a:solidFill>
+        <a:ln w="12700" cap="flat" cmpd="sng" algn="ctr">
+          <a:solidFill>
+            <a:schemeClr val="lt1">
+              <a:hueOff val="0"/>
+              <a:satOff val="0"/>
+              <a:lumOff val="0"/>
+              <a:alphaOff val="0"/>
+            </a:schemeClr>
+          </a:solidFill>
+          <a:prstDash val="solid"/>
+          <a:miter lim="800000"/>
+        </a:ln>
+        <a:effectLst/>
+      </dsp:spPr>
+      <dsp:style>
+        <a:lnRef idx="2">
+          <a:scrgbClr r="0" g="0" b="0"/>
+        </a:lnRef>
+        <a:fillRef idx="1">
+          <a:scrgbClr r="0" g="0" b="0"/>
+        </a:fillRef>
+        <a:effectRef idx="0">
+          <a:scrgbClr r="0" g="0" b="0"/>
+        </a:effectRef>
+        <a:fontRef idx="minor"/>
+      </dsp:style>
+    </dsp:sp>
+    <dsp:sp modelId="{468877B9-487F-1F4C-B4B1-40047D953C5F}">
+      <dsp:nvSpPr>
+        <dsp:cNvPr id="0" name=""/>
+        <dsp:cNvSpPr/>
+      </dsp:nvSpPr>
+      <dsp:spPr>
+        <a:xfrm rot="10800000">
+          <a:off x="1744278" y="2343534"/>
+          <a:ext cx="5134864" cy="1803642"/>
+        </a:xfrm>
+        <a:prstGeom prst="homePlate">
+          <a:avLst/>
+        </a:prstGeom>
+        <a:solidFill>
+          <a:schemeClr val="accent1">
+            <a:hueOff val="0"/>
+            <a:satOff val="0"/>
+            <a:lumOff val="0"/>
+            <a:alphaOff val="0"/>
+          </a:schemeClr>
+        </a:solidFill>
+        <a:ln w="12700" cap="flat" cmpd="sng" algn="ctr">
+          <a:solidFill>
+            <a:schemeClr val="lt1">
+              <a:hueOff val="0"/>
+              <a:satOff val="0"/>
+              <a:lumOff val="0"/>
+              <a:alphaOff val="0"/>
+            </a:schemeClr>
+          </a:solidFill>
+          <a:prstDash val="solid"/>
+          <a:miter lim="800000"/>
+        </a:ln>
+        <a:effectLst/>
+      </dsp:spPr>
+      <dsp:style>
+        <a:lnRef idx="2">
+          <a:scrgbClr r="0" g="0" b="0"/>
+        </a:lnRef>
+        <a:fillRef idx="1">
+          <a:scrgbClr r="0" g="0" b="0"/>
+        </a:fillRef>
+        <a:effectRef idx="0">
+          <a:scrgbClr r="0" g="0" b="0"/>
+        </a:effectRef>
+        <a:fontRef idx="minor">
+          <a:schemeClr val="lt1"/>
+        </a:fontRef>
+      </dsp:style>
+      <dsp:txBody>
+        <a:bodyPr spcFirstLastPara="0" vert="horz" wrap="square" lIns="795356" tIns="144780" rIns="270256" bIns="144780" numCol="1" spcCol="1270" anchor="ctr" anchorCtr="0">
+          <a:noAutofit/>
+        </a:bodyPr>
+        <a:lstStyle/>
+        <a:p>
+          <a:pPr marL="0" lvl="0" indent="0" algn="ctr" defTabSz="1689100">
+            <a:lnSpc>
+              <a:spcPct val="90000"/>
+            </a:lnSpc>
+            <a:spcBef>
+              <a:spcPct val="0"/>
+            </a:spcBef>
+            <a:spcAft>
+              <a:spcPct val="35000"/>
+            </a:spcAft>
+            <a:buNone/>
+          </a:pPr>
+          <a:r>
+            <a:rPr lang="en-US" sz="3800" kern="1200" dirty="0"/>
+            <a:t>Random Forest – Feature Important</a:t>
+          </a:r>
+        </a:p>
+      </dsp:txBody>
+      <dsp:txXfrm rot="10800000">
+        <a:off x="2195188" y="2343534"/>
+        <a:ext cx="4683954" cy="1803642"/>
+      </dsp:txXfrm>
+    </dsp:sp>
+    <dsp:sp modelId="{38B2F298-B01E-A146-ADC2-FA867A772D64}">
+      <dsp:nvSpPr>
+        <dsp:cNvPr id="0" name=""/>
+        <dsp:cNvSpPr/>
+      </dsp:nvSpPr>
+      <dsp:spPr>
+        <a:xfrm>
+          <a:off x="842457" y="2343534"/>
+          <a:ext cx="1803642" cy="1803642"/>
+        </a:xfrm>
+        <a:prstGeom prst="ellipse">
+          <a:avLst/>
+        </a:prstGeom>
+        <a:solidFill>
+          <a:schemeClr val="accent1">
+            <a:tint val="50000"/>
+            <a:hueOff val="0"/>
+            <a:satOff val="0"/>
+            <a:lumOff val="0"/>
+            <a:alphaOff val="0"/>
+          </a:schemeClr>
+        </a:solidFill>
+        <a:ln w="12700" cap="flat" cmpd="sng" algn="ctr">
+          <a:solidFill>
+            <a:schemeClr val="lt1">
+              <a:hueOff val="0"/>
+              <a:satOff val="0"/>
+              <a:lumOff val="0"/>
+              <a:alphaOff val="0"/>
+            </a:schemeClr>
+          </a:solidFill>
+          <a:prstDash val="solid"/>
+          <a:miter lim="800000"/>
+        </a:ln>
+        <a:effectLst/>
+      </dsp:spPr>
+      <dsp:style>
+        <a:lnRef idx="2">
+          <a:scrgbClr r="0" g="0" b="0"/>
+        </a:lnRef>
+        <a:fillRef idx="1">
+          <a:scrgbClr r="0" g="0" b="0"/>
+        </a:fillRef>
+        <a:effectRef idx="0">
+          <a:scrgbClr r="0" g="0" b="0"/>
+        </a:effectRef>
+        <a:fontRef idx="minor"/>
+      </dsp:style>
+    </dsp:sp>
+  </dsp:spTree>
+</dsp:drawing>
+</file>
+
+<file path=ppt/diagrams/layout1.xml><?xml version="1.0" encoding="utf-8"?>
+<dgm:layoutDef xmlns:dgm="http://schemas.openxmlformats.org/drawingml/2006/diagram" xmlns:a="http://schemas.openxmlformats.org/drawingml/2006/main" uniqueId="urn:microsoft.com/office/officeart/2005/8/layout/vList3">
+  <dgm:title val=""/>
+  <dgm:desc val=""/>
+  <dgm:catLst>
+    <dgm:cat type="list" pri="14000"/>
+    <dgm:cat type="convert" pri="3000"/>
+    <dgm:cat type="picture" pri="27000"/>
+    <dgm:cat type="pictureconvert" pri="27000"/>
+  </dgm:catLst>
+  <dgm:sampData useDef="1">
+    <dgm:dataModel>
+      <dgm:ptLst/>
+      <dgm:bg/>
+      <dgm:whole/>
+    </dgm:dataModel>
+  </dgm:sampData>
+  <dgm:styleData>
+    <dgm:dataModel>
+      <dgm:ptLst>
+        <dgm:pt modelId="0" type="doc"/>
+        <dgm:pt modelId="1"/>
+        <dgm:pt modelId="2"/>
+      </dgm:ptLst>
+      <dgm:cxnLst>
+        <dgm:cxn modelId="3" srcId="0" destId="1" srcOrd="0" destOrd="0"/>
+        <dgm:cxn modelId="4" srcId="0" destId="2" srcOrd="1" destOrd="0"/>
+      </dgm:cxnLst>
+      <dgm:bg/>
+      <dgm:whole/>
+    </dgm:dataModel>
+  </dgm:styleData>
+  <dgm:clrData>
+    <dgm:dataModel>
+      <dgm:ptLst>
+        <dgm:pt modelId="0" type="doc"/>
+        <dgm:pt modelId="1"/>
+        <dgm:pt modelId="2"/>
+        <dgm:pt modelId="3"/>
+        <dgm:pt modelId="4"/>
+      </dgm:ptLst>
+      <dgm:cxnLst>
+        <dgm:cxn modelId="5" srcId="0" destId="1" srcOrd="0" destOrd="0"/>
+        <dgm:cxn modelId="6" srcId="0" destId="2" srcOrd="1" destOrd="0"/>
+        <dgm:cxn modelId="7" srcId="0" destId="3" srcOrd="2" destOrd="0"/>
+        <dgm:cxn modelId="8" srcId="0" destId="4" srcOrd="3" destOrd="0"/>
+      </dgm:cxnLst>
+      <dgm:bg/>
+      <dgm:whole/>
+    </dgm:dataModel>
+  </dgm:clrData>
+  <dgm:layoutNode name="linearFlow">
+    <dgm:varLst>
+      <dgm:dir/>
+      <dgm:resizeHandles val="exact"/>
+    </dgm:varLst>
+    <dgm:alg type="lin">
+      <dgm:param type="linDir" val="fromT"/>
+      <dgm:param type="vertAlign" val="mid"/>
+      <dgm:param type="horzAlign" val="ctr"/>
+    </dgm:alg>
+    <dgm:shape xmlns:r="http://schemas.openxmlformats.org/officeDocument/2006/relationships" r:blip="">
+      <dgm:adjLst/>
+    </dgm:shape>
+    <dgm:presOf/>
+    <dgm:constrLst>
+      <dgm:constr type="w" for="ch" forName="composite" refType="w"/>
+      <dgm:constr type="h" for="ch" forName="composite" refType="h"/>
+      <dgm:constr type="h" for="ch" forName="spacing" refType="h" refFor="ch" refForName="composite" fact="0.25"/>
+      <dgm:constr type="h" for="ch" forName="spacing" refType="w" op="lte" fact="0.1"/>
+      <dgm:constr type="primFontSz" for="des" ptType="node" op="equ" val="65"/>
+    </dgm:constrLst>
+    <dgm:ruleLst/>
+    <dgm:forEach name="Name0" axis="ch" ptType="node">
+      <dgm:layoutNode name="composite">
+        <dgm:alg type="composite"/>
+        <dgm:shape xmlns:r="http://schemas.openxmlformats.org/officeDocument/2006/relationships" r:blip="">
+          <dgm:adjLst/>
+        </dgm:shape>
+        <dgm:presOf/>
+        <dgm:choose name="Name1">
+          <dgm:if name="Name2" func="var" arg="dir" op="equ" val="norm">
+            <dgm:constrLst>
+              <dgm:constr type="w" for="ch" forName="imgShp" refType="w" fact="0.335"/>
+              <dgm:constr type="h" for="ch" forName="imgShp" refType="w" refFor="ch" refForName="imgShp" op="equ"/>
+              <dgm:constr type="h" for="ch" forName="imgShp" refType="h" op="lte"/>
+              <dgm:constr type="ctrY" for="ch" forName="imgShp" refType="h" fact="0.5"/>
+              <dgm:constr type="l" for="ch" forName="imgShp"/>
+              <dgm:constr type="w" for="ch" forName="txShp" refType="w" op="equ" fact="0.665"/>
+              <dgm:constr type="h" for="ch" forName="txShp" refType="h" refFor="ch" refForName="imgShp" op="equ"/>
+              <dgm:constr type="ctrY" for="ch" forName="txShp" refType="h" fact="0.5"/>
+              <dgm:constr type="l" for="ch" forName="txShp" refType="w" refFor="ch" refForName="imgShp" fact="0.5"/>
+              <dgm:constr type="lMarg" for="ch" forName="txShp" refType="w" refFor="ch" refForName="imgShp" fact="1.25"/>
+            </dgm:constrLst>
+          </dgm:if>
+          <dgm:else name="Name3">
+            <dgm:constrLst>
+              <dgm:constr type="w" for="ch" forName="imgShp" refType="w" fact="0.335"/>
+              <dgm:constr type="h" for="ch" forName="imgShp" refType="w" refFor="ch" refForName="imgShp" op="equ"/>
+              <dgm:constr type="h" for="ch" forName="imgShp" refType="h" op="lte"/>
+              <dgm:constr type="ctrY" for="ch" forName="imgShp" refType="h" fact="0.5"/>
+              <dgm:constr type="r" for="ch" forName="imgShp" refType="w"/>
+              <dgm:constr type="w" for="ch" forName="txShp" refType="w" op="equ" fact="0.665"/>
+              <dgm:constr type="h" for="ch" forName="txShp" refType="h" refFor="ch" refForName="imgShp" op="equ"/>
+              <dgm:constr type="ctrY" for="ch" forName="txShp" refType="h" fact="0.5"/>
+              <dgm:constr type="r" for="ch" forName="txShp" refType="ctrX" refFor="ch" refForName="imgShp"/>
+              <dgm:constr type="rMarg" for="ch" forName="txShp" refType="w" refFor="ch" refForName="imgShp" fact="1.25"/>
+            </dgm:constrLst>
+          </dgm:else>
+        </dgm:choose>
+        <dgm:ruleLst/>
+        <dgm:layoutNode name="imgShp" styleLbl="fgImgPlace1">
+          <dgm:alg type="sp"/>
+          <dgm:shape xmlns:r="http://schemas.openxmlformats.org/officeDocument/2006/relationships" type="ellipse" r:blip="" blipPhldr="1">
+            <dgm:adjLst/>
+          </dgm:shape>
+          <dgm:presOf/>
+          <dgm:constrLst/>
+          <dgm:ruleLst/>
+        </dgm:layoutNode>
+        <dgm:layoutNode name="txShp">
+          <dgm:varLst>
+            <dgm:bulletEnabled val="1"/>
+          </dgm:varLst>
+          <dgm:alg type="tx"/>
+          <dgm:choose name="Name4">
+            <dgm:if name="Name5" func="var" arg="dir" op="equ" val="norm">
+              <dgm:shape xmlns:r="http://schemas.openxmlformats.org/officeDocument/2006/relationships" rot="180" type="homePlate" r:blip="" zOrderOff="-1">
+                <dgm:adjLst/>
+              </dgm:shape>
+            </dgm:if>
+            <dgm:else name="Name6">
+              <dgm:shape xmlns:r="http://schemas.openxmlformats.org/officeDocument/2006/relationships" type="homePlate" r:blip="" zOrderOff="-1">
+                <dgm:adjLst/>
+              </dgm:shape>
+            </dgm:else>
+          </dgm:choose>
+          <dgm:presOf axis="desOrSelf" ptType="node"/>
+          <dgm:constrLst>
+            <dgm:constr type="tMarg" refType="primFontSz" fact="0.3"/>
+            <dgm:constr type="bMarg" refType="primFontSz" fact="0.3"/>
+          </dgm:constrLst>
+          <dgm:ruleLst>
+            <dgm:rule type="primFontSz" val="5" fact="NaN" max="NaN"/>
+          </dgm:ruleLst>
+        </dgm:layoutNode>
+      </dgm:layoutNode>
+      <dgm:forEach name="Name7" axis="followSib" ptType="sibTrans" cnt="1">
+        <dgm:layoutNode name="spacing">
+          <dgm:alg type="sp"/>
+          <dgm:shape xmlns:r="http://schemas.openxmlformats.org/officeDocument/2006/relationships" r:blip="">
+            <dgm:adjLst/>
+          </dgm:shape>
+          <dgm:presOf axis="self"/>
+          <dgm:constrLst/>
+          <dgm:ruleLst/>
+        </dgm:layoutNode>
+      </dgm:forEach>
+    </dgm:forEach>
+  </dgm:layoutNode>
+</dgm:layoutDef>
+</file>
+
+<file path=ppt/diagrams/layout2.xml><?xml version="1.0" encoding="utf-8"?>
+<dgm:layoutDef xmlns:dgm="http://schemas.openxmlformats.org/drawingml/2006/diagram" xmlns:a="http://schemas.openxmlformats.org/drawingml/2006/main" uniqueId="urn:microsoft.com/office/officeart/2005/8/layout/vList3">
+  <dgm:title val=""/>
+  <dgm:desc val=""/>
+  <dgm:catLst>
+    <dgm:cat type="list" pri="14000"/>
+    <dgm:cat type="convert" pri="3000"/>
+    <dgm:cat type="picture" pri="27000"/>
+    <dgm:cat type="pictureconvert" pri="27000"/>
+  </dgm:catLst>
+  <dgm:sampData useDef="1">
+    <dgm:dataModel>
+      <dgm:ptLst/>
+      <dgm:bg/>
+      <dgm:whole/>
+    </dgm:dataModel>
+  </dgm:sampData>
+  <dgm:styleData>
+    <dgm:dataModel>
+      <dgm:ptLst>
+        <dgm:pt modelId="0" type="doc"/>
+        <dgm:pt modelId="1"/>
+        <dgm:pt modelId="2"/>
+      </dgm:ptLst>
+      <dgm:cxnLst>
+        <dgm:cxn modelId="3" srcId="0" destId="1" srcOrd="0" destOrd="0"/>
+        <dgm:cxn modelId="4" srcId="0" destId="2" srcOrd="1" destOrd="0"/>
+      </dgm:cxnLst>
+      <dgm:bg/>
+      <dgm:whole/>
+    </dgm:dataModel>
+  </dgm:styleData>
+  <dgm:clrData>
+    <dgm:dataModel>
+      <dgm:ptLst>
+        <dgm:pt modelId="0" type="doc"/>
+        <dgm:pt modelId="1"/>
+        <dgm:pt modelId="2"/>
+        <dgm:pt modelId="3"/>
+        <dgm:pt modelId="4"/>
+      </dgm:ptLst>
+      <dgm:cxnLst>
+        <dgm:cxn modelId="5" srcId="0" destId="1" srcOrd="0" destOrd="0"/>
+        <dgm:cxn modelId="6" srcId="0" destId="2" srcOrd="1" destOrd="0"/>
+        <dgm:cxn modelId="7" srcId="0" destId="3" srcOrd="2" destOrd="0"/>
+        <dgm:cxn modelId="8" srcId="0" destId="4" srcOrd="3" destOrd="0"/>
+      </dgm:cxnLst>
+      <dgm:bg/>
+      <dgm:whole/>
+    </dgm:dataModel>
+  </dgm:clrData>
+  <dgm:layoutNode name="linearFlow">
+    <dgm:varLst>
+      <dgm:dir/>
+      <dgm:resizeHandles val="exact"/>
+    </dgm:varLst>
+    <dgm:alg type="lin">
+      <dgm:param type="linDir" val="fromT"/>
+      <dgm:param type="vertAlign" val="mid"/>
+      <dgm:param type="horzAlign" val="ctr"/>
+    </dgm:alg>
+    <dgm:shape xmlns:r="http://schemas.openxmlformats.org/officeDocument/2006/relationships" r:blip="">
+      <dgm:adjLst/>
+    </dgm:shape>
+    <dgm:presOf/>
+    <dgm:constrLst>
+      <dgm:constr type="w" for="ch" forName="composite" refType="w"/>
+      <dgm:constr type="h" for="ch" forName="composite" refType="h"/>
+      <dgm:constr type="h" for="ch" forName="spacing" refType="h" refFor="ch" refForName="composite" fact="0.25"/>
+      <dgm:constr type="h" for="ch" forName="spacing" refType="w" op="lte" fact="0.1"/>
+      <dgm:constr type="primFontSz" for="des" ptType="node" op="equ" val="65"/>
+    </dgm:constrLst>
+    <dgm:ruleLst/>
+    <dgm:forEach name="Name0" axis="ch" ptType="node">
+      <dgm:layoutNode name="composite">
+        <dgm:alg type="composite"/>
+        <dgm:shape xmlns:r="http://schemas.openxmlformats.org/officeDocument/2006/relationships" r:blip="">
+          <dgm:adjLst/>
+        </dgm:shape>
+        <dgm:presOf/>
+        <dgm:choose name="Name1">
+          <dgm:if name="Name2" func="var" arg="dir" op="equ" val="norm">
+            <dgm:constrLst>
+              <dgm:constr type="w" for="ch" forName="imgShp" refType="w" fact="0.335"/>
+              <dgm:constr type="h" for="ch" forName="imgShp" refType="w" refFor="ch" refForName="imgShp" op="equ"/>
+              <dgm:constr type="h" for="ch" forName="imgShp" refType="h" op="lte"/>
+              <dgm:constr type="ctrY" for="ch" forName="imgShp" refType="h" fact="0.5"/>
+              <dgm:constr type="l" for="ch" forName="imgShp"/>
+              <dgm:constr type="w" for="ch" forName="txShp" refType="w" op="equ" fact="0.665"/>
+              <dgm:constr type="h" for="ch" forName="txShp" refType="h" refFor="ch" refForName="imgShp" op="equ"/>
+              <dgm:constr type="ctrY" for="ch" forName="txShp" refType="h" fact="0.5"/>
+              <dgm:constr type="l" for="ch" forName="txShp" refType="w" refFor="ch" refForName="imgShp" fact="0.5"/>
+              <dgm:constr type="lMarg" for="ch" forName="txShp" refType="w" refFor="ch" refForName="imgShp" fact="1.25"/>
+            </dgm:constrLst>
+          </dgm:if>
+          <dgm:else name="Name3">
+            <dgm:constrLst>
+              <dgm:constr type="w" for="ch" forName="imgShp" refType="w" fact="0.335"/>
+              <dgm:constr type="h" for="ch" forName="imgShp" refType="w" refFor="ch" refForName="imgShp" op="equ"/>
+              <dgm:constr type="h" for="ch" forName="imgShp" refType="h" op="lte"/>
+              <dgm:constr type="ctrY" for="ch" forName="imgShp" refType="h" fact="0.5"/>
+              <dgm:constr type="r" for="ch" forName="imgShp" refType="w"/>
+              <dgm:constr type="w" for="ch" forName="txShp" refType="w" op="equ" fact="0.665"/>
+              <dgm:constr type="h" for="ch" forName="txShp" refType="h" refFor="ch" refForName="imgShp" op="equ"/>
+              <dgm:constr type="ctrY" for="ch" forName="txShp" refType="h" fact="0.5"/>
+              <dgm:constr type="r" for="ch" forName="txShp" refType="ctrX" refFor="ch" refForName="imgShp"/>
+              <dgm:constr type="rMarg" for="ch" forName="txShp" refType="w" refFor="ch" refForName="imgShp" fact="1.25"/>
+            </dgm:constrLst>
+          </dgm:else>
+        </dgm:choose>
+        <dgm:ruleLst/>
+        <dgm:layoutNode name="imgShp" styleLbl="fgImgPlace1">
+          <dgm:alg type="sp"/>
+          <dgm:shape xmlns:r="http://schemas.openxmlformats.org/officeDocument/2006/relationships" type="ellipse" r:blip="" blipPhldr="1">
+            <dgm:adjLst/>
+          </dgm:shape>
+          <dgm:presOf/>
+          <dgm:constrLst/>
+          <dgm:ruleLst/>
+        </dgm:layoutNode>
+        <dgm:layoutNode name="txShp">
+          <dgm:varLst>
+            <dgm:bulletEnabled val="1"/>
+          </dgm:varLst>
+          <dgm:alg type="tx"/>
+          <dgm:choose name="Name4">
+            <dgm:if name="Name5" func="var" arg="dir" op="equ" val="norm">
+              <dgm:shape xmlns:r="http://schemas.openxmlformats.org/officeDocument/2006/relationships" rot="180" type="homePlate" r:blip="" zOrderOff="-1">
+                <dgm:adjLst/>
+              </dgm:shape>
+            </dgm:if>
+            <dgm:else name="Name6">
+              <dgm:shape xmlns:r="http://schemas.openxmlformats.org/officeDocument/2006/relationships" type="homePlate" r:blip="" zOrderOff="-1">
+                <dgm:adjLst/>
+              </dgm:shape>
+            </dgm:else>
+          </dgm:choose>
+          <dgm:presOf axis="desOrSelf" ptType="node"/>
+          <dgm:constrLst>
+            <dgm:constr type="tMarg" refType="primFontSz" fact="0.3"/>
+            <dgm:constr type="bMarg" refType="primFontSz" fact="0.3"/>
+          </dgm:constrLst>
+          <dgm:ruleLst>
+            <dgm:rule type="primFontSz" val="5" fact="NaN" max="NaN"/>
+          </dgm:ruleLst>
+        </dgm:layoutNode>
+      </dgm:layoutNode>
+      <dgm:forEach name="Name7" axis="followSib" ptType="sibTrans" cnt="1">
+        <dgm:layoutNode name="spacing">
+          <dgm:alg type="sp"/>
+          <dgm:shape xmlns:r="http://schemas.openxmlformats.org/officeDocument/2006/relationships" r:blip="">
+            <dgm:adjLst/>
+          </dgm:shape>
+          <dgm:presOf axis="self"/>
+          <dgm:constrLst/>
+          <dgm:ruleLst/>
+        </dgm:layoutNode>
+      </dgm:forEach>
+    </dgm:forEach>
+  </dgm:layoutNode>
+</dgm:layoutDef>
+</file>
+
+<file path=ppt/diagrams/quickStyle1.xml><?xml version="1.0" encoding="utf-8"?>
+<dgm:styleDef xmlns:dgm="http://schemas.openxmlformats.org/drawingml/2006/diagram" xmlns:a="http://schemas.openxmlformats.org/drawingml/2006/main" uniqueId="urn:microsoft.com/office/officeart/2005/8/quickstyle/simple1">
+  <dgm:title val=""/>
+  <dgm:desc val=""/>
+  <dgm:catLst>
+    <dgm:cat type="simple" pri="10100"/>
+  </dgm:catLst>
+  <dgm:scene3d>
+    <a:camera prst="orthographicFront"/>
+    <a:lightRig rig="threePt" dir="t"/>
+  </dgm:scene3d>
+  <dgm:styleLbl name="node0">
+    <dgm:scene3d>
+      <a:camera prst="orthographicFront"/>
+      <a:lightRig rig="threePt" dir="t"/>
+    </dgm:scene3d>
+    <dgm:sp3d/>
+    <dgm:txPr/>
+    <dgm:style>
+      <a:lnRef idx="2">
+        <a:scrgbClr r="0" g="0" b="0"/>
+      </a:lnRef>
+      <a:fillRef idx="1">
+        <a:scrgbClr r="0" g="0" b="0"/>
+      </a:fillRef>
+      <a:effectRef idx="0">
+        <a:scrgbClr r="0" g="0" b="0"/>
+      </a:effectRef>
+      <a:fontRef idx="minor">
+        <a:schemeClr val="lt1"/>
+      </a:fontRef>
+    </dgm:style>
+  </dgm:styleLbl>
+  <dgm:styleLbl name="lnNode1">
+    <dgm:scene3d>
+      <a:camera prst="orthographicFront"/>
+      <a:lightRig rig="threePt" dir="t"/>
+    </dgm:scene3d>
+    <dgm:sp3d/>
+    <dgm:txPr/>
+    <dgm:style>
+      <a:lnRef idx="2">
+        <a:scrgbClr r="0" g="0" b="0"/>
+      </a:lnRef>
+      <a:fillRef idx="1">
+        <a:scrgbClr r="0" g="0" b="0"/>
+      </a:fillRef>
+      <a:effectRef idx="0">
+        <a:scrgbClr r="0" g="0" b="0"/>
+      </a:effectRef>
+      <a:fontRef idx="minor">
+        <a:schemeClr val="lt1"/>
+      </a:fontRef>
+    </dgm:style>
+  </dgm:styleLbl>
+  <dgm:styleLbl name="vennNode1">
+    <dgm:scene3d>
+      <a:camera prst="orthographicFront"/>
+      <a:lightRig rig="threePt" dir="t"/>
+    </dgm:scene3d>
+    <dgm:sp3d/>
+    <dgm:txPr/>
+    <dgm:style>
+      <a:lnRef idx="2">
+        <a:scrgbClr r="0" g="0" b="0"/>
+      </a:lnRef>
+      <a:fillRef idx="1">
+        <a:scrgbClr r="0" g="0" b="0"/>
+      </a:fillRef>
+      <a:effectRef idx="0">
+        <a:scrgbClr r="0" g="0" b="0"/>
+      </a:effectRef>
+      <a:fontRef idx="minor">
+        <a:schemeClr val="tx1"/>
+      </a:fontRef>
+    </dgm:style>
+  </dgm:styleLbl>
+  <dgm:styleLbl name="alignNode1">
+    <dgm:scene3d>
+      <a:camera prst="orthographicFront"/>
+      <a:lightRig rig="threePt" dir="t"/>
+    </dgm:scene3d>
+    <dgm:sp3d/>
+    <dgm:txPr/>
+    <dgm:style>
+      <a:lnRef idx="2">
+        <a:scrgbClr r="0" g="0" b="0"/>
+      </a:lnRef>
+      <a:fillRef idx="1">
+        <a:scrgbClr r="0" g="0" b="0"/>
+      </a:fillRef>
+      <a:effectRef idx="0">
+        <a:scrgbClr r="0" g="0" b="0"/>
+      </a:effectRef>
+      <a:fontRef idx="minor">
+        <a:schemeClr val="lt1"/>
+      </a:fontRef>
+    </dgm:style>
+  </dgm:styleLbl>
+  <dgm:styleLbl name="node1">
+    <dgm:scene3d>
+      <a:camera prst="orthographicFront"/>
+      <a:lightRig rig="threePt" dir="t"/>
+    </dgm:scene3d>
+    <dgm:sp3d/>
+    <dgm:txPr/>
+    <dgm:style>
+      <a:lnRef idx="2">
+        <a:scrgbClr r="0" g="0" b="0"/>
+      </a:lnRef>
+      <a:fillRef idx="1">
+        <a:scrgbClr r="0" g="0" b="0"/>
+      </a:fillRef>
+      <a:effectRef idx="0">
+        <a:scrgbClr r="0" g="0" b="0"/>
+      </a:effectRef>
+      <a:fontRef idx="minor">
+        <a:schemeClr val="lt1"/>
+      </a:fontRef>
+    </dgm:style>
+  </dgm:styleLbl>
+  <dgm:styleLbl name="node2">
+    <dgm:scene3d>
+      <a:camera prst="orthographicFront"/>
+      <a:lightRig rig="threePt" dir="t"/>
+    </dgm:scene3d>
+    <dgm:sp3d/>
+    <dgm:txPr/>
+    <dgm:style>
+      <a:lnRef idx="2">
+        <a:scrgbClr r="0" g="0" b="0"/>
+      </a:lnRef>
+      <a:fillRef idx="1">
+        <a:scrgbClr r="0" g="0" b="0"/>
+      </a:fillRef>
+      <a:effectRef idx="0">
+        <a:scrgbClr r="0" g="0" b="0"/>
+      </a:effectRef>
+      <a:fontRef idx="minor">
+        <a:schemeClr val="lt1"/>
+      </a:fontRef>
+    </dgm:style>
+  </dgm:styleLbl>
+  <dgm:styleLbl name="node3">
+    <dgm:scene3d>
+      <a:camera prst="orthographicFront"/>
+      <a:lightRig rig="threePt" dir="t"/>
+    </dgm:scene3d>
+    <dgm:sp3d/>
+    <dgm:txPr/>
+    <dgm:style>
+      <a:lnRef idx="2">
+        <a:scrgbClr r="0" g="0" b="0"/>
+      </a:lnRef>
+      <a:fillRef idx="1">
+        <a:scrgbClr r="0" g="0" b="0"/>
+      </a:fillRef>
+      <a:effectRef idx="0">
+        <a:scrgbClr r="0" g="0" b="0"/>
+      </a:effectRef>
+      <a:fontRef idx="minor">
+        <a:schemeClr val="lt1"/>
+      </a:fontRef>
+    </dgm:style>
+  </dgm:styleLbl>
+  <dgm:styleLbl name="node4">
+    <dgm:scene3d>
+      <a:camera prst="orthographicFront"/>
+      <a:lightRig rig="threePt" dir="t"/>
+    </dgm:scene3d>
+    <dgm:sp3d/>
+    <dgm:txPr/>
+    <dgm:style>
+      <a:lnRef idx="2">
+        <a:scrgbClr r="0" g="0" b="0"/>
+      </a:lnRef>
+      <a:fillRef idx="1">
+        <a:scrgbClr r="0" g="0" b="0"/>
+      </a:fillRef>
+      <a:effectRef idx="0">
+        <a:scrgbClr r="0" g="0" b="0"/>
+      </a:effectRef>
+      <a:fontRef idx="minor">
+        <a:schemeClr val="lt1"/>
+      </a:fontRef>
+    </dgm:style>
+  </dgm:styleLbl>
+  <dgm:styleLbl name="fgImgPlace1">
+    <dgm:scene3d>
+      <a:camera prst="orthographicFront"/>
+      <a:lightRig rig="threePt" dir="t"/>
+    </dgm:scene3d>
+    <dgm:sp3d/>
+    <dgm:txPr/>
+    <dgm:style>
+      <a:lnRef idx="2">
+        <a:scrgbClr r="0" g="0" b="0"/>
+      </a:lnRef>
+      <a:fillRef idx="1">
+        <a:scrgbClr r="0" g="0" b="0"/>
+      </a:fillRef>
+      <a:effectRef idx="0">
+        <a:scrgbClr r="0" g="0" b="0"/>
+      </a:effectRef>
+      <a:fontRef idx="minor"/>
+    </dgm:style>
+  </dgm:styleLbl>
+  <dgm:styleLbl name="alignImgPlace1">
+    <dgm:scene3d>
+      <a:camera prst="orthographicFront"/>
+      <a:lightRig rig="threePt" dir="t"/>
+    </dgm:scene3d>
+    <dgm:sp3d/>
+    <dgm:txPr/>
+    <dgm:style>
+      <a:lnRef idx="2">
+        <a:scrgbClr r="0" g="0" b="0"/>
+      </a:lnRef>
+      <a:fillRef idx="1">
+        <a:scrgbClr r="0" g="0" b="0"/>
+      </a:fillRef>
+      <a:effectRef idx="0">
+        <a:scrgbClr r="0" g="0" b="0"/>
+      </a:effectRef>
+      <a:fontRef idx="minor"/>
+    </dgm:style>
+  </dgm:styleLbl>
+  <dgm:styleLbl name="bgImgPlace1">
+    <dgm:scene3d>
+      <a:camera prst="orthographicFront"/>
+      <a:lightRig rig="threePt" dir="t"/>
+    </dgm:scene3d>
+    <dgm:sp3d/>
+    <dgm:txPr/>
+    <dgm:style>
+      <a:lnRef idx="2">
+        <a:scrgbClr r="0" g="0" b="0"/>
+      </a:lnRef>
+      <a:fillRef idx="1">
+        <a:scrgbClr r="0" g="0" b="0"/>
+      </a:fillRef>
+      <a:effectRef idx="0">
+        <a:scrgbClr r="0" g="0" b="0"/>
+      </a:effectRef>
+      <a:fontRef idx="minor"/>
+    </dgm:style>
+  </dgm:styleLbl>
+  <dgm:styleLbl name="sibTrans2D1">
+    <dgm:scene3d>
+      <a:camera prst="orthographicFront"/>
+      <a:lightRig rig="threePt" dir="t"/>
+    </dgm:scene3d>
+    <dgm:sp3d/>
+    <dgm:txPr/>
+    <dgm:style>
+      <a:lnRef idx="0">
+        <a:scrgbClr r="0" g="0" b="0"/>
+      </a:lnRef>
+      <a:fillRef idx="1">
+        <a:scrgbClr r="0" g="0" b="0"/>
+      </a:fillRef>
+      <a:effectRef idx="0">
+        <a:scrgbClr r="0" g="0" b="0"/>
+      </a:effectRef>
+      <a:fontRef idx="minor">
+        <a:schemeClr val="lt1"/>
+      </a:fontRef>
+    </dgm:style>
+  </dgm:styleLbl>
+  <dgm:styleLbl name="fgSibTrans2D1">
+    <dgm:scene3d>
+      <a:camera prst="orthographicFront"/>
+      <a:lightRig rig="threePt" dir="t"/>
+    </dgm:scene3d>
+    <dgm:sp3d/>
+    <dgm:txPr/>
+    <dgm:style>
+      <a:lnRef idx="0">
+        <a:scrgbClr r="0" g="0" b="0"/>
+      </a:lnRef>
+      <a:fillRef idx="1">
+        <a:scrgbClr r="0" g="0" b="0"/>
+      </a:fillRef>
+      <a:effectRef idx="0">
+        <a:scrgbClr r="0" g="0" b="0"/>
+      </a:effectRef>
+      <a:fontRef idx="minor">
+        <a:schemeClr val="lt1"/>
+      </a:fontRef>
+    </dgm:style>
+  </dgm:styleLbl>
+  <dgm:styleLbl name="bgSibTrans2D1">
+    <dgm:scene3d>
+      <a:camera prst="orthographicFront"/>
+      <a:lightRig rig="threePt" dir="t"/>
+    </dgm:scene3d>
+    <dgm:sp3d/>
+    <dgm:txPr/>
+    <dgm:style>
+      <a:lnRef idx="0">
+        <a:scrgbClr r="0" g="0" b="0"/>
+      </a:lnRef>
+      <a:fillRef idx="1">
+        <a:scrgbClr r="0" g="0" b="0"/>
+      </a:fillRef>
+      <a:effectRef idx="0">
+        <a:scrgbClr r="0" g="0" b="0"/>
+      </a:effectRef>
+      <a:fontRef idx="minor">
+        <a:schemeClr val="lt1"/>
+      </a:fontRef>
+    </dgm:style>
+  </dgm:styleLbl>
+  <dgm:styleLbl name="sibTrans1D1">
+    <dgm:scene3d>
+      <a:camera prst="orthographicFront"/>
+      <a:lightRig rig="threePt" dir="t"/>
+    </dgm:scene3d>
+    <dgm:sp3d/>
+    <dgm:txPr/>
+    <dgm:style>
+      <a:lnRef idx="1">
+        <a:scrgbClr r="0" g="0" b="0"/>
+      </a:lnRef>
+      <a:fillRef idx="0">
+        <a:scrgbClr r="0" g="0" b="0"/>
+      </a:fillRef>
+      <a:effectRef idx="0">
+        <a:scrgbClr r="0" g="0" b="0"/>
+      </a:effectRef>
+      <a:fontRef idx="minor"/>
+    </dgm:style>
+  </dgm:styleLbl>
+  <dgm:styleLbl name="callout">
+    <dgm:scene3d>
+      <a:camera prst="orthographicFront"/>
+      <a:lightRig rig="threePt" dir="t"/>
+    </dgm:scene3d>
+    <dgm:sp3d/>
+    <dgm:txPr/>
+    <dgm:style>
+      <a:lnRef idx="2">
+        <a:scrgbClr r="0" g="0" b="0"/>
+      </a:lnRef>
+      <a:fillRef idx="1">
+        <a:scrgbClr r="0" g="0" b="0"/>
+      </a:fillRef>
+      <a:effectRef idx="0">
+        <a:scrgbClr r="0" g="0" b="0"/>
+      </a:effectRef>
+      <a:fontRef idx="minor"/>
+    </dgm:style>
+  </dgm:styleLbl>
+  <dgm:styleLbl name="asst0">
+    <dgm:scene3d>
+      <a:camera prst="orthographicFront"/>
+      <a:lightRig rig="threePt" dir="t"/>
+    </dgm:scene3d>
+    <dgm:sp3d/>
+    <dgm:txPr/>
+    <dgm:style>
+      <a:lnRef idx="2">
+        <a:scrgbClr r="0" g="0" b="0"/>
+      </a:lnRef>
+      <a:fillRef idx="1">
+        <a:scrgbClr r="0" g="0" b="0"/>
+      </a:fillRef>
+      <a:effectRef idx="0">
+        <a:scrgbClr r="0" g="0" b="0"/>
+      </a:effectRef>
+      <a:fontRef idx="minor">
+        <a:schemeClr val="lt1"/>
+      </a:fontRef>
+    </dgm:style>
+  </dgm:styleLbl>
+  <dgm:styleLbl name="asst1">
+    <dgm:scene3d>
+      <a:camera prst="orthographicFront"/>
+      <a:lightRig rig="threePt" dir="t"/>
+    </dgm:scene3d>
+    <dgm:sp3d/>
+    <dgm:txPr/>
+    <dgm:style>
+      <a:lnRef idx="2">
+        <a:scrgbClr r="0" g="0" b="0"/>
+      </a:lnRef>
+      <a:fillRef idx="1">
+        <a:scrgbClr r="0" g="0" b="0"/>
+      </a:fillRef>
+      <a:effectRef idx="0">
+        <a:scrgbClr r="0" g="0" b="0"/>
+      </a:effectRef>
+      <a:fontRef idx="minor">
+        <a:schemeClr val="lt1"/>
+      </a:fontRef>
+    </dgm:style>
+  </dgm:styleLbl>
+  <dgm:styleLbl name="asst2">
+    <dgm:scene3d>
+      <a:camera prst="orthographicFront"/>
+      <a:lightRig rig="threePt" dir="t"/>
+    </dgm:scene3d>
+    <dgm:sp3d/>
+    <dgm:txPr/>
+    <dgm:style>
+      <a:lnRef idx="2">
+        <a:scrgbClr r="0" g="0" b="0"/>
+      </a:lnRef>
+      <a:fillRef idx="1">
+        <a:scrgbClr r="0" g="0" b="0"/>
+      </a:fillRef>
+      <a:effectRef idx="0">
+        <a:scrgbClr r="0" g="0" b="0"/>
+      </a:effectRef>
+      <a:fontRef idx="minor">
+        <a:schemeClr val="lt1"/>
+      </a:fontRef>
+    </dgm:style>
+  </dgm:styleLbl>
+  <dgm:styleLbl name="asst3">
+    <dgm:scene3d>
+      <a:camera prst="orthographicFront"/>
+      <a:lightRig rig="threePt" dir="t"/>
+    </dgm:scene3d>
+    <dgm:sp3d/>
+    <dgm:txPr/>
+    <dgm:style>
+      <a:lnRef idx="2">
+        <a:scrgbClr r="0" g="0" b="0"/>
+      </a:lnRef>
+      <a:fillRef idx="1">
+        <a:scrgbClr r="0" g="0" b="0"/>
+      </a:fillRef>
+      <a:effectRef idx="0">
+        <a:scrgbClr r="0" g="0" b="0"/>
+      </a:effectRef>
+      <a:fontRef idx="minor">
+        <a:schemeClr val="lt1"/>
+      </a:fontRef>
+    </dgm:style>
+  </dgm:styleLbl>
+  <dgm:styleLbl name="asst4">
+    <dgm:scene3d>
+      <a:camera prst="orthographicFront"/>
+      <a:lightRig rig="threePt" dir="t"/>
+    </dgm:scene3d>
+    <dgm:sp3d/>
+    <dgm:txPr/>
+    <dgm:style>
+      <a:lnRef idx="2">
+        <a:scrgbClr r="0" g="0" b="0"/>
+      </a:lnRef>
+      <a:fillRef idx="1">
+        <a:scrgbClr r="0" g="0" b="0"/>
+      </a:fillRef>
+      <a:effectRef idx="0">
+        <a:scrgbClr r="0" g="0" b="0"/>
+      </a:effectRef>
+      <a:fontRef idx="minor">
+        <a:schemeClr val="lt1"/>
+      </a:fontRef>
+    </dgm:style>
+  </dgm:styleLbl>
+  <dgm:styleLbl name="parChTrans2D1">
+    <dgm:scene3d>
+      <a:camera prst="orthographicFront"/>
+      <a:lightRig rig="threePt" dir="t"/>
+    </dgm:scene3d>
+    <dgm:sp3d/>
+    <dgm:txPr/>
+    <dgm:style>
+      <a:lnRef idx="2">
+        <a:scrgbClr r="0" g="0" b="0"/>
+      </a:lnRef>
+      <a:fillRef idx="1">
+        <a:scrgbClr r="0" g="0" b="0"/>
+      </a:fillRef>
+      <a:effectRef idx="0">
+        <a:scrgbClr r="0" g="0" b="0"/>
+      </a:effectRef>
+      <a:fontRef idx="minor">
+        <a:schemeClr val="lt1"/>
+      </a:fontRef>
+    </dgm:style>
+  </dgm:styleLbl>
+  <dgm:styleLbl name="parChTrans2D2">
+    <dgm:scene3d>
+      <a:camera prst="orthographicFront"/>
+      <a:lightRig rig="threePt" dir="t"/>
+    </dgm:scene3d>
+    <dgm:sp3d/>
+    <dgm:txPr/>
+    <dgm:style>
+      <a:lnRef idx="2">
+        <a:scrgbClr r="0" g="0" b="0"/>
+      </a:lnRef>
+      <a:fillRef idx="1">
+        <a:scrgbClr r="0" g="0" b="0"/>
+      </a:fillRef>
+      <a:effectRef idx="0">
+        <a:scrgbClr r="0" g="0" b="0"/>
+      </a:effectRef>
+      <a:fontRef idx="minor">
+        <a:schemeClr val="lt1"/>
+      </a:fontRef>
+    </dgm:style>
+  </dgm:styleLbl>
+  <dgm:styleLbl name="parChTrans2D3">
+    <dgm:scene3d>
+      <a:camera prst="orthographicFront"/>
+      <a:lightRig rig="threePt" dir="t"/>
+    </dgm:scene3d>
+    <dgm:sp3d/>
+    <dgm:txPr/>
+    <dgm:style>
+      <a:lnRef idx="2">
+        <a:scrgbClr r="0" g="0" b="0"/>
+      </a:lnRef>
+      <a:fillRef idx="1">
+        <a:scrgbClr r="0" g="0" b="0"/>
+      </a:fillRef>
+      <a:effectRef idx="0">
+        <a:scrgbClr r="0" g="0" b="0"/>
+      </a:effectRef>
+      <a:fontRef idx="minor">
+        <a:schemeClr val="lt1"/>
+      </a:fontRef>
+    </dgm:style>
+  </dgm:styleLbl>
+  <dgm:styleLbl name="parChTrans2D4">
+    <dgm:scene3d>
+      <a:camera prst="orthographicFront"/>
+      <a:lightRig rig="threePt" dir="t"/>
+    </dgm:scene3d>
+    <dgm:sp3d/>
+    <dgm:txPr/>
+    <dgm:style>
+      <a:lnRef idx="2">
+        <a:scrgbClr r="0" g="0" b="0"/>
+      </a:lnRef>
+      <a:fillRef idx="1">
+        <a:scrgbClr r="0" g="0" b="0"/>
+      </a:fillRef>
+      <a:effectRef idx="0">
+        <a:scrgbClr r="0" g="0" b="0"/>
+      </a:effectRef>
+      <a:fontRef idx="minor">
+        <a:schemeClr val="lt1"/>
+      </a:fontRef>
+    </dgm:style>
+  </dgm:styleLbl>
+  <dgm:styleLbl name="parChTrans1D1">
+    <dgm:scene3d>
+      <a:camera prst="orthographicFront"/>
+      <a:lightRig rig="threePt" dir="t"/>
+    </dgm:scene3d>
+    <dgm:sp3d/>
+    <dgm:txPr/>
+    <dgm:style>
+      <a:lnRef idx="2">
+        <a:scrgbClr r="0" g="0" b="0"/>
+      </a:lnRef>
+      <a:fillRef idx="0">
+        <a:scrgbClr r="0" g="0" b="0"/>
+      </a:fillRef>
+      <a:effectRef idx="0">
+        <a:scrgbClr r="0" g="0" b="0"/>
+      </a:effectRef>
+      <a:fontRef idx="minor"/>
+    </dgm:style>
+  </dgm:styleLbl>
+  <dgm:styleLbl name="parChTrans1D2">
+    <dgm:scene3d>
+      <a:camera prst="orthographicFront"/>
+      <a:lightRig rig="threePt" dir="t"/>
+    </dgm:scene3d>
+    <dgm:sp3d/>
+    <dgm:txPr/>
+    <dgm:style>
+      <a:lnRef idx="2">
+        <a:scrgbClr r="0" g="0" b="0"/>
+      </a:lnRef>
+      <a:fillRef idx="0">
+        <a:scrgbClr r="0" g="0" b="0"/>
+      </a:fillRef>
+      <a:effectRef idx="0">
+        <a:scrgbClr r="0" g="0" b="0"/>
+      </a:effectRef>
+      <a:fontRef idx="minor"/>
+    </dgm:style>
+  </dgm:styleLbl>
+  <dgm:styleLbl name="parChTrans1D3">
+    <dgm:scene3d>
+      <a:camera prst="orthographicFront"/>
+      <a:lightRig rig="threePt" dir="t"/>
+    </dgm:scene3d>
+    <dgm:sp3d/>
+    <dgm:txPr/>
+    <dgm:style>
+      <a:lnRef idx="2">
+        <a:scrgbClr r="0" g="0" b="0"/>
+      </a:lnRef>
+      <a:fillRef idx="0">
+        <a:scrgbClr r="0" g="0" b="0"/>
+      </a:fillRef>
+      <a:effectRef idx="0">
+        <a:scrgbClr r="0" g="0" b="0"/>
+      </a:effectRef>
+      <a:fontRef idx="minor"/>
+    </dgm:style>
+  </dgm:styleLbl>
+  <dgm:styleLbl name="parChTrans1D4">
+    <dgm:scene3d>
+      <a:camera prst="orthographicFront"/>
+      <a:lightRig rig="threePt" dir="t"/>
+    </dgm:scene3d>
+    <dgm:sp3d/>
+    <dgm:txPr/>
+    <dgm:style>
+      <a:lnRef idx="2">
+        <a:scrgbClr r="0" g="0" b="0"/>
+      </a:lnRef>
+      <a:fillRef idx="0">
+        <a:scrgbClr r="0" g="0" b="0"/>
+      </a:fillRef>
+      <a:effectRef idx="0">
+        <a:scrgbClr r="0" g="0" b="0"/>
+      </a:effectRef>
+      <a:fontRef idx="minor"/>
+    </dgm:style>
+  </dgm:styleLbl>
+  <dgm:styleLbl name="fgAcc1">
+    <dgm:scene3d>
+      <a:camera prst="orthographicFront"/>
+      <a:lightRig rig="threePt" dir="t"/>
+    </dgm:scene3d>
+    <dgm:sp3d/>
+    <dgm:txPr/>
+    <dgm:style>
+      <a:lnRef idx="2">
+        <a:scrgbClr r="0" g="0" b="0"/>
+      </a:lnRef>
+      <a:fillRef idx="1">
+        <a:scrgbClr r="0" g="0" b="0"/>
+      </a:fillRef>
+      <a:effectRef idx="0">
+        <a:scrgbClr r="0" g="0" b="0"/>
+      </a:effectRef>
+      <a:fontRef idx="minor"/>
+    </dgm:style>
+  </dgm:styleLbl>
+  <dgm:styleLbl name="conFgAcc1">
+    <dgm:scene3d>
+      <a:camera prst="orthographicFront"/>
+      <a:lightRig rig="threePt" dir="t"/>
+    </dgm:scene3d>
+    <dgm:sp3d/>
+    <dgm:txPr/>
+    <dgm:style>
+      <a:lnRef idx="2">
+        <a:scrgbClr r="0" g="0" b="0"/>
+      </a:lnRef>
+      <a:fillRef idx="1">
+        <a:scrgbClr r="0" g="0" b="0"/>
+      </a:fillRef>
+      <a:effectRef idx="0">
+        <a:scrgbClr r="0" g="0" b="0"/>
+      </a:effectRef>
+      <a:fontRef idx="minor"/>
+    </dgm:style>
+  </dgm:styleLbl>
+  <dgm:styleLbl name="alignAcc1">
+    <dgm:scene3d>
+      <a:camera prst="orthographicFront"/>
+      <a:lightRig rig="threePt" dir="t"/>
+    </dgm:scene3d>
+    <dgm:sp3d/>
+    <dgm:txPr/>
+    <dgm:style>
+      <a:lnRef idx="2">
+        <a:scrgbClr r="0" g="0" b="0"/>
+      </a:lnRef>
+      <a:fillRef idx="1">
+        <a:scrgbClr r="0" g="0" b="0"/>
+      </a:fillRef>
+      <a:effectRef idx="0">
+        <a:scrgbClr r="0" g="0" b="0"/>
+      </a:effectRef>
+      <a:fontRef idx="minor"/>
+    </dgm:style>
+  </dgm:styleLbl>
+  <dgm:styleLbl name="trAlignAcc1">
+    <dgm:scene3d>
+      <a:camera prst="orthographicFront"/>
+      <a:lightRig rig="threePt" dir="t"/>
+    </dgm:scene3d>
+    <dgm:sp3d/>
+    <dgm:txPr/>
+    <dgm:style>
+      <a:lnRef idx="1">
+        <a:scrgbClr r="0" g="0" b="0"/>
+      </a:lnRef>
+      <a:fillRef idx="1">
+        <a:scrgbClr r="0" g="0" b="0"/>
+      </a:fillRef>
+      <a:effectRef idx="0">
+        <a:scrgbClr r="0" g="0" b="0"/>
+      </a:effectRef>
+      <a:fontRef idx="minor"/>
+    </dgm:style>
+  </dgm:styleLbl>
+  <dgm:styleLbl name="bgAcc1">
+    <dgm:scene3d>
+      <a:camera prst="orthographicFront"/>
+      <a:lightRig rig="threePt" dir="t"/>
+    </dgm:scene3d>
+    <dgm:sp3d/>
+    <dgm:txPr/>
+    <dgm:style>
+      <a:lnRef idx="2">
+        <a:scrgbClr r="0" g="0" b="0"/>
+      </a:lnRef>
+      <a:fillRef idx="1">
+        <a:scrgbClr r="0" g="0" b="0"/>
+      </a:fillRef>
+      <a:effectRef idx="0">
+        <a:scrgbClr r="0" g="0" b="0"/>
+      </a:effectRef>
+      <a:fontRef idx="minor"/>
+    </dgm:style>
+  </dgm:styleLbl>
+  <dgm:styleLbl name="solidFgAcc1">
+    <dgm:scene3d>
+      <a:camera prst="orthographicFront"/>
+      <a:lightRig rig="threePt" dir="t"/>
+    </dgm:scene3d>
+    <dgm:sp3d/>
+    <dgm:txPr/>
+    <dgm:style>
+      <a:lnRef idx="2">
+        <a:scrgbClr r="0" g="0" b="0"/>
+      </a:lnRef>
+      <a:fillRef idx="1">
+        <a:scrgbClr r="0" g="0" b="0"/>
+      </a:fillRef>
+      <a:effectRef idx="0">
+        <a:scrgbClr r="0" g="0" b="0"/>
+      </a:effectRef>
+      <a:fontRef idx="minor"/>
+    </dgm:style>
+  </dgm:styleLbl>
+  <dgm:styleLbl name="solidAlignAcc1">
+    <dgm:scene3d>
+      <a:camera prst="orthographicFront"/>
+      <a:lightRig rig="threePt" dir="t"/>
+    </dgm:scene3d>
+    <dgm:sp3d/>
+    <dgm:txPr/>
+    <dgm:style>
+      <a:lnRef idx="2">
+        <a:scrgbClr r="0" g="0" b="0"/>
+      </a:lnRef>
+      <a:fillRef idx="1">
+        <a:scrgbClr r="0" g="0" b="0"/>
+      </a:fillRef>
+      <a:effectRef idx="0">
+        <a:scrgbClr r="0" g="0" b="0"/>
+      </a:effectRef>
+      <a:fontRef idx="minor"/>
+    </dgm:style>
+  </dgm:styleLbl>
+  <dgm:styleLbl name="solidBgAcc1">
+    <dgm:scene3d>
+      <a:camera prst="orthographicFront"/>
+      <a:lightRig rig="threePt" dir="t"/>
+    </dgm:scene3d>
+    <dgm:sp3d/>
+    <dgm:txPr/>
+    <dgm:style>
+      <a:lnRef idx="2">
+        <a:scrgbClr r="0" g="0" b="0"/>
+      </a:lnRef>
+      <a:fillRef idx="1">
+        <a:scrgbClr r="0" g="0" b="0"/>
+      </a:fillRef>
+      <a:effectRef idx="0">
+        <a:scrgbClr r="0" g="0" b="0"/>
+      </a:effectRef>
+      <a:fontRef idx="minor"/>
+    </dgm:style>
+  </dgm:styleLbl>
+  <dgm:styleLbl name="fgAccFollowNode1">
+    <dgm:scene3d>
+      <a:camera prst="orthographicFront"/>
+      <a:lightRig rig="threePt" dir="t"/>
+    </dgm:scene3d>
+    <dgm:sp3d/>
+    <dgm:txPr/>
+    <dgm:style>
+      <a:lnRef idx="2">
+        <a:scrgbClr r="0" g="0" b="0"/>
+      </a:lnRef>
+      <a:fillRef idx="1">
+        <a:scrgbClr r="0" g="0" b="0"/>
+      </a:fillRef>
+      <a:effectRef idx="0">
+        <a:scrgbClr r="0" g="0" b="0"/>
+      </a:effectRef>
+      <a:fontRef idx="minor"/>
+    </dgm:style>
+  </dgm:styleLbl>
+  <dgm:styleLbl name="alignAccFollowNode1">
+    <dgm:scene3d>
+      <a:camera prst="orthographicFront"/>
+      <a:lightRig rig="threePt" dir="t"/>
+    </dgm:scene3d>
+    <dgm:sp3d/>
+    <dgm:txPr/>
+    <dgm:style>
+      <a:lnRef idx="2">
+        <a:scrgbClr r="0" g="0" b="0"/>
+      </a:lnRef>
+      <a:fillRef idx="1">
+        <a:scrgbClr r="0" g="0" b="0"/>
+      </a:fillRef>
+      <a:effectRef idx="0">
+        <a:scrgbClr r="0" g="0" b="0"/>
+      </a:effectRef>
+      <a:fontRef idx="minor"/>
+    </dgm:style>
+  </dgm:styleLbl>
+  <dgm:styleLbl name="bgAccFollowNode1">
+    <dgm:scene3d>
+      <a:camera prst="orthographicFront"/>
+      <a:lightRig rig="threePt" dir="t"/>
+    </dgm:scene3d>
+    <dgm:sp3d/>
+    <dgm:txPr/>
+    <dgm:style>
+      <a:lnRef idx="2">
+        <a:scrgbClr r="0" g="0" b="0"/>
+      </a:lnRef>
+      <a:fillRef idx="1">
+        <a:scrgbClr r="0" g="0" b="0"/>
+      </a:fillRef>
+      <a:effectRef idx="0">
+        <a:scrgbClr r="0" g="0" b="0"/>
+      </a:effectRef>
+      <a:fontRef idx="minor"/>
+    </dgm:style>
+  </dgm:styleLbl>
+  <dgm:styleLbl name="fgAcc0">
+    <dgm:scene3d>
+      <a:camera prst="orthographicFront"/>
+      <a:lightRig rig="threePt" dir="t"/>
+    </dgm:scene3d>
+    <dgm:sp3d/>
+    <dgm:txPr/>
+    <dgm:style>
+      <a:lnRef idx="2">
+        <a:scrgbClr r="0" g="0" b="0"/>
+      </a:lnRef>
+      <a:fillRef idx="1">
+        <a:scrgbClr r="0" g="0" b="0"/>
+      </a:fillRef>
+      <a:effectRef idx="0">
+        <a:scrgbClr r="0" g="0" b="0"/>
+      </a:effectRef>
+      <a:fontRef idx="minor"/>
+    </dgm:style>
+  </dgm:styleLbl>
+  <dgm:styleLbl name="fgAcc2">
+    <dgm:scene3d>
+      <a:camera prst="orthographicFront"/>
+      <a:lightRig rig="threePt" dir="t"/>
+    </dgm:scene3d>
+    <dgm:sp3d/>
+    <dgm:txPr/>
+    <dgm:style>
+      <a:lnRef idx="2">
+        <a:scrgbClr r="0" g="0" b="0"/>
+      </a:lnRef>
+      <a:fillRef idx="1">
+        <a:scrgbClr r="0" g="0" b="0"/>
+      </a:fillRef>
+      <a:effectRef idx="0">
+        <a:scrgbClr r="0" g="0" b="0"/>
+      </a:effectRef>
+      <a:fontRef idx="minor"/>
+    </dgm:style>
+  </dgm:styleLbl>
+  <dgm:styleLbl name="fgAcc3">
+    <dgm:scene3d>
+      <a:camera prst="orthographicFront"/>
+      <a:lightRig rig="threePt" dir="t"/>
+    </dgm:scene3d>
+    <dgm:sp3d/>
+    <dgm:txPr/>
+    <dgm:style>
+      <a:lnRef idx="2">
+        <a:scrgbClr r="0" g="0" b="0"/>
+      </a:lnRef>
+      <a:fillRef idx="1">
+        <a:scrgbClr r="0" g="0" b="0"/>
+      </a:fillRef>
+      <a:effectRef idx="0">
+        <a:scrgbClr r="0" g="0" b="0"/>
+      </a:effectRef>
+      <a:fontRef idx="minor"/>
+    </dgm:style>
+  </dgm:styleLbl>
+  <dgm:styleLbl name="fgAcc4">
+    <dgm:scene3d>
+      <a:camera prst="orthographicFront"/>
+      <a:lightRig rig="threePt" dir="t"/>
+    </dgm:scene3d>
+    <dgm:sp3d/>
+    <dgm:txPr/>
+    <dgm:style>
+      <a:lnRef idx="2">
+        <a:scrgbClr r="0" g="0" b="0"/>
+      </a:lnRef>
+      <a:fillRef idx="1">
+        <a:scrgbClr r="0" g="0" b="0"/>
+      </a:fillRef>
+      <a:effectRef idx="0">
+        <a:scrgbClr r="0" g="0" b="0"/>
+      </a:effectRef>
+      <a:fontRef idx="minor"/>
+    </dgm:style>
+  </dgm:styleLbl>
+  <dgm:styleLbl name="bgShp">
+    <dgm:scene3d>
+      <a:camera prst="orthographicFront"/>
+      <a:lightRig rig="threePt" dir="t"/>
+    </dgm:scene3d>
+    <dgm:sp3d/>
+    <dgm:txPr/>
+    <dgm:style>
+      <a:lnRef idx="0">
+        <a:scrgbClr r="0" g="0" b="0"/>
+      </a:lnRef>
+      <a:fillRef idx="1">
+        <a:scrgbClr r="0" g="0" b="0"/>
+      </a:fillRef>
+      <a:effectRef idx="0">
+        <a:scrgbClr r="0" g="0" b="0"/>
+      </a:effectRef>
+      <a:fontRef idx="minor"/>
+    </dgm:style>
+  </dgm:styleLbl>
+  <dgm:styleLbl name="dkBgShp">
+    <dgm:scene3d>
+      <a:camera prst="orthographicFront"/>
+      <a:lightRig rig="threePt" dir="t"/>
+    </dgm:scene3d>
+    <dgm:sp3d/>
+    <dgm:txPr/>
+    <dgm:style>
+      <a:lnRef idx="0">
+        <a:scrgbClr r="0" g="0" b="0"/>
+      </a:lnRef>
+      <a:fillRef idx="1">
+        <a:scrgbClr r="0" g="0" b="0"/>
+      </a:fillRef>
+      <a:effectRef idx="0">
+        <a:scrgbClr r="0" g="0" b="0"/>
+      </a:effectRef>
+      <a:fontRef idx="minor"/>
+    </dgm:style>
+  </dgm:styleLbl>
+  <dgm:styleLbl name="trBgShp">
+    <dgm:scene3d>
+      <a:camera prst="orthographicFront"/>
+      <a:lightRig rig="threePt" dir="t"/>
+    </dgm:scene3d>
+    <dgm:sp3d/>
+    <dgm:txPr/>
+    <dgm:style>
+      <a:lnRef idx="0">
+        <a:scrgbClr r="0" g="0" b="0"/>
+      </a:lnRef>
+      <a:fillRef idx="1">
+        <a:scrgbClr r="0" g="0" b="0"/>
+      </a:fillRef>
+      <a:effectRef idx="0">
+        <a:scrgbClr r="0" g="0" b="0"/>
+      </a:effectRef>
+      <a:fontRef idx="minor"/>
+    </dgm:style>
+  </dgm:styleLbl>
+  <dgm:styleLbl name="fgShp">
+    <dgm:scene3d>
+      <a:camera prst="orthographicFront"/>
+      <a:lightRig rig="threePt" dir="t"/>
+    </dgm:scene3d>
+    <dgm:sp3d/>
+    <dgm:txPr/>
+    <dgm:style>
+      <a:lnRef idx="2">
+        <a:scrgbClr r="0" g="0" b="0"/>
+      </a:lnRef>
+      <a:fillRef idx="1">
+        <a:scrgbClr r="0" g="0" b="0"/>
+      </a:fillRef>
+      <a:effectRef idx="0">
+        <a:scrgbClr r="0" g="0" b="0"/>
+      </a:effectRef>
+      <a:fontRef idx="minor"/>
+    </dgm:style>
+  </dgm:styleLbl>
+  <dgm:styleLbl name="revTx">
+    <dgm:scene3d>
+      <a:camera prst="orthographicFront"/>
+      <a:lightRig rig="threePt" dir="t"/>
+    </dgm:scene3d>
+    <dgm:sp3d/>
+    <dgm:txPr/>
+    <dgm:style>
+      <a:lnRef idx="0">
+        <a:scrgbClr r="0" g="0" b="0"/>
+      </a:lnRef>
+      <a:fillRef idx="0">
+        <a:scrgbClr r="0" g="0" b="0"/>
+      </a:fillRef>
+      <a:effectRef idx="0">
+        <a:scrgbClr r="0" g="0" b="0"/>
+      </a:effectRef>
+      <a:fontRef idx="minor"/>
+    </dgm:style>
+  </dgm:styleLbl>
+</dgm:styleDef>
+</file>
+
+<file path=ppt/diagrams/quickStyle2.xml><?xml version="1.0" encoding="utf-8"?>
+<dgm:styleDef xmlns:dgm="http://schemas.openxmlformats.org/drawingml/2006/diagram" xmlns:a="http://schemas.openxmlformats.org/drawingml/2006/main" uniqueId="urn:microsoft.com/office/officeart/2005/8/quickstyle/simple1">
+  <dgm:title val=""/>
+  <dgm:desc val=""/>
+  <dgm:catLst>
+    <dgm:cat type="simple" pri="10100"/>
+  </dgm:catLst>
+  <dgm:scene3d>
+    <a:camera prst="orthographicFront"/>
+    <a:lightRig rig="threePt" dir="t"/>
+  </dgm:scene3d>
+  <dgm:styleLbl name="node0">
+    <dgm:scene3d>
+      <a:camera prst="orthographicFront"/>
+      <a:lightRig rig="threePt" dir="t"/>
+    </dgm:scene3d>
+    <dgm:sp3d/>
+    <dgm:txPr/>
+    <dgm:style>
+      <a:lnRef idx="2">
+        <a:scrgbClr r="0" g="0" b="0"/>
+      </a:lnRef>
+      <a:fillRef idx="1">
+        <a:scrgbClr r="0" g="0" b="0"/>
+      </a:fillRef>
+      <a:effectRef idx="0">
+        <a:scrgbClr r="0" g="0" b="0"/>
+      </a:effectRef>
+      <a:fontRef idx="minor">
+        <a:schemeClr val="lt1"/>
+      </a:fontRef>
+    </dgm:style>
+  </dgm:styleLbl>
+  <dgm:styleLbl name="lnNode1">
+    <dgm:scene3d>
+      <a:camera prst="orthographicFront"/>
+      <a:lightRig rig="threePt" dir="t"/>
+    </dgm:scene3d>
+    <dgm:sp3d/>
+    <dgm:txPr/>
+    <dgm:style>
+      <a:lnRef idx="2">
+        <a:scrgbClr r="0" g="0" b="0"/>
+      </a:lnRef>
+      <a:fillRef idx="1">
+        <a:scrgbClr r="0" g="0" b="0"/>
+      </a:fillRef>
+      <a:effectRef idx="0">
+        <a:scrgbClr r="0" g="0" b="0"/>
+      </a:effectRef>
+      <a:fontRef idx="minor">
+        <a:schemeClr val="lt1"/>
+      </a:fontRef>
+    </dgm:style>
+  </dgm:styleLbl>
+  <dgm:styleLbl name="vennNode1">
+    <dgm:scene3d>
+      <a:camera prst="orthographicFront"/>
+      <a:lightRig rig="threePt" dir="t"/>
+    </dgm:scene3d>
+    <dgm:sp3d/>
+    <dgm:txPr/>
+    <dgm:style>
+      <a:lnRef idx="2">
+        <a:scrgbClr r="0" g="0" b="0"/>
+      </a:lnRef>
+      <a:fillRef idx="1">
+        <a:scrgbClr r="0" g="0" b="0"/>
+      </a:fillRef>
+      <a:effectRef idx="0">
+        <a:scrgbClr r="0" g="0" b="0"/>
+      </a:effectRef>
+      <a:fontRef idx="minor">
+        <a:schemeClr val="tx1"/>
+      </a:fontRef>
+    </dgm:style>
+  </dgm:styleLbl>
+  <dgm:styleLbl name="alignNode1">
+    <dgm:scene3d>
+      <a:camera prst="orthographicFront"/>
+      <a:lightRig rig="threePt" dir="t"/>
+    </dgm:scene3d>
+    <dgm:sp3d/>
+    <dgm:txPr/>
+    <dgm:style>
+      <a:lnRef idx="2">
+        <a:scrgbClr r="0" g="0" b="0"/>
+      </a:lnRef>
+      <a:fillRef idx="1">
+        <a:scrgbClr r="0" g="0" b="0"/>
+      </a:fillRef>
+      <a:effectRef idx="0">
+        <a:scrgbClr r="0" g="0" b="0"/>
+      </a:effectRef>
+      <a:fontRef idx="minor">
+        <a:schemeClr val="lt1"/>
+      </a:fontRef>
+    </dgm:style>
+  </dgm:styleLbl>
+  <dgm:styleLbl name="node1">
+    <dgm:scene3d>
+      <a:camera prst="orthographicFront"/>
+      <a:lightRig rig="threePt" dir="t"/>
+    </dgm:scene3d>
+    <dgm:sp3d/>
+    <dgm:txPr/>
+    <dgm:style>
+      <a:lnRef idx="2">
+        <a:scrgbClr r="0" g="0" b="0"/>
+      </a:lnRef>
+      <a:fillRef idx="1">
+        <a:scrgbClr r="0" g="0" b="0"/>
+      </a:fillRef>
+      <a:effectRef idx="0">
+        <a:scrgbClr r="0" g="0" b="0"/>
+      </a:effectRef>
+      <a:fontRef idx="minor">
+        <a:schemeClr val="lt1"/>
+      </a:fontRef>
+    </dgm:style>
+  </dgm:styleLbl>
+  <dgm:styleLbl name="node2">
+    <dgm:scene3d>
+      <a:camera prst="orthographicFront"/>
+      <a:lightRig rig="threePt" dir="t"/>
+    </dgm:scene3d>
+    <dgm:sp3d/>
+    <dgm:txPr/>
+    <dgm:style>
+      <a:lnRef idx="2">
+        <a:scrgbClr r="0" g="0" b="0"/>
+      </a:lnRef>
+      <a:fillRef idx="1">
+        <a:scrgbClr r="0" g="0" b="0"/>
+      </a:fillRef>
+      <a:effectRef idx="0">
+        <a:scrgbClr r="0" g="0" b="0"/>
+      </a:effectRef>
+      <a:fontRef idx="minor">
+        <a:schemeClr val="lt1"/>
+      </a:fontRef>
+    </dgm:style>
+  </dgm:styleLbl>
+  <dgm:styleLbl name="node3">
+    <dgm:scene3d>
+      <a:camera prst="orthographicFront"/>
+      <a:lightRig rig="threePt" dir="t"/>
+    </dgm:scene3d>
+    <dgm:sp3d/>
+    <dgm:txPr/>
+    <dgm:style>
+      <a:lnRef idx="2">
+        <a:scrgbClr r="0" g="0" b="0"/>
+      </a:lnRef>
+      <a:fillRef idx="1">
+        <a:scrgbClr r="0" g="0" b="0"/>
+      </a:fillRef>
+      <a:effectRef idx="0">
+        <a:scrgbClr r="0" g="0" b="0"/>
+      </a:effectRef>
+      <a:fontRef idx="minor">
+        <a:schemeClr val="lt1"/>
+      </a:fontRef>
+    </dgm:style>
+  </dgm:styleLbl>
+  <dgm:styleLbl name="node4">
+    <dgm:scene3d>
+      <a:camera prst="orthographicFront"/>
+      <a:lightRig rig="threePt" dir="t"/>
+    </dgm:scene3d>
+    <dgm:sp3d/>
+    <dgm:txPr/>
+    <dgm:style>
+      <a:lnRef idx="2">
+        <a:scrgbClr r="0" g="0" b="0"/>
+      </a:lnRef>
+      <a:fillRef idx="1">
+        <a:scrgbClr r="0" g="0" b="0"/>
+      </a:fillRef>
+      <a:effectRef idx="0">
+        <a:scrgbClr r="0" g="0" b="0"/>
+      </a:effectRef>
+      <a:fontRef idx="minor">
+        <a:schemeClr val="lt1"/>
+      </a:fontRef>
+    </dgm:style>
+  </dgm:styleLbl>
+  <dgm:styleLbl name="fgImgPlace1">
+    <dgm:scene3d>
+      <a:camera prst="orthographicFront"/>
+      <a:lightRig rig="threePt" dir="t"/>
+    </dgm:scene3d>
+    <dgm:sp3d/>
+    <dgm:txPr/>
+    <dgm:style>
+      <a:lnRef idx="2">
+        <a:scrgbClr r="0" g="0" b="0"/>
+      </a:lnRef>
+      <a:fillRef idx="1">
+        <a:scrgbClr r="0" g="0" b="0"/>
+      </a:fillRef>
+      <a:effectRef idx="0">
+        <a:scrgbClr r="0" g="0" b="0"/>
+      </a:effectRef>
+      <a:fontRef idx="minor"/>
+    </dgm:style>
+  </dgm:styleLbl>
+  <dgm:styleLbl name="alignImgPlace1">
+    <dgm:scene3d>
+      <a:camera prst="orthographicFront"/>
+      <a:lightRig rig="threePt" dir="t"/>
+    </dgm:scene3d>
+    <dgm:sp3d/>
+    <dgm:txPr/>
+    <dgm:style>
+      <a:lnRef idx="2">
+        <a:scrgbClr r="0" g="0" b="0"/>
+      </a:lnRef>
+      <a:fillRef idx="1">
+        <a:scrgbClr r="0" g="0" b="0"/>
+      </a:fillRef>
+      <a:effectRef idx="0">
+        <a:scrgbClr r="0" g="0" b="0"/>
+      </a:effectRef>
+      <a:fontRef idx="minor"/>
+    </dgm:style>
+  </dgm:styleLbl>
+  <dgm:styleLbl name="bgImgPlace1">
+    <dgm:scene3d>
+      <a:camera prst="orthographicFront"/>
+      <a:lightRig rig="threePt" dir="t"/>
+    </dgm:scene3d>
+    <dgm:sp3d/>
+    <dgm:txPr/>
+    <dgm:style>
+      <a:lnRef idx="2">
+        <a:scrgbClr r="0" g="0" b="0"/>
+      </a:lnRef>
+      <a:fillRef idx="1">
+        <a:scrgbClr r="0" g="0" b="0"/>
+      </a:fillRef>
+      <a:effectRef idx="0">
+        <a:scrgbClr r="0" g="0" b="0"/>
+      </a:effectRef>
+      <a:fontRef idx="minor"/>
+    </dgm:style>
+  </dgm:styleLbl>
+  <dgm:styleLbl name="sibTrans2D1">
+    <dgm:scene3d>
+      <a:camera prst="orthographicFront"/>
+      <a:lightRig rig="threePt" dir="t"/>
+    </dgm:scene3d>
+    <dgm:sp3d/>
+    <dgm:txPr/>
+    <dgm:style>
+      <a:lnRef idx="0">
+        <a:scrgbClr r="0" g="0" b="0"/>
+      </a:lnRef>
+      <a:fillRef idx="1">
+        <a:scrgbClr r="0" g="0" b="0"/>
+      </a:fillRef>
+      <a:effectRef idx="0">
+        <a:scrgbClr r="0" g="0" b="0"/>
+      </a:effectRef>
+      <a:fontRef idx="minor">
+        <a:schemeClr val="lt1"/>
+      </a:fontRef>
+    </dgm:style>
+  </dgm:styleLbl>
+  <dgm:styleLbl name="fgSibTrans2D1">
+    <dgm:scene3d>
+      <a:camera prst="orthographicFront"/>
+      <a:lightRig rig="threePt" dir="t"/>
+    </dgm:scene3d>
+    <dgm:sp3d/>
+    <dgm:txPr/>
+    <dgm:style>
+      <a:lnRef idx="0">
+        <a:scrgbClr r="0" g="0" b="0"/>
+      </a:lnRef>
+      <a:fillRef idx="1">
+        <a:scrgbClr r="0" g="0" b="0"/>
+      </a:fillRef>
+      <a:effectRef idx="0">
+        <a:scrgbClr r="0" g="0" b="0"/>
+      </a:effectRef>
+      <a:fontRef idx="minor">
+        <a:schemeClr val="lt1"/>
+      </a:fontRef>
+    </dgm:style>
+  </dgm:styleLbl>
+  <dgm:styleLbl name="bgSibTrans2D1">
+    <dgm:scene3d>
+      <a:camera prst="orthographicFront"/>
+      <a:lightRig rig="threePt" dir="t"/>
+    </dgm:scene3d>
+    <dgm:sp3d/>
+    <dgm:txPr/>
+    <dgm:style>
+      <a:lnRef idx="0">
+        <a:scrgbClr r="0" g="0" b="0"/>
+      </a:lnRef>
+      <a:fillRef idx="1">
+        <a:scrgbClr r="0" g="0" b="0"/>
+      </a:fillRef>
+      <a:effectRef idx="0">
+        <a:scrgbClr r="0" g="0" b="0"/>
+      </a:effectRef>
+      <a:fontRef idx="minor">
+        <a:schemeClr val="lt1"/>
+      </a:fontRef>
+    </dgm:style>
+  </dgm:styleLbl>
+  <dgm:styleLbl name="sibTrans1D1">
+    <dgm:scene3d>
+      <a:camera prst="orthographicFront"/>
+      <a:lightRig rig="threePt" dir="t"/>
+    </dgm:scene3d>
+    <dgm:sp3d/>
+    <dgm:txPr/>
+    <dgm:style>
+      <a:lnRef idx="1">
+        <a:scrgbClr r="0" g="0" b="0"/>
+      </a:lnRef>
+      <a:fillRef idx="0">
+        <a:scrgbClr r="0" g="0" b="0"/>
+      </a:fillRef>
+      <a:effectRef idx="0">
+        <a:scrgbClr r="0" g="0" b="0"/>
+      </a:effectRef>
+      <a:fontRef idx="minor"/>
+    </dgm:style>
+  </dgm:styleLbl>
+  <dgm:styleLbl name="callout">
+    <dgm:scene3d>
+      <a:camera prst="orthographicFront"/>
+      <a:lightRig rig="threePt" dir="t"/>
+    </dgm:scene3d>
+    <dgm:sp3d/>
+    <dgm:txPr/>
+    <dgm:style>
+      <a:lnRef idx="2">
+        <a:scrgbClr r="0" g="0" b="0"/>
+      </a:lnRef>
+      <a:fillRef idx="1">
+        <a:scrgbClr r="0" g="0" b="0"/>
+      </a:fillRef>
+      <a:effectRef idx="0">
+        <a:scrgbClr r="0" g="0" b="0"/>
+      </a:effectRef>
+      <a:fontRef idx="minor"/>
+    </dgm:style>
+  </dgm:styleLbl>
+  <dgm:styleLbl name="asst0">
+    <dgm:scene3d>
+      <a:camera prst="orthographicFront"/>
+      <a:lightRig rig="threePt" dir="t"/>
+    </dgm:scene3d>
+    <dgm:sp3d/>
+    <dgm:txPr/>
+    <dgm:style>
+      <a:lnRef idx="2">
+        <a:scrgbClr r="0" g="0" b="0"/>
+      </a:lnRef>
+      <a:fillRef idx="1">
+        <a:scrgbClr r="0" g="0" b="0"/>
+      </a:fillRef>
+      <a:effectRef idx="0">
+        <a:scrgbClr r="0" g="0" b="0"/>
+      </a:effectRef>
+      <a:fontRef idx="minor">
+        <a:schemeClr val="lt1"/>
+      </a:fontRef>
+    </dgm:style>
+  </dgm:styleLbl>
+  <dgm:styleLbl name="asst1">
+    <dgm:scene3d>
+      <a:camera prst="orthographicFront"/>
+      <a:lightRig rig="threePt" dir="t"/>
+    </dgm:scene3d>
+    <dgm:sp3d/>
+    <dgm:txPr/>
+    <dgm:style>
+      <a:lnRef idx="2">
+        <a:scrgbClr r="0" g="0" b="0"/>
+      </a:lnRef>
+      <a:fillRef idx="1">
+        <a:scrgbClr r="0" g="0" b="0"/>
+      </a:fillRef>
+      <a:effectRef idx="0">
+        <a:scrgbClr r="0" g="0" b="0"/>
+      </a:effectRef>
+      <a:fontRef idx="minor">
+        <a:schemeClr val="lt1"/>
+      </a:fontRef>
+    </dgm:style>
+  </dgm:styleLbl>
+  <dgm:styleLbl name="asst2">
+    <dgm:scene3d>
+      <a:camera prst="orthographicFront"/>
+      <a:lightRig rig="threePt" dir="t"/>
+    </dgm:scene3d>
+    <dgm:sp3d/>
+    <dgm:txPr/>
+    <dgm:style>
+      <a:lnRef idx="2">
+        <a:scrgbClr r="0" g="0" b="0"/>
+      </a:lnRef>
+      <a:fillRef idx="1">
+        <a:scrgbClr r="0" g="0" b="0"/>
+      </a:fillRef>
+      <a:effectRef idx="0">
+        <a:scrgbClr r="0" g="0" b="0"/>
+      </a:effectRef>
+      <a:fontRef idx="minor">
+        <a:schemeClr val="lt1"/>
+      </a:fontRef>
+    </dgm:style>
+  </dgm:styleLbl>
+  <dgm:styleLbl name="asst3">
+    <dgm:scene3d>
+      <a:camera prst="orthographicFront"/>
+      <a:lightRig rig="threePt" dir="t"/>
+    </dgm:scene3d>
+    <dgm:sp3d/>
+    <dgm:txPr/>
+    <dgm:style>
+      <a:lnRef idx="2">
+        <a:scrgbClr r="0" g="0" b="0"/>
+      </a:lnRef>
+      <a:fillRef idx="1">
+        <a:scrgbClr r="0" g="0" b="0"/>
+      </a:fillRef>
+      <a:effectRef idx="0">
+        <a:scrgbClr r="0" g="0" b="0"/>
+      </a:effectRef>
+      <a:fontRef idx="minor">
+        <a:schemeClr val="lt1"/>
+      </a:fontRef>
+    </dgm:style>
+  </dgm:styleLbl>
+  <dgm:styleLbl name="asst4">
+    <dgm:scene3d>
+      <a:camera prst="orthographicFront"/>
+      <a:lightRig rig="threePt" dir="t"/>
+    </dgm:scene3d>
+    <dgm:sp3d/>
+    <dgm:txPr/>
+    <dgm:style>
+      <a:lnRef idx="2">
+        <a:scrgbClr r="0" g="0" b="0"/>
+      </a:lnRef>
+      <a:fillRef idx="1">
+        <a:scrgbClr r="0" g="0" b="0"/>
+      </a:fillRef>
+      <a:effectRef idx="0">
+        <a:scrgbClr r="0" g="0" b="0"/>
+      </a:effectRef>
+      <a:fontRef idx="minor">
+        <a:schemeClr val="lt1"/>
+      </a:fontRef>
+    </dgm:style>
+  </dgm:styleLbl>
+  <dgm:styleLbl name="parChTrans2D1">
+    <dgm:scene3d>
+      <a:camera prst="orthographicFront"/>
+      <a:lightRig rig="threePt" dir="t"/>
+    </dgm:scene3d>
+    <dgm:sp3d/>
+    <dgm:txPr/>
+    <dgm:style>
+      <a:lnRef idx="2">
+        <a:scrgbClr r="0" g="0" b="0"/>
+      </a:lnRef>
+      <a:fillRef idx="1">
+        <a:scrgbClr r="0" g="0" b="0"/>
+      </a:fillRef>
+      <a:effectRef idx="0">
+        <a:scrgbClr r="0" g="0" b="0"/>
+      </a:effectRef>
+      <a:fontRef idx="minor">
+        <a:schemeClr val="lt1"/>
+      </a:fontRef>
+    </dgm:style>
+  </dgm:styleLbl>
+  <dgm:styleLbl name="parChTrans2D2">
+    <dgm:scene3d>
+      <a:camera prst="orthographicFront"/>
+      <a:lightRig rig="threePt" dir="t"/>
+    </dgm:scene3d>
+    <dgm:sp3d/>
+    <dgm:txPr/>
+    <dgm:style>
+      <a:lnRef idx="2">
+        <a:scrgbClr r="0" g="0" b="0"/>
+      </a:lnRef>
+      <a:fillRef idx="1">
+        <a:scrgbClr r="0" g="0" b="0"/>
+      </a:fillRef>
+      <a:effectRef idx="0">
+        <a:scrgbClr r="0" g="0" b="0"/>
+      </a:effectRef>
+      <a:fontRef idx="minor">
+        <a:schemeClr val="lt1"/>
+      </a:fontRef>
+    </dgm:style>
+  </dgm:styleLbl>
+  <dgm:styleLbl name="parChTrans2D3">
+    <dgm:scene3d>
+      <a:camera prst="orthographicFront"/>
+      <a:lightRig rig="threePt" dir="t"/>
+    </dgm:scene3d>
+    <dgm:sp3d/>
+    <dgm:txPr/>
+    <dgm:style>
+      <a:lnRef idx="2">
+        <a:scrgbClr r="0" g="0" b="0"/>
+      </a:lnRef>
+      <a:fillRef idx="1">
+        <a:scrgbClr r="0" g="0" b="0"/>
+      </a:fillRef>
+      <a:effectRef idx="0">
+        <a:scrgbClr r="0" g="0" b="0"/>
+      </a:effectRef>
+      <a:fontRef idx="minor">
+        <a:schemeClr val="lt1"/>
+      </a:fontRef>
+    </dgm:style>
+  </dgm:styleLbl>
+  <dgm:styleLbl name="parChTrans2D4">
+    <dgm:scene3d>
+      <a:camera prst="orthographicFront"/>
+      <a:lightRig rig="threePt" dir="t"/>
+    </dgm:scene3d>
+    <dgm:sp3d/>
+    <dgm:txPr/>
+    <dgm:style>
+      <a:lnRef idx="2">
+        <a:scrgbClr r="0" g="0" b="0"/>
+      </a:lnRef>
+      <a:fillRef idx="1">
+        <a:scrgbClr r="0" g="0" b="0"/>
+      </a:fillRef>
+      <a:effectRef idx="0">
+        <a:scrgbClr r="0" g="0" b="0"/>
+      </a:effectRef>
+      <a:fontRef idx="minor">
+        <a:schemeClr val="lt1"/>
+      </a:fontRef>
+    </dgm:style>
+  </dgm:styleLbl>
+  <dgm:styleLbl name="parChTrans1D1">
+    <dgm:scene3d>
+      <a:camera prst="orthographicFront"/>
+      <a:lightRig rig="threePt" dir="t"/>
+    </dgm:scene3d>
+    <dgm:sp3d/>
+    <dgm:txPr/>
+    <dgm:style>
+      <a:lnRef idx="2">
+        <a:scrgbClr r="0" g="0" b="0"/>
+      </a:lnRef>
+      <a:fillRef idx="0">
+        <a:scrgbClr r="0" g="0" b="0"/>
+      </a:fillRef>
+      <a:effectRef idx="0">
+        <a:scrgbClr r="0" g="0" b="0"/>
+      </a:effectRef>
+      <a:fontRef idx="minor"/>
+    </dgm:style>
+  </dgm:styleLbl>
+  <dgm:styleLbl name="parChTrans1D2">
+    <dgm:scene3d>
+      <a:camera prst="orthographicFront"/>
+      <a:lightRig rig="threePt" dir="t"/>
+    </dgm:scene3d>
+    <dgm:sp3d/>
+    <dgm:txPr/>
+    <dgm:style>
+      <a:lnRef idx="2">
+        <a:scrgbClr r="0" g="0" b="0"/>
+      </a:lnRef>
+      <a:fillRef idx="0">
+        <a:scrgbClr r="0" g="0" b="0"/>
+      </a:fillRef>
+      <a:effectRef idx="0">
+        <a:scrgbClr r="0" g="0" b="0"/>
+      </a:effectRef>
+      <a:fontRef idx="minor"/>
+    </dgm:style>
+  </dgm:styleLbl>
+  <dgm:styleLbl name="parChTrans1D3">
+    <dgm:scene3d>
+      <a:camera prst="orthographicFront"/>
+      <a:lightRig rig="threePt" dir="t"/>
+    </dgm:scene3d>
+    <dgm:sp3d/>
+    <dgm:txPr/>
+    <dgm:style>
+      <a:lnRef idx="2">
+        <a:scrgbClr r="0" g="0" b="0"/>
+      </a:lnRef>
+      <a:fillRef idx="0">
+        <a:scrgbClr r="0" g="0" b="0"/>
+      </a:fillRef>
+      <a:effectRef idx="0">
+        <a:scrgbClr r="0" g="0" b="0"/>
+      </a:effectRef>
+      <a:fontRef idx="minor"/>
+    </dgm:style>
+  </dgm:styleLbl>
+  <dgm:styleLbl name="parChTrans1D4">
+    <dgm:scene3d>
+      <a:camera prst="orthographicFront"/>
+      <a:lightRig rig="threePt" dir="t"/>
+    </dgm:scene3d>
+    <dgm:sp3d/>
+    <dgm:txPr/>
+    <dgm:style>
+      <a:lnRef idx="2">
+        <a:scrgbClr r="0" g="0" b="0"/>
+      </a:lnRef>
+      <a:fillRef idx="0">
+        <a:scrgbClr r="0" g="0" b="0"/>
+      </a:fillRef>
+      <a:effectRef idx="0">
+        <a:scrgbClr r="0" g="0" b="0"/>
+      </a:effectRef>
+      <a:fontRef idx="minor"/>
+    </dgm:style>
+  </dgm:styleLbl>
+  <dgm:styleLbl name="fgAcc1">
+    <dgm:scene3d>
+      <a:camera prst="orthographicFront"/>
+      <a:lightRig rig="threePt" dir="t"/>
+    </dgm:scene3d>
+    <dgm:sp3d/>
+    <dgm:txPr/>
+    <dgm:style>
+      <a:lnRef idx="2">
+        <a:scrgbClr r="0" g="0" b="0"/>
+      </a:lnRef>
+      <a:fillRef idx="1">
+        <a:scrgbClr r="0" g="0" b="0"/>
+      </a:fillRef>
+      <a:effectRef idx="0">
+        <a:scrgbClr r="0" g="0" b="0"/>
+      </a:effectRef>
+      <a:fontRef idx="minor"/>
+    </dgm:style>
+  </dgm:styleLbl>
+  <dgm:styleLbl name="conFgAcc1">
+    <dgm:scene3d>
+      <a:camera prst="orthographicFront"/>
+      <a:lightRig rig="threePt" dir="t"/>
+    </dgm:scene3d>
+    <dgm:sp3d/>
+    <dgm:txPr/>
+    <dgm:style>
+      <a:lnRef idx="2">
+        <a:scrgbClr r="0" g="0" b="0"/>
+      </a:lnRef>
+      <a:fillRef idx="1">
+        <a:scrgbClr r="0" g="0" b="0"/>
+      </a:fillRef>
+      <a:effectRef idx="0">
+        <a:scrgbClr r="0" g="0" b="0"/>
+      </a:effectRef>
+      <a:fontRef idx="minor"/>
+    </dgm:style>
+  </dgm:styleLbl>
+  <dgm:styleLbl name="alignAcc1">
+    <dgm:scene3d>
+      <a:camera prst="orthographicFront"/>
+      <a:lightRig rig="threePt" dir="t"/>
+    </dgm:scene3d>
+    <dgm:sp3d/>
+    <dgm:txPr/>
+    <dgm:style>
+      <a:lnRef idx="2">
+        <a:scrgbClr r="0" g="0" b="0"/>
+      </a:lnRef>
+      <a:fillRef idx="1">
+        <a:scrgbClr r="0" g="0" b="0"/>
+      </a:fillRef>
+      <a:effectRef idx="0">
+        <a:scrgbClr r="0" g="0" b="0"/>
+      </a:effectRef>
+      <a:fontRef idx="minor"/>
+    </dgm:style>
+  </dgm:styleLbl>
+  <dgm:styleLbl name="trAlignAcc1">
+    <dgm:scene3d>
+      <a:camera prst="orthographicFront"/>
+      <a:lightRig rig="threePt" dir="t"/>
+    </dgm:scene3d>
+    <dgm:sp3d/>
+    <dgm:txPr/>
+    <dgm:style>
+      <a:lnRef idx="1">
+        <a:scrgbClr r="0" g="0" b="0"/>
+      </a:lnRef>
+      <a:fillRef idx="1">
+        <a:scrgbClr r="0" g="0" b="0"/>
+      </a:fillRef>
+      <a:effectRef idx="0">
+        <a:scrgbClr r="0" g="0" b="0"/>
+      </a:effectRef>
+      <a:fontRef idx="minor"/>
+    </dgm:style>
+  </dgm:styleLbl>
+  <dgm:styleLbl name="bgAcc1">
+    <dgm:scene3d>
+      <a:camera prst="orthographicFront"/>
+      <a:lightRig rig="threePt" dir="t"/>
+    </dgm:scene3d>
+    <dgm:sp3d/>
+    <dgm:txPr/>
+    <dgm:style>
+      <a:lnRef idx="2">
+        <a:scrgbClr r="0" g="0" b="0"/>
+      </a:lnRef>
+      <a:fillRef idx="1">
+        <a:scrgbClr r="0" g="0" b="0"/>
+      </a:fillRef>
+      <a:effectRef idx="0">
+        <a:scrgbClr r="0" g="0" b="0"/>
+      </a:effectRef>
+      <a:fontRef idx="minor"/>
+    </dgm:style>
+  </dgm:styleLbl>
+  <dgm:styleLbl name="solidFgAcc1">
+    <dgm:scene3d>
+      <a:camera prst="orthographicFront"/>
+      <a:lightRig rig="threePt" dir="t"/>
+    </dgm:scene3d>
+    <dgm:sp3d/>
+    <dgm:txPr/>
+    <dgm:style>
+      <a:lnRef idx="2">
+        <a:scrgbClr r="0" g="0" b="0"/>
+      </a:lnRef>
+      <a:fillRef idx="1">
+        <a:scrgbClr r="0" g="0" b="0"/>
+      </a:fillRef>
+      <a:effectRef idx="0">
+        <a:scrgbClr r="0" g="0" b="0"/>
+      </a:effectRef>
+      <a:fontRef idx="minor"/>
+    </dgm:style>
+  </dgm:styleLbl>
+  <dgm:styleLbl name="solidAlignAcc1">
+    <dgm:scene3d>
+      <a:camera prst="orthographicFront"/>
+      <a:lightRig rig="threePt" dir="t"/>
+    </dgm:scene3d>
+    <dgm:sp3d/>
+    <dgm:txPr/>
+    <dgm:style>
+      <a:lnRef idx="2">
+        <a:scrgbClr r="0" g="0" b="0"/>
+      </a:lnRef>
+      <a:fillRef idx="1">
+        <a:scrgbClr r="0" g="0" b="0"/>
+      </a:fillRef>
+      <a:effectRef idx="0">
+        <a:scrgbClr r="0" g="0" b="0"/>
+      </a:effectRef>
+      <a:fontRef idx="minor"/>
+    </dgm:style>
+  </dgm:styleLbl>
+  <dgm:styleLbl name="solidBgAcc1">
+    <dgm:scene3d>
+      <a:camera prst="orthographicFront"/>
+      <a:lightRig rig="threePt" dir="t"/>
+    </dgm:scene3d>
+    <dgm:sp3d/>
+    <dgm:txPr/>
+    <dgm:style>
+      <a:lnRef idx="2">
+        <a:scrgbClr r="0" g="0" b="0"/>
+      </a:lnRef>
+      <a:fillRef idx="1">
+        <a:scrgbClr r="0" g="0" b="0"/>
+      </a:fillRef>
+      <a:effectRef idx="0">
+        <a:scrgbClr r="0" g="0" b="0"/>
+      </a:effectRef>
+      <a:fontRef idx="minor"/>
+    </dgm:style>
+  </dgm:styleLbl>
+  <dgm:styleLbl name="fgAccFollowNode1">
+    <dgm:scene3d>
+      <a:camera prst="orthographicFront"/>
+      <a:lightRig rig="threePt" dir="t"/>
+    </dgm:scene3d>
+    <dgm:sp3d/>
+    <dgm:txPr/>
+    <dgm:style>
+      <a:lnRef idx="2">
+        <a:scrgbClr r="0" g="0" b="0"/>
+      </a:lnRef>
+      <a:fillRef idx="1">
+        <a:scrgbClr r="0" g="0" b="0"/>
+      </a:fillRef>
+      <a:effectRef idx="0">
+        <a:scrgbClr r="0" g="0" b="0"/>
+      </a:effectRef>
+      <a:fontRef idx="minor"/>
+    </dgm:style>
+  </dgm:styleLbl>
+  <dgm:styleLbl name="alignAccFollowNode1">
+    <dgm:scene3d>
+      <a:camera prst="orthographicFront"/>
+      <a:lightRig rig="threePt" dir="t"/>
+    </dgm:scene3d>
+    <dgm:sp3d/>
+    <dgm:txPr/>
+    <dgm:style>
+      <a:lnRef idx="2">
+        <a:scrgbClr r="0" g="0" b="0"/>
+      </a:lnRef>
+      <a:fillRef idx="1">
+        <a:scrgbClr r="0" g="0" b="0"/>
+      </a:fillRef>
+      <a:effectRef idx="0">
+        <a:scrgbClr r="0" g="0" b="0"/>
+      </a:effectRef>
+      <a:fontRef idx="minor"/>
+    </dgm:style>
+  </dgm:styleLbl>
+  <dgm:styleLbl name="bgAccFollowNode1">
+    <dgm:scene3d>
+      <a:camera prst="orthographicFront"/>
+      <a:lightRig rig="threePt" dir="t"/>
+    </dgm:scene3d>
+    <dgm:sp3d/>
+    <dgm:txPr/>
+    <dgm:style>
+      <a:lnRef idx="2">
+        <a:scrgbClr r="0" g="0" b="0"/>
+      </a:lnRef>
+      <a:fillRef idx="1">
+        <a:scrgbClr r="0" g="0" b="0"/>
+      </a:fillRef>
+      <a:effectRef idx="0">
+        <a:scrgbClr r="0" g="0" b="0"/>
+      </a:effectRef>
+      <a:fontRef idx="minor"/>
+    </dgm:style>
+  </dgm:styleLbl>
+  <dgm:styleLbl name="fgAcc0">
+    <dgm:scene3d>
+      <a:camera prst="orthographicFront"/>
+      <a:lightRig rig="threePt" dir="t"/>
+    </dgm:scene3d>
+    <dgm:sp3d/>
+    <dgm:txPr/>
+    <dgm:style>
+      <a:lnRef idx="2">
+        <a:scrgbClr r="0" g="0" b="0"/>
+      </a:lnRef>
+      <a:fillRef idx="1">
+        <a:scrgbClr r="0" g="0" b="0"/>
+      </a:fillRef>
+      <a:effectRef idx="0">
+        <a:scrgbClr r="0" g="0" b="0"/>
+      </a:effectRef>
+      <a:fontRef idx="minor"/>
+    </dgm:style>
+  </dgm:styleLbl>
+  <dgm:styleLbl name="fgAcc2">
+    <dgm:scene3d>
+      <a:camera prst="orthographicFront"/>
+      <a:lightRig rig="threePt" dir="t"/>
+    </dgm:scene3d>
+    <dgm:sp3d/>
+    <dgm:txPr/>
+    <dgm:style>
+      <a:lnRef idx="2">
+        <a:scrgbClr r="0" g="0" b="0"/>
+      </a:lnRef>
+      <a:fillRef idx="1">
+        <a:scrgbClr r="0" g="0" b="0"/>
+      </a:fillRef>
+      <a:effectRef idx="0">
+        <a:scrgbClr r="0" g="0" b="0"/>
+      </a:effectRef>
+      <a:fontRef idx="minor"/>
+    </dgm:style>
+  </dgm:styleLbl>
+  <dgm:styleLbl name="fgAcc3">
+    <dgm:scene3d>
+      <a:camera prst="orthographicFront"/>
+      <a:lightRig rig="threePt" dir="t"/>
+    </dgm:scene3d>
+    <dgm:sp3d/>
+    <dgm:txPr/>
+    <dgm:style>
+      <a:lnRef idx="2">
+        <a:scrgbClr r="0" g="0" b="0"/>
+      </a:lnRef>
+      <a:fillRef idx="1">
+        <a:scrgbClr r="0" g="0" b="0"/>
+      </a:fillRef>
+      <a:effectRef idx="0">
+        <a:scrgbClr r="0" g="0" b="0"/>
+      </a:effectRef>
+      <a:fontRef idx="minor"/>
+    </dgm:style>
+  </dgm:styleLbl>
+  <dgm:styleLbl name="fgAcc4">
+    <dgm:scene3d>
+      <a:camera prst="orthographicFront"/>
+      <a:lightRig rig="threePt" dir="t"/>
+    </dgm:scene3d>
+    <dgm:sp3d/>
+    <dgm:txPr/>
+    <dgm:style>
+      <a:lnRef idx="2">
+        <a:scrgbClr r="0" g="0" b="0"/>
+      </a:lnRef>
+      <a:fillRef idx="1">
+        <a:scrgbClr r="0" g="0" b="0"/>
+      </a:fillRef>
+      <a:effectRef idx="0">
+        <a:scrgbClr r="0" g="0" b="0"/>
+      </a:effectRef>
+      <a:fontRef idx="minor"/>
+    </dgm:style>
+  </dgm:styleLbl>
+  <dgm:styleLbl name="bgShp">
+    <dgm:scene3d>
+      <a:camera prst="orthographicFront"/>
+      <a:lightRig rig="threePt" dir="t"/>
+    </dgm:scene3d>
+    <dgm:sp3d/>
+    <dgm:txPr/>
+    <dgm:style>
+      <a:lnRef idx="0">
+        <a:scrgbClr r="0" g="0" b="0"/>
+      </a:lnRef>
+      <a:fillRef idx="1">
+        <a:scrgbClr r="0" g="0" b="0"/>
+      </a:fillRef>
+      <a:effectRef idx="0">
+        <a:scrgbClr r="0" g="0" b="0"/>
+      </a:effectRef>
+      <a:fontRef idx="minor"/>
+    </dgm:style>
+  </dgm:styleLbl>
+  <dgm:styleLbl name="dkBgShp">
+    <dgm:scene3d>
+      <a:camera prst="orthographicFront"/>
+      <a:lightRig rig="threePt" dir="t"/>
+    </dgm:scene3d>
+    <dgm:sp3d/>
+    <dgm:txPr/>
+    <dgm:style>
+      <a:lnRef idx="0">
+        <a:scrgbClr r="0" g="0" b="0"/>
+      </a:lnRef>
+      <a:fillRef idx="1">
+        <a:scrgbClr r="0" g="0" b="0"/>
+      </a:fillRef>
+      <a:effectRef idx="0">
+        <a:scrgbClr r="0" g="0" b="0"/>
+      </a:effectRef>
+      <a:fontRef idx="minor"/>
+    </dgm:style>
+  </dgm:styleLbl>
+  <dgm:styleLbl name="trBgShp">
+    <dgm:scene3d>
+      <a:camera prst="orthographicFront"/>
+      <a:lightRig rig="threePt" dir="t"/>
+    </dgm:scene3d>
+    <dgm:sp3d/>
+    <dgm:txPr/>
+    <dgm:style>
+      <a:lnRef idx="0">
+        <a:scrgbClr r="0" g="0" b="0"/>
+      </a:lnRef>
+      <a:fillRef idx="1">
+        <a:scrgbClr r="0" g="0" b="0"/>
+      </a:fillRef>
+      <a:effectRef idx="0">
+        <a:scrgbClr r="0" g="0" b="0"/>
+      </a:effectRef>
+      <a:fontRef idx="minor"/>
+    </dgm:style>
+  </dgm:styleLbl>
+  <dgm:styleLbl name="fgShp">
+    <dgm:scene3d>
+      <a:camera prst="orthographicFront"/>
+      <a:lightRig rig="threePt" dir="t"/>
+    </dgm:scene3d>
+    <dgm:sp3d/>
+    <dgm:txPr/>
+    <dgm:style>
+      <a:lnRef idx="2">
+        <a:scrgbClr r="0" g="0" b="0"/>
+      </a:lnRef>
+      <a:fillRef idx="1">
+        <a:scrgbClr r="0" g="0" b="0"/>
+      </a:fillRef>
+      <a:effectRef idx="0">
+        <a:scrgbClr r="0" g="0" b="0"/>
+      </a:effectRef>
+      <a:fontRef idx="minor"/>
+    </dgm:style>
+  </dgm:styleLbl>
+  <dgm:styleLbl name="revTx">
+    <dgm:scene3d>
+      <a:camera prst="orthographicFront"/>
+      <a:lightRig rig="threePt" dir="t"/>
+    </dgm:scene3d>
+    <dgm:sp3d/>
+    <dgm:txPr/>
+    <dgm:style>
+      <a:lnRef idx="0">
+        <a:scrgbClr r="0" g="0" b="0"/>
+      </a:lnRef>
+      <a:fillRef idx="0">
+        <a:scrgbClr r="0" g="0" b="0"/>
+      </a:fillRef>
+      <a:effectRef idx="0">
+        <a:scrgbClr r="0" g="0" b="0"/>
+      </a:effectRef>
+      <a:fontRef idx="minor"/>
+    </dgm:style>
+  </dgm:styleLbl>
+</dgm:styleDef>
 </file>
 
 <file path=ppt/slideLayouts/slideLayout1.xml><?xml version="1.0" encoding="utf-8"?>
@@ -259,7 +5192,7 @@
           <a:p>
             <a:fld id="{CBA48A1A-F3D7-4547-93D7-5425B2B05B0B}" type="datetimeFigureOut">
               <a:rPr lang="en-US" smtClean="0"/>
-              <a:t>10/6/18</a:t>
+              <a:t>10/14/18</a:t>
             </a:fld>
             <a:endParaRPr lang="en-US"/>
           </a:p>
@@ -457,7 +5390,7 @@
           <a:p>
             <a:fld id="{CBA48A1A-F3D7-4547-93D7-5425B2B05B0B}" type="datetimeFigureOut">
               <a:rPr lang="en-US" smtClean="0"/>
-              <a:t>10/6/18</a:t>
+              <a:t>10/14/18</a:t>
             </a:fld>
             <a:endParaRPr lang="en-US"/>
           </a:p>
@@ -665,7 +5598,7 @@
           <a:p>
             <a:fld id="{CBA48A1A-F3D7-4547-93D7-5425B2B05B0B}" type="datetimeFigureOut">
               <a:rPr lang="en-US" smtClean="0"/>
-              <a:t>10/6/18</a:t>
+              <a:t>10/14/18</a:t>
             </a:fld>
             <a:endParaRPr lang="en-US"/>
           </a:p>
@@ -863,7 +5796,7 @@
           <a:p>
             <a:fld id="{CBA48A1A-F3D7-4547-93D7-5425B2B05B0B}" type="datetimeFigureOut">
               <a:rPr lang="en-US" smtClean="0"/>
-              <a:t>10/6/18</a:t>
+              <a:t>10/14/18</a:t>
             </a:fld>
             <a:endParaRPr lang="en-US"/>
           </a:p>
@@ -1138,7 +6071,7 @@
           <a:p>
             <a:fld id="{CBA48A1A-F3D7-4547-93D7-5425B2B05B0B}" type="datetimeFigureOut">
               <a:rPr lang="en-US" smtClean="0"/>
-              <a:t>10/6/18</a:t>
+              <a:t>10/14/18</a:t>
             </a:fld>
             <a:endParaRPr lang="en-US"/>
           </a:p>
@@ -1403,7 +6336,7 @@
           <a:p>
             <a:fld id="{CBA48A1A-F3D7-4547-93D7-5425B2B05B0B}" type="datetimeFigureOut">
               <a:rPr lang="en-US" smtClean="0"/>
-              <a:t>10/6/18</a:t>
+              <a:t>10/14/18</a:t>
             </a:fld>
             <a:endParaRPr lang="en-US"/>
           </a:p>
@@ -1815,7 +6748,7 @@
           <a:p>
             <a:fld id="{CBA48A1A-F3D7-4547-93D7-5425B2B05B0B}" type="datetimeFigureOut">
               <a:rPr lang="en-US" smtClean="0"/>
-              <a:t>10/6/18</a:t>
+              <a:t>10/14/18</a:t>
             </a:fld>
             <a:endParaRPr lang="en-US"/>
           </a:p>
@@ -1956,7 +6889,7 @@
           <a:p>
             <a:fld id="{CBA48A1A-F3D7-4547-93D7-5425B2B05B0B}" type="datetimeFigureOut">
               <a:rPr lang="en-US" smtClean="0"/>
-              <a:t>10/6/18</a:t>
+              <a:t>10/14/18</a:t>
             </a:fld>
             <a:endParaRPr lang="en-US"/>
           </a:p>
@@ -2069,7 +7002,7 @@
           <a:p>
             <a:fld id="{CBA48A1A-F3D7-4547-93D7-5425B2B05B0B}" type="datetimeFigureOut">
               <a:rPr lang="en-US" smtClean="0"/>
-              <a:t>10/6/18</a:t>
+              <a:t>10/14/18</a:t>
             </a:fld>
             <a:endParaRPr lang="en-US"/>
           </a:p>
@@ -2380,7 +7313,7 @@
           <a:p>
             <a:fld id="{CBA48A1A-F3D7-4547-93D7-5425B2B05B0B}" type="datetimeFigureOut">
               <a:rPr lang="en-US" smtClean="0"/>
-              <a:t>10/6/18</a:t>
+              <a:t>10/14/18</a:t>
             </a:fld>
             <a:endParaRPr lang="en-US"/>
           </a:p>
@@ -2668,7 +7601,7 @@
           <a:p>
             <a:fld id="{CBA48A1A-F3D7-4547-93D7-5425B2B05B0B}" type="datetimeFigureOut">
               <a:rPr lang="en-US" smtClean="0"/>
-              <a:t>10/6/18</a:t>
+              <a:t>10/14/18</a:t>
             </a:fld>
             <a:endParaRPr lang="en-US"/>
           </a:p>
@@ -2909,7 +7842,7 @@
           <a:p>
             <a:fld id="{CBA48A1A-F3D7-4547-93D7-5425B2B05B0B}" type="datetimeFigureOut">
               <a:rPr lang="en-US" smtClean="0"/>
-              <a:t>10/6/18</a:t>
+              <a:t>10/14/18</a:t>
             </a:fld>
             <a:endParaRPr lang="en-US"/>
           </a:p>
@@ -3349,7 +8282,7 @@
           <a:p>
             <a:r>
               <a:rPr lang="en-US" dirty="0"/>
-              <a:t>Telco Churn Problem</a:t>
+              <a:t>Telecom Churn Prediction</a:t>
             </a:r>
           </a:p>
         </p:txBody>
@@ -3461,7 +8394,20 @@
           <a:bodyPr/>
           <a:lstStyle/>
           <a:p>
-            <a:endParaRPr lang="en-US"/>
+            <a:r>
+              <a:rPr lang="en-US" dirty="0"/>
+              <a:t>A USA Telecoms Company records data on how customers use its services</a:t>
+            </a:r>
+            <a:br>
+              <a:rPr lang="en-US" dirty="0"/>
+            </a:br>
+            <a:endParaRPr lang="en-US" dirty="0"/>
+          </a:p>
+          <a:p>
+            <a:r>
+              <a:rPr lang="en-US" dirty="0"/>
+              <a:t>Data is from Kaggle</a:t>
+            </a:r>
           </a:p>
         </p:txBody>
       </p:sp>
@@ -3516,7 +8462,10 @@
           <a:bodyPr/>
           <a:lstStyle/>
           <a:p>
-            <a:endParaRPr lang="en-US"/>
+            <a:r>
+              <a:rPr lang="en-US" dirty="0"/>
+              <a:t>Data Structure</a:t>
+            </a:r>
           </a:p>
         </p:txBody>
       </p:sp>
@@ -3541,7 +8490,14 @@
           <a:bodyPr/>
           <a:lstStyle/>
           <a:p>
-            <a:endParaRPr lang="en-US"/>
+            <a:r>
+              <a:rPr lang="en-US" dirty="0" err="1"/>
+              <a:t>Data.head</a:t>
+            </a:r>
+            <a:r>
+              <a:rPr lang="en-US" dirty="0"/>
+              <a:t> + Columns</a:t>
+            </a:r>
           </a:p>
         </p:txBody>
       </p:sp>
@@ -3598,7 +8554,7 @@
           <a:p>
             <a:r>
               <a:rPr lang="en-US" dirty="0"/>
-              <a:t>Business Problem</a:t>
+              <a:t>Business Problems</a:t>
             </a:r>
           </a:p>
         </p:txBody>
@@ -3624,9 +8580,44 @@
           <a:bodyPr/>
           <a:lstStyle/>
           <a:p>
+            <a:pPr marL="514350" indent="-514350">
+              <a:buFont typeface="+mj-lt"/>
+              <a:buAutoNum type="arabicPeriod"/>
+            </a:pPr>
             <a:r>
               <a:rPr lang="en-US" dirty="0"/>
               <a:t>Predict whether long-standing customers will cancel their subscription to the telecom’s services, based on usage data.</a:t>
+            </a:r>
+          </a:p>
+          <a:p>
+            <a:pPr lvl="1"/>
+            <a:r>
+              <a:rPr lang="en-US" b="1" dirty="0"/>
+              <a:t>CLASSIFICATION VIA MACHINE LEARNING</a:t>
+            </a:r>
+          </a:p>
+          <a:p>
+            <a:pPr marL="514350" indent="-514350">
+              <a:buFont typeface="+mj-lt"/>
+              <a:buAutoNum type="arabicPeriod"/>
+            </a:pPr>
+            <a:endParaRPr lang="en-US" dirty="0"/>
+          </a:p>
+          <a:p>
+            <a:pPr marL="514350" indent="-514350">
+              <a:buFont typeface="+mj-lt"/>
+              <a:buAutoNum type="arabicPeriod"/>
+            </a:pPr>
+            <a:r>
+              <a:rPr lang="en-US" dirty="0"/>
+              <a:t>Determine which customer characteristics or product usage indicate a likelihood that the customer will churn</a:t>
+            </a:r>
+          </a:p>
+          <a:p>
+            <a:pPr lvl="1"/>
+            <a:r>
+              <a:rPr lang="en-US" b="1" dirty="0"/>
+              <a:t>FEATURE SELECTION &amp; IMPORTANCE</a:t>
             </a:r>
           </a:p>
         </p:txBody>
@@ -3684,67 +8675,39 @@
           <a:p>
             <a:r>
               <a:rPr lang="en-US" dirty="0"/>
-              <a:t>Model Comparison</a:t>
+              <a:t>Classification Model</a:t>
             </a:r>
           </a:p>
         </p:txBody>
       </p:sp>
-      <p:sp>
-        <p:nvSpPr>
-          <p:cNvPr id="3" name="Content Placeholder 2">
+      <p:graphicFrame>
+        <p:nvGraphicFramePr>
+          <p:cNvPr id="5" name="Diagram 4">
             <a:extLst>
               <a:ext uri="{FF2B5EF4-FFF2-40B4-BE49-F238E27FC236}">
-                <a16:creationId xmlns:a16="http://schemas.microsoft.com/office/drawing/2014/main" id="{CACC98CB-D27A-614A-8C64-F5C8E2946A08}"/>
+                <a16:creationId xmlns:a16="http://schemas.microsoft.com/office/drawing/2014/main" id="{DA7F004A-2792-7949-9C48-BE867F7B688A}"/>
               </a:ext>
             </a:extLst>
           </p:cNvPr>
-          <p:cNvSpPr>
-            <a:spLocks noGrp="1"/>
-          </p:cNvSpPr>
+          <p:cNvGraphicFramePr/>
           <p:nvPr>
-            <p:ph idx="1"/>
+            <p:extLst>
+              <p:ext uri="{D42A27DB-BD31-4B8C-83A1-F6EECF244321}">
+                <p14:modId xmlns:p14="http://schemas.microsoft.com/office/powerpoint/2010/main" val="1839521398"/>
+              </p:ext>
+            </p:extLst>
           </p:nvPr>
-        </p:nvSpPr>
-        <p:spPr/>
-        <p:txBody>
-          <a:bodyPr/>
-          <a:lstStyle/>
-          <a:p>
-            <a:r>
-              <a:rPr lang="en-US" dirty="0"/>
-              <a:t>Linear Regression</a:t>
-            </a:r>
-          </a:p>
-          <a:p>
-            <a:r>
-              <a:rPr lang="en-US" dirty="0"/>
-              <a:t>K-Nearest </a:t>
-            </a:r>
-            <a:r>
-              <a:rPr lang="en-US" dirty="0" err="1"/>
-              <a:t>Neighbour</a:t>
-            </a:r>
-            <a:endParaRPr lang="en-US" dirty="0"/>
-          </a:p>
-          <a:p>
-            <a:r>
-              <a:rPr lang="en-US" dirty="0" err="1"/>
-              <a:t>ElasticNet</a:t>
-            </a:r>
-            <a:r>
-              <a:rPr lang="en-US" dirty="0"/>
-              <a:t> Logistic Regression</a:t>
-            </a:r>
-          </a:p>
-          <a:p>
-            <a:r>
-              <a:rPr lang="en-US" dirty="0" err="1"/>
-              <a:t>StatsModel</a:t>
-            </a:r>
-            <a:endParaRPr lang="en-US" dirty="0"/>
-          </a:p>
-        </p:txBody>
-      </p:sp>
+        </p:nvGraphicFramePr>
+        <p:xfrm>
+          <a:off x="2032000" y="1690688"/>
+          <a:ext cx="6671467" cy="4447645"/>
+        </p:xfrm>
+        <a:graphic>
+          <a:graphicData uri="http://schemas.openxmlformats.org/drawingml/2006/diagram">
+            <dgm:relIds xmlns:dgm="http://schemas.openxmlformats.org/drawingml/2006/diagram" xmlns:r="http://schemas.openxmlformats.org/officeDocument/2006/relationships" r:dm="rId2" r:lo="rId3" r:qs="rId4" r:cs="rId5"/>
+          </a:graphicData>
+        </a:graphic>
+      </p:graphicFrame>
     </p:spTree>
     <p:extLst>
       <p:ext uri="{BB962C8B-B14F-4D97-AF65-F5344CB8AC3E}">
@@ -3759,6 +8722,92 @@
 </file>
 
 <file path=ppt/slides/slide6.xml><?xml version="1.0" encoding="utf-8"?>
+<p:sld xmlns:a="http://schemas.openxmlformats.org/drawingml/2006/main" xmlns:r="http://schemas.openxmlformats.org/officeDocument/2006/relationships" xmlns:p="http://schemas.openxmlformats.org/presentationml/2006/main">
+  <p:cSld>
+    <p:spTree>
+      <p:nvGrpSpPr>
+        <p:cNvPr id="1" name=""/>
+        <p:cNvGrpSpPr/>
+        <p:nvPr/>
+      </p:nvGrpSpPr>
+      <p:grpSpPr>
+        <a:xfrm>
+          <a:off x="0" y="0"/>
+          <a:ext cx="0" cy="0"/>
+          <a:chOff x="0" y="0"/>
+          <a:chExt cx="0" cy="0"/>
+        </a:xfrm>
+      </p:grpSpPr>
+      <p:sp>
+        <p:nvSpPr>
+          <p:cNvPr id="2" name="Title 1">
+            <a:extLst>
+              <a:ext uri="{FF2B5EF4-FFF2-40B4-BE49-F238E27FC236}">
+                <a16:creationId xmlns:a16="http://schemas.microsoft.com/office/drawing/2014/main" id="{FC2BECE1-11FA-6749-8E46-FF5018CCED17}"/>
+              </a:ext>
+            </a:extLst>
+          </p:cNvPr>
+          <p:cNvSpPr>
+            <a:spLocks noGrp="1"/>
+          </p:cNvSpPr>
+          <p:nvPr>
+            <p:ph type="title"/>
+          </p:nvPr>
+        </p:nvSpPr>
+        <p:spPr/>
+        <p:txBody>
+          <a:bodyPr/>
+          <a:lstStyle/>
+          <a:p>
+            <a:r>
+              <a:rPr lang="en-US" dirty="0"/>
+              <a:t>Models for Feature Selection</a:t>
+            </a:r>
+          </a:p>
+        </p:txBody>
+      </p:sp>
+      <p:graphicFrame>
+        <p:nvGraphicFramePr>
+          <p:cNvPr id="5" name="Diagram 4">
+            <a:extLst>
+              <a:ext uri="{FF2B5EF4-FFF2-40B4-BE49-F238E27FC236}">
+                <a16:creationId xmlns:a16="http://schemas.microsoft.com/office/drawing/2014/main" id="{DA7F004A-2792-7949-9C48-BE867F7B688A}"/>
+              </a:ext>
+            </a:extLst>
+          </p:cNvPr>
+          <p:cNvGraphicFramePr/>
+          <p:nvPr>
+            <p:extLst>
+              <p:ext uri="{D42A27DB-BD31-4B8C-83A1-F6EECF244321}">
+                <p14:modId xmlns:p14="http://schemas.microsoft.com/office/powerpoint/2010/main" val="786249890"/>
+              </p:ext>
+            </p:extLst>
+          </p:nvPr>
+        </p:nvGraphicFramePr>
+        <p:xfrm>
+          <a:off x="2506134" y="1690688"/>
+          <a:ext cx="7721600" cy="4148668"/>
+        </p:xfrm>
+        <a:graphic>
+          <a:graphicData uri="http://schemas.openxmlformats.org/drawingml/2006/diagram">
+            <dgm:relIds xmlns:dgm="http://schemas.openxmlformats.org/drawingml/2006/diagram" xmlns:r="http://schemas.openxmlformats.org/officeDocument/2006/relationships" r:dm="rId2" r:lo="rId3" r:qs="rId4" r:cs="rId5"/>
+          </a:graphicData>
+        </a:graphic>
+      </p:graphicFrame>
+    </p:spTree>
+    <p:extLst>
+      <p:ext uri="{BB962C8B-B14F-4D97-AF65-F5344CB8AC3E}">
+        <p14:creationId xmlns:p14="http://schemas.microsoft.com/office/powerpoint/2010/main" val="4120409385"/>
+      </p:ext>
+    </p:extLst>
+  </p:cSld>
+  <p:clrMapOvr>
+    <a:masterClrMapping/>
+  </p:clrMapOvr>
+</p:sld>
+</file>
+
+<file path=ppt/slides/slide7.xml><?xml version="1.0" encoding="utf-8"?>
 <p:sld xmlns:a="http://schemas.openxmlformats.org/drawingml/2006/main" xmlns:r="http://schemas.openxmlformats.org/officeDocument/2006/relationships" xmlns:p="http://schemas.openxmlformats.org/presentationml/2006/main">
   <p:cSld>
     <p:spTree>
@@ -3796,7 +8845,7 @@
           <a:bodyPr/>
           <a:lstStyle/>
           <a:p>
-            <a:endParaRPr lang="en-US"/>
+            <a:endParaRPr lang="en-US" dirty="0"/>
           </a:p>
         </p:txBody>
       </p:sp>

--- a/R_Morgan_Project4_Files/R_Morgan_Project4_Presentation.pptx
+++ b/R_Morgan_Project4_Files/R_Morgan_Project4_Presentation.pptx
@@ -9,9 +9,10 @@
     <p:sldId id="260" r:id="rId3"/>
     <p:sldId id="261" r:id="rId4"/>
     <p:sldId id="257" r:id="rId5"/>
-    <p:sldId id="258" r:id="rId6"/>
-    <p:sldId id="262" r:id="rId7"/>
-    <p:sldId id="259" r:id="rId8"/>
+    <p:sldId id="263" r:id="rId6"/>
+    <p:sldId id="258" r:id="rId7"/>
+    <p:sldId id="262" r:id="rId8"/>
+    <p:sldId id="259" r:id="rId9"/>
   </p:sldIdLst>
   <p:sldSz cx="12192000" cy="6858000"/>
   <p:notesSz cx="6858000" cy="9144000"/>
@@ -1657,7 +1658,18 @@
     </dgm:pt>
     <dgm:pt modelId="{CE72F143-40B0-6448-AF8C-02E290C8D804}">
       <dgm:prSet phldrT="[Text]"/>
-      <dgm:spPr/>
+      <dgm:spPr>
+        <a:solidFill>
+          <a:schemeClr val="accent6">
+            <a:lumMod val="75000"/>
+          </a:schemeClr>
+        </a:solidFill>
+        <a:ln>
+          <a:solidFill>
+            <a:schemeClr val="accent1"/>
+          </a:solidFill>
+        </a:ln>
+      </dgm:spPr>
       <dgm:t>
         <a:bodyPr/>
         <a:lstStyle/>
@@ -1698,7 +1710,16 @@
     </dgm:pt>
     <dgm:pt modelId="{3BE8D899-7A14-7641-82B3-175CD8206186}">
       <dgm:prSet phldrT="[Text]"/>
-      <dgm:spPr/>
+      <dgm:spPr>
+        <a:solidFill>
+          <a:srgbClr val="7030A0"/>
+        </a:solidFill>
+        <a:ln>
+          <a:solidFill>
+            <a:schemeClr val="accent1"/>
+          </a:solidFill>
+        </a:ln>
+      </dgm:spPr>
       <dgm:t>
         <a:bodyPr/>
         <a:lstStyle/>
@@ -1747,7 +1768,14 @@
     </dgm:pt>
     <dgm:pt modelId="{6BA4E12E-2D1C-D347-9B3D-2652C95D3D1C}" type="pres">
       <dgm:prSet presAssocID="{6675843D-AE7A-5D49-B3BD-3AC72FBF91BE}" presName="imgShp" presStyleLbl="fgImgPlace1" presStyleIdx="0" presStyleCnt="3"/>
-      <dgm:spPr/>
+      <dgm:spPr>
+        <a:solidFill>
+          <a:schemeClr val="accent1">
+            <a:lumMod val="60000"/>
+            <a:lumOff val="40000"/>
+          </a:schemeClr>
+        </a:solidFill>
+      </dgm:spPr>
     </dgm:pt>
     <dgm:pt modelId="{A44E0F18-DF66-2A4E-95D5-4DBC55DA1B58}" type="pres">
       <dgm:prSet presAssocID="{6675843D-AE7A-5D49-B3BD-3AC72FBF91BE}" presName="txShp" presStyleLbl="node1" presStyleIdx="0" presStyleCnt="3">
@@ -1767,7 +1795,13 @@
     </dgm:pt>
     <dgm:pt modelId="{38B2F298-B01E-A146-ADC2-FA867A772D64}" type="pres">
       <dgm:prSet presAssocID="{CE72F143-40B0-6448-AF8C-02E290C8D804}" presName="imgShp" presStyleLbl="fgImgPlace1" presStyleIdx="1" presStyleCnt="3"/>
-      <dgm:spPr/>
+      <dgm:spPr>
+        <a:solidFill>
+          <a:schemeClr val="accent6">
+            <a:lumMod val="50000"/>
+          </a:schemeClr>
+        </a:solidFill>
+      </dgm:spPr>
     </dgm:pt>
     <dgm:pt modelId="{468877B9-487F-1F4C-B4B1-40047D953C5F}" type="pres">
       <dgm:prSet presAssocID="{CE72F143-40B0-6448-AF8C-02E290C8D804}" presName="txShp" presStyleLbl="node1" presStyleIdx="1" presStyleCnt="3">
@@ -1787,7 +1821,11 @@
     </dgm:pt>
     <dgm:pt modelId="{C5109D02-D6EA-8A40-9625-C9921A3704EC}" type="pres">
       <dgm:prSet presAssocID="{3BE8D899-7A14-7641-82B3-175CD8206186}" presName="imgShp" presStyleLbl="fgImgPlace1" presStyleIdx="2" presStyleCnt="3"/>
-      <dgm:spPr/>
+      <dgm:spPr>
+        <a:solidFill>
+          <a:srgbClr val="002060"/>
+        </a:solidFill>
+      </dgm:spPr>
     </dgm:pt>
     <dgm:pt modelId="{1C4DF34C-56B0-2E4F-9C1F-712A11B36378}" type="pres">
       <dgm:prSet presAssocID="{3BE8D899-7A14-7641-82B3-175CD8206186}" presName="txShp" presStyleLbl="node1" presStyleIdx="2" presStyleCnt="3">
@@ -2083,11 +2121,8 @@
         </a:prstGeom>
         <a:solidFill>
           <a:schemeClr val="accent1">
-            <a:tint val="50000"/>
-            <a:hueOff val="0"/>
-            <a:satOff val="0"/>
-            <a:lumOff val="0"/>
-            <a:alphaOff val="0"/>
+            <a:lumMod val="60000"/>
+            <a:lumOff val="40000"/>
           </a:schemeClr>
         </a:solidFill>
         <a:ln w="12700" cap="flat" cmpd="sng" algn="ctr">
@@ -2131,21 +2166,13 @@
           <a:avLst/>
         </a:prstGeom>
         <a:solidFill>
-          <a:schemeClr val="accent1">
-            <a:hueOff val="0"/>
-            <a:satOff val="0"/>
-            <a:lumOff val="0"/>
-            <a:alphaOff val="0"/>
+          <a:schemeClr val="accent6">
+            <a:lumMod val="75000"/>
           </a:schemeClr>
         </a:solidFill>
         <a:ln w="12700" cap="flat" cmpd="sng" algn="ctr">
           <a:solidFill>
-            <a:schemeClr val="lt1">
-              <a:hueOff val="0"/>
-              <a:satOff val="0"/>
-              <a:lumOff val="0"/>
-              <a:alphaOff val="0"/>
-            </a:schemeClr>
+            <a:schemeClr val="accent1"/>
           </a:solidFill>
           <a:prstDash val="solid"/>
           <a:miter lim="800000"/>
@@ -2214,12 +2241,8 @@
           <a:avLst/>
         </a:prstGeom>
         <a:solidFill>
-          <a:schemeClr val="accent1">
-            <a:tint val="50000"/>
-            <a:hueOff val="0"/>
-            <a:satOff val="0"/>
-            <a:lumOff val="0"/>
-            <a:alphaOff val="0"/>
+          <a:schemeClr val="accent6">
+            <a:lumMod val="50000"/>
           </a:schemeClr>
         </a:solidFill>
         <a:ln w="12700" cap="flat" cmpd="sng" algn="ctr">
@@ -2263,21 +2286,11 @@
           <a:avLst/>
         </a:prstGeom>
         <a:solidFill>
-          <a:schemeClr val="accent1">
-            <a:hueOff val="0"/>
-            <a:satOff val="0"/>
-            <a:lumOff val="0"/>
-            <a:alphaOff val="0"/>
-          </a:schemeClr>
+          <a:srgbClr val="7030A0"/>
         </a:solidFill>
         <a:ln w="12700" cap="flat" cmpd="sng" algn="ctr">
           <a:solidFill>
-            <a:schemeClr val="lt1">
-              <a:hueOff val="0"/>
-              <a:satOff val="0"/>
-              <a:lumOff val="0"/>
-              <a:alphaOff val="0"/>
-            </a:schemeClr>
+            <a:schemeClr val="accent1"/>
           </a:solidFill>
           <a:prstDash val="solid"/>
           <a:miter lim="800000"/>
@@ -2341,13 +2354,7 @@
           <a:avLst/>
         </a:prstGeom>
         <a:solidFill>
-          <a:schemeClr val="accent1">
-            <a:tint val="50000"/>
-            <a:hueOff val="0"/>
-            <a:satOff val="0"/>
-            <a:lumOff val="0"/>
-            <a:alphaOff val="0"/>
-          </a:schemeClr>
+          <a:srgbClr val="002060"/>
         </a:solidFill>
         <a:ln w="12700" cap="flat" cmpd="sng" algn="ctr">
           <a:solidFill>
@@ -5192,7 +5199,7 @@
           <a:p>
             <a:fld id="{CBA48A1A-F3D7-4547-93D7-5425B2B05B0B}" type="datetimeFigureOut">
               <a:rPr lang="en-US" smtClean="0"/>
-              <a:t>10/14/18</a:t>
+              <a:t>10/15/18</a:t>
             </a:fld>
             <a:endParaRPr lang="en-US"/>
           </a:p>
@@ -5390,7 +5397,7 @@
           <a:p>
             <a:fld id="{CBA48A1A-F3D7-4547-93D7-5425B2B05B0B}" type="datetimeFigureOut">
               <a:rPr lang="en-US" smtClean="0"/>
-              <a:t>10/14/18</a:t>
+              <a:t>10/15/18</a:t>
             </a:fld>
             <a:endParaRPr lang="en-US"/>
           </a:p>
@@ -5598,7 +5605,7 @@
           <a:p>
             <a:fld id="{CBA48A1A-F3D7-4547-93D7-5425B2B05B0B}" type="datetimeFigureOut">
               <a:rPr lang="en-US" smtClean="0"/>
-              <a:t>10/14/18</a:t>
+              <a:t>10/15/18</a:t>
             </a:fld>
             <a:endParaRPr lang="en-US"/>
           </a:p>
@@ -5796,7 +5803,7 @@
           <a:p>
             <a:fld id="{CBA48A1A-F3D7-4547-93D7-5425B2B05B0B}" type="datetimeFigureOut">
               <a:rPr lang="en-US" smtClean="0"/>
-              <a:t>10/14/18</a:t>
+              <a:t>10/15/18</a:t>
             </a:fld>
             <a:endParaRPr lang="en-US"/>
           </a:p>
@@ -6071,7 +6078,7 @@
           <a:p>
             <a:fld id="{CBA48A1A-F3D7-4547-93D7-5425B2B05B0B}" type="datetimeFigureOut">
               <a:rPr lang="en-US" smtClean="0"/>
-              <a:t>10/14/18</a:t>
+              <a:t>10/15/18</a:t>
             </a:fld>
             <a:endParaRPr lang="en-US"/>
           </a:p>
@@ -6336,7 +6343,7 @@
           <a:p>
             <a:fld id="{CBA48A1A-F3D7-4547-93D7-5425B2B05B0B}" type="datetimeFigureOut">
               <a:rPr lang="en-US" smtClean="0"/>
-              <a:t>10/14/18</a:t>
+              <a:t>10/15/18</a:t>
             </a:fld>
             <a:endParaRPr lang="en-US"/>
           </a:p>
@@ -6748,7 +6755,7 @@
           <a:p>
             <a:fld id="{CBA48A1A-F3D7-4547-93D7-5425B2B05B0B}" type="datetimeFigureOut">
               <a:rPr lang="en-US" smtClean="0"/>
-              <a:t>10/14/18</a:t>
+              <a:t>10/15/18</a:t>
             </a:fld>
             <a:endParaRPr lang="en-US"/>
           </a:p>
@@ -6889,7 +6896,7 @@
           <a:p>
             <a:fld id="{CBA48A1A-F3D7-4547-93D7-5425B2B05B0B}" type="datetimeFigureOut">
               <a:rPr lang="en-US" smtClean="0"/>
-              <a:t>10/14/18</a:t>
+              <a:t>10/15/18</a:t>
             </a:fld>
             <a:endParaRPr lang="en-US"/>
           </a:p>
@@ -7002,7 +7009,7 @@
           <a:p>
             <a:fld id="{CBA48A1A-F3D7-4547-93D7-5425B2B05B0B}" type="datetimeFigureOut">
               <a:rPr lang="en-US" smtClean="0"/>
-              <a:t>10/14/18</a:t>
+              <a:t>10/15/18</a:t>
             </a:fld>
             <a:endParaRPr lang="en-US"/>
           </a:p>
@@ -7313,7 +7320,7 @@
           <a:p>
             <a:fld id="{CBA48A1A-F3D7-4547-93D7-5425B2B05B0B}" type="datetimeFigureOut">
               <a:rPr lang="en-US" smtClean="0"/>
-              <a:t>10/14/18</a:t>
+              <a:t>10/15/18</a:t>
             </a:fld>
             <a:endParaRPr lang="en-US"/>
           </a:p>
@@ -7601,7 +7608,7 @@
           <a:p>
             <a:fld id="{CBA48A1A-F3D7-4547-93D7-5425B2B05B0B}" type="datetimeFigureOut">
               <a:rPr lang="en-US" smtClean="0"/>
-              <a:t>10/14/18</a:t>
+              <a:t>10/15/18</a:t>
             </a:fld>
             <a:endParaRPr lang="en-US"/>
           </a:p>
@@ -7842,7 +7849,7 @@
           <a:p>
             <a:fld id="{CBA48A1A-F3D7-4547-93D7-5425B2B05B0B}" type="datetimeFigureOut">
               <a:rPr lang="en-US" smtClean="0"/>
-              <a:t>10/14/18</a:t>
+              <a:t>10/15/18</a:t>
             </a:fld>
             <a:endParaRPr lang="en-US"/>
           </a:p>
@@ -8657,7 +8664,7 @@
           <p:cNvPr id="2" name="Title 1">
             <a:extLst>
               <a:ext uri="{FF2B5EF4-FFF2-40B4-BE49-F238E27FC236}">
-                <a16:creationId xmlns:a16="http://schemas.microsoft.com/office/drawing/2014/main" id="{FC2BECE1-11FA-6749-8E46-FF5018CCED17}"/>
+                <a16:creationId xmlns:a16="http://schemas.microsoft.com/office/drawing/2014/main" id="{4D4E3F0B-9119-8242-962B-25BB0FEEBB58}"/>
               </a:ext>
             </a:extLst>
           </p:cNvPr>
@@ -8674,44 +8681,80 @@
           <a:lstStyle/>
           <a:p>
             <a:r>
-              <a:rPr lang="en-US" dirty="0"/>
-              <a:t>Classification Model</a:t>
+              <a:rPr lang="en-US"/>
+              <a:t>Methodology</a:t>
             </a:r>
+            <a:endParaRPr lang="en-US" dirty="0"/>
           </a:p>
         </p:txBody>
       </p:sp>
-      <p:graphicFrame>
-        <p:nvGraphicFramePr>
-          <p:cNvPr id="5" name="Diagram 4">
+      <p:sp>
+        <p:nvSpPr>
+          <p:cNvPr id="3" name="Content Placeholder 2">
             <a:extLst>
               <a:ext uri="{FF2B5EF4-FFF2-40B4-BE49-F238E27FC236}">
-                <a16:creationId xmlns:a16="http://schemas.microsoft.com/office/drawing/2014/main" id="{DA7F004A-2792-7949-9C48-BE867F7B688A}"/>
+                <a16:creationId xmlns:a16="http://schemas.microsoft.com/office/drawing/2014/main" id="{347A00ED-89AB-4F4E-AACD-362E66DFE17C}"/>
               </a:ext>
             </a:extLst>
           </p:cNvPr>
-          <p:cNvGraphicFramePr/>
+          <p:cNvSpPr>
+            <a:spLocks noGrp="1"/>
+          </p:cNvSpPr>
           <p:nvPr>
-            <p:extLst>
-              <p:ext uri="{D42A27DB-BD31-4B8C-83A1-F6EECF244321}">
-                <p14:modId xmlns:p14="http://schemas.microsoft.com/office/powerpoint/2010/main" val="1839521398"/>
-              </p:ext>
-            </p:extLst>
+            <p:ph idx="1"/>
           </p:nvPr>
-        </p:nvGraphicFramePr>
-        <p:xfrm>
-          <a:off x="2032000" y="1690688"/>
-          <a:ext cx="6671467" cy="4447645"/>
-        </p:xfrm>
-        <a:graphic>
-          <a:graphicData uri="http://schemas.openxmlformats.org/drawingml/2006/diagram">
-            <dgm:relIds xmlns:dgm="http://schemas.openxmlformats.org/drawingml/2006/diagram" xmlns:r="http://schemas.openxmlformats.org/officeDocument/2006/relationships" r:dm="rId2" r:lo="rId3" r:qs="rId4" r:cs="rId5"/>
-          </a:graphicData>
-        </a:graphic>
-      </p:graphicFrame>
+        </p:nvSpPr>
+        <p:spPr/>
+        <p:txBody>
+          <a:bodyPr/>
+          <a:lstStyle/>
+          <a:p>
+            <a:pPr marL="514350" indent="-514350">
+              <a:buFont typeface="+mj-lt"/>
+              <a:buAutoNum type="arabicPeriod"/>
+            </a:pPr>
+            <a:r>
+              <a:rPr lang="en-US" dirty="0"/>
+              <a:t>Predict whether long-standing customers will cancel their subscription to the telecom’s services, based on usage data.</a:t>
+            </a:r>
+          </a:p>
+          <a:p>
+            <a:pPr lvl="1"/>
+            <a:r>
+              <a:rPr lang="en-US" b="1" dirty="0"/>
+              <a:t>CLASSIFICATION VIA MACHINE LEARNING</a:t>
+            </a:r>
+          </a:p>
+          <a:p>
+            <a:pPr marL="514350" indent="-514350">
+              <a:buFont typeface="+mj-lt"/>
+              <a:buAutoNum type="arabicPeriod"/>
+            </a:pPr>
+            <a:endParaRPr lang="en-US" dirty="0"/>
+          </a:p>
+          <a:p>
+            <a:pPr marL="514350" indent="-514350">
+              <a:buFont typeface="+mj-lt"/>
+              <a:buAutoNum type="arabicPeriod"/>
+            </a:pPr>
+            <a:r>
+              <a:rPr lang="en-US" dirty="0"/>
+              <a:t>Determine which customer characteristics or product usage indicate a likelihood that the customer will churn</a:t>
+            </a:r>
+          </a:p>
+          <a:p>
+            <a:pPr lvl="1"/>
+            <a:r>
+              <a:rPr lang="en-US" b="1" dirty="0"/>
+              <a:t>FEATURE SELECTION &amp; IMPORTANCE</a:t>
+            </a:r>
+          </a:p>
+        </p:txBody>
+      </p:sp>
     </p:spTree>
     <p:extLst>
       <p:ext uri="{BB962C8B-B14F-4D97-AF65-F5344CB8AC3E}">
-        <p14:creationId xmlns:p14="http://schemas.microsoft.com/office/powerpoint/2010/main" val="2436474401"/>
+        <p14:creationId xmlns:p14="http://schemas.microsoft.com/office/powerpoint/2010/main" val="1500157999"/>
       </p:ext>
     </p:extLst>
   </p:cSld>
@@ -8760,8 +8803,8 @@
           <a:lstStyle/>
           <a:p>
             <a:r>
-              <a:rPr lang="en-US" dirty="0"/>
-              <a:t>Models for Feature Selection</a:t>
+              <a:rPr lang="en-US" b="1" dirty="0"/>
+              <a:t>Classification Models</a:t>
             </a:r>
           </a:p>
         </p:txBody>
@@ -8779,13 +8822,99 @@
           <p:nvPr>
             <p:extLst>
               <p:ext uri="{D42A27DB-BD31-4B8C-83A1-F6EECF244321}">
-                <p14:modId xmlns:p14="http://schemas.microsoft.com/office/powerpoint/2010/main" val="786249890"/>
+                <p14:modId xmlns:p14="http://schemas.microsoft.com/office/powerpoint/2010/main" val="2104534871"/>
               </p:ext>
             </p:extLst>
           </p:nvPr>
         </p:nvGraphicFramePr>
         <p:xfrm>
-          <a:off x="2506134" y="1690688"/>
+          <a:off x="2032000" y="1690688"/>
+          <a:ext cx="6671467" cy="4447645"/>
+        </p:xfrm>
+        <a:graphic>
+          <a:graphicData uri="http://schemas.openxmlformats.org/drawingml/2006/diagram">
+            <dgm:relIds xmlns:dgm="http://schemas.openxmlformats.org/drawingml/2006/diagram" xmlns:r="http://schemas.openxmlformats.org/officeDocument/2006/relationships" r:dm="rId2" r:lo="rId3" r:qs="rId4" r:cs="rId5"/>
+          </a:graphicData>
+        </a:graphic>
+      </p:graphicFrame>
+    </p:spTree>
+    <p:extLst>
+      <p:ext uri="{BB962C8B-B14F-4D97-AF65-F5344CB8AC3E}">
+        <p14:creationId xmlns:p14="http://schemas.microsoft.com/office/powerpoint/2010/main" val="2436474401"/>
+      </p:ext>
+    </p:extLst>
+  </p:cSld>
+  <p:clrMapOvr>
+    <a:masterClrMapping/>
+  </p:clrMapOvr>
+</p:sld>
+</file>
+
+<file path=ppt/slides/slide7.xml><?xml version="1.0" encoding="utf-8"?>
+<p:sld xmlns:a="http://schemas.openxmlformats.org/drawingml/2006/main" xmlns:r="http://schemas.openxmlformats.org/officeDocument/2006/relationships" xmlns:p="http://schemas.openxmlformats.org/presentationml/2006/main">
+  <p:cSld>
+    <p:spTree>
+      <p:nvGrpSpPr>
+        <p:cNvPr id="1" name=""/>
+        <p:cNvGrpSpPr/>
+        <p:nvPr/>
+      </p:nvGrpSpPr>
+      <p:grpSpPr>
+        <a:xfrm>
+          <a:off x="0" y="0"/>
+          <a:ext cx="0" cy="0"/>
+          <a:chOff x="0" y="0"/>
+          <a:chExt cx="0" cy="0"/>
+        </a:xfrm>
+      </p:grpSpPr>
+      <p:sp>
+        <p:nvSpPr>
+          <p:cNvPr id="2" name="Title 1">
+            <a:extLst>
+              <a:ext uri="{FF2B5EF4-FFF2-40B4-BE49-F238E27FC236}">
+                <a16:creationId xmlns:a16="http://schemas.microsoft.com/office/drawing/2014/main" id="{FC2BECE1-11FA-6749-8E46-FF5018CCED17}"/>
+              </a:ext>
+            </a:extLst>
+          </p:cNvPr>
+          <p:cNvSpPr>
+            <a:spLocks noGrp="1"/>
+          </p:cNvSpPr>
+          <p:nvPr>
+            <p:ph type="title"/>
+          </p:nvPr>
+        </p:nvSpPr>
+        <p:spPr/>
+        <p:txBody>
+          <a:bodyPr/>
+          <a:lstStyle/>
+          <a:p>
+            <a:r>
+              <a:rPr lang="en-US" b="1" dirty="0"/>
+              <a:t>Models for Feature Selection</a:t>
+            </a:r>
+          </a:p>
+        </p:txBody>
+      </p:sp>
+      <p:graphicFrame>
+        <p:nvGraphicFramePr>
+          <p:cNvPr id="5" name="Diagram 4">
+            <a:extLst>
+              <a:ext uri="{FF2B5EF4-FFF2-40B4-BE49-F238E27FC236}">
+                <a16:creationId xmlns:a16="http://schemas.microsoft.com/office/drawing/2014/main" id="{DA7F004A-2792-7949-9C48-BE867F7B688A}"/>
+              </a:ext>
+            </a:extLst>
+          </p:cNvPr>
+          <p:cNvGraphicFramePr/>
+          <p:nvPr>
+            <p:extLst>
+              <p:ext uri="{D42A27DB-BD31-4B8C-83A1-F6EECF244321}">
+                <p14:modId xmlns:p14="http://schemas.microsoft.com/office/powerpoint/2010/main" val="606700981"/>
+              </p:ext>
+            </p:extLst>
+          </p:nvPr>
+        </p:nvGraphicFramePr>
+        <p:xfrm>
+          <a:off x="1756834" y="1690688"/>
           <a:ext cx="7721600" cy="4148668"/>
         </p:xfrm>
         <a:graphic>
@@ -8807,7 +8936,7 @@
 </p:sld>
 </file>
 
-<file path=ppt/slides/slide7.xml><?xml version="1.0" encoding="utf-8"?>
+<file path=ppt/slides/slide8.xml><?xml version="1.0" encoding="utf-8"?>
 <p:sld xmlns:a="http://schemas.openxmlformats.org/drawingml/2006/main" xmlns:r="http://schemas.openxmlformats.org/officeDocument/2006/relationships" xmlns:p="http://schemas.openxmlformats.org/presentationml/2006/main">
   <p:cSld>
     <p:spTree>
